--- a/doc/sotsuron_defense/bd.pptx
+++ b/doc/sotsuron_defense/bd.pptx
@@ -4707,6 +4707,14 @@
           <a:p>
             <a:r>
               <a:rPr kumimoji="1" lang="ja-JP" altLang="en-US" dirty="0"/>
+              <a:t>関連研究</a:t>
+            </a:r>
+            <a:r>
+              <a:rPr kumimoji="1" lang="en-US" altLang="ja-JP" dirty="0"/>
+              <a:t> 2/3 : </a:t>
+            </a:r>
+            <a:r>
+              <a:rPr kumimoji="1" lang="ja-JP" altLang="en-US" dirty="0"/>
               <a:t>機械学習の</a:t>
             </a:r>
             <a:r>
@@ -4758,7 +4766,7 @@
         </p:nvSpPr>
         <p:spPr>
           <a:xfrm>
-            <a:off x="831427" y="1658836"/>
+            <a:off x="831427" y="1599072"/>
             <a:ext cx="1266693" cy="369332"/>
           </a:xfrm>
           <a:prstGeom prst="rect">
@@ -4988,7 +4996,7 @@
         </p:nvSpPr>
         <p:spPr>
           <a:xfrm>
-            <a:off x="3440193" y="1658836"/>
+            <a:off x="3440193" y="1599072"/>
             <a:ext cx="1430800" cy="369332"/>
           </a:xfrm>
           <a:prstGeom prst="rect">
@@ -5018,7 +5026,7 @@
         </p:nvSpPr>
         <p:spPr>
           <a:xfrm>
-            <a:off x="7476534" y="1658836"/>
+            <a:off x="7476534" y="1599072"/>
             <a:ext cx="1107996" cy="369332"/>
           </a:xfrm>
           <a:prstGeom prst="rect">
@@ -5163,7 +5171,7 @@
         </p:nvSpPr>
         <p:spPr>
           <a:xfrm>
-            <a:off x="5694680" y="1658836"/>
+            <a:off x="5694680" y="1599072"/>
             <a:ext cx="844702" cy="369332"/>
           </a:xfrm>
           <a:prstGeom prst="rect">
@@ -5300,7 +5308,7 @@
         </p:nvSpPr>
         <p:spPr>
           <a:xfrm>
-            <a:off x="2297435" y="5788958"/>
+            <a:off x="2446855" y="5863663"/>
             <a:ext cx="1342291" cy="292388"/>
           </a:xfrm>
           <a:prstGeom prst="rect">
@@ -5342,7 +5350,7 @@
         <p:spPr>
           <a:xfrm>
             <a:off x="869741" y="6373867"/>
-            <a:ext cx="7782042" cy="292388"/>
+            <a:ext cx="6712914" cy="292388"/>
           </a:xfrm>
           <a:prstGeom prst="rect">
             <a:avLst/>
@@ -5356,8 +5364,12 @@
           <a:lstStyle/>
           <a:p>
             <a:r>
+              <a:rPr kumimoji="1" lang="pl-PL" altLang="ja-JP" sz="1100" baseline="0" dirty="0" err="1"/>
+              <a:t>http://www.mathworks.co.jp/jp/help/vision/examples/digit-classification-using-hog-features.html</a:t>
+            </a:r>
+            <a:r>
               <a:rPr kumimoji="1" lang="pl-PL" altLang="ja-JP" baseline="0" dirty="0" err="1"/>
-              <a:t>http://www.mathworks.co.jp/jp/help/vision/examples/digit-classification-using-hog-features.html </a:t>
+              <a:t> </a:t>
             </a:r>
             <a:r>
               <a:rPr kumimoji="1" lang="ja-JP" altLang="en-US" baseline="0" dirty="0" err="1"/>
@@ -5375,8 +5387,8 @@
         </p:nvSpPr>
         <p:spPr>
           <a:xfrm>
-            <a:off x="5556721" y="4894959"/>
-            <a:ext cx="2154606" cy="692497"/>
+            <a:off x="5556721" y="4850136"/>
+            <a:ext cx="2528895" cy="1292662"/>
           </a:xfrm>
           <a:prstGeom prst="rect">
             <a:avLst/>
@@ -5414,7 +5426,23 @@
               <a:rPr kumimoji="1" lang="ja-JP" altLang="en-US" baseline="0" dirty="0" err="1"/>
               <a:t>数式・アルゴリズムの総称</a:t>
             </a:r>
-            <a:endParaRPr kumimoji="1" lang="ja-JP" altLang="en-US" baseline="0" dirty="0" err="1" smtClean="0"/>
+            <a:endParaRPr kumimoji="1" lang="en-US" altLang="ja-JP" baseline="0" dirty="0" err="1"/>
+          </a:p>
+          <a:p>
+            <a:endParaRPr kumimoji="1" lang="en-US" altLang="ja-JP" baseline="0" dirty="0" err="1"/>
+          </a:p>
+          <a:p>
+            <a:r>
+              <a:rPr kumimoji="1" lang="en-US" altLang="ja-JP" baseline="0" dirty="0" err="1"/>
+              <a:t>SVM (Support Vector Machine):</a:t>
+            </a:r>
+          </a:p>
+          <a:p>
+            <a:r>
+              <a:rPr kumimoji="1" lang="ja-JP" altLang="en-US" baseline="0" dirty="0" err="1"/>
+              <a:t>分類モデルの一種</a:t>
+            </a:r>
+            <a:endParaRPr kumimoji="1" lang="en-US" altLang="ja-JP" baseline="0" dirty="0" err="1"/>
           </a:p>
         </p:txBody>
       </p:sp>
@@ -5593,6 +5621,14 @@
           <a:lstStyle/>
           <a:p>
             <a:r>
+              <a:rPr kumimoji="1" lang="ja-JP" altLang="en-US" dirty="0"/>
+              <a:t>関連研究</a:t>
+            </a:r>
+            <a:r>
+              <a:rPr kumimoji="1" lang="en-US" altLang="ja-JP" dirty="0"/>
+              <a:t> 3/3 : </a:t>
+            </a:r>
+            <a:r>
               <a:rPr kumimoji="1" lang="ja-JP" altLang="en-US"/>
               <a:t>機械学習で利用される、代表的な分類器</a:t>
             </a:r>
@@ -5712,8 +5748,8 @@
         </p:nvSpPr>
         <p:spPr>
           <a:xfrm>
-            <a:off x="1391033" y="5334173"/>
-            <a:ext cx="5802903" cy="492443"/>
+            <a:off x="927831" y="5334173"/>
+            <a:ext cx="7167748" cy="584776"/>
           </a:xfrm>
           <a:prstGeom prst="rect">
             <a:avLst/>
@@ -5727,37 +5763,53 @@
           <a:lstStyle/>
           <a:p>
             <a:r>
-              <a:rPr kumimoji="1" lang="ja-JP" altLang="en-US" baseline="0" dirty="0" err="1" smtClean="0"/>
-              <a:t>人間の脳の構造を模倣したモデル　</a:t>
-            </a:r>
-            <a:r>
-              <a:rPr kumimoji="1" lang="ja-JP" altLang="en-US" baseline="0" dirty="0" err="1"/>
+              <a:rPr kumimoji="1" lang="ja-JP" altLang="en-US" sz="1600" baseline="0" dirty="0" err="1" smtClean="0">
+                <a:solidFill>
+                  <a:srgbClr val="FF6600"/>
+                </a:solidFill>
+              </a:rPr>
+              <a:t>人間の脳の構造を模倣</a:t>
+            </a:r>
+            <a:r>
+              <a:rPr kumimoji="1" lang="ja-JP" altLang="en-US" sz="1600" baseline="0" dirty="0" err="1" smtClean="0"/>
+              <a:t>したモデル　</a:t>
+            </a:r>
+            <a:r>
+              <a:rPr kumimoji="1" lang="en-US" altLang="ja-JP" sz="1600" baseline="0" dirty="0" err="1" smtClean="0"/>
+              <a:t>(</a:t>
+            </a:r>
+            <a:r>
+              <a:rPr kumimoji="1" lang="ja-JP" altLang="en-US" sz="1600" baseline="0" dirty="0" err="1"/>
               <a:t>ただし近年、脳との差異がわかってきている</a:t>
             </a:r>
-            <a:endParaRPr kumimoji="1" lang="ja-JP" altLang="en-US" baseline="0" dirty="0" err="1" smtClean="0"/>
-          </a:p>
-          <a:p>
-            <a:r>
-              <a:rPr kumimoji="1" lang="ja-JP" altLang="en-US" baseline="0" dirty="0" err="1"/>
+            <a:r>
+              <a:rPr kumimoji="1" lang="en-US" altLang="ja-JP" sz="1600" baseline="0" dirty="0" err="1"/>
+              <a:t>)</a:t>
+            </a:r>
+            <a:endParaRPr kumimoji="1" lang="ja-JP" altLang="en-US" sz="1600" baseline="0" dirty="0" err="1" smtClean="0"/>
+          </a:p>
+          <a:p>
+            <a:r>
+              <a:rPr kumimoji="1" lang="ja-JP" altLang="en-US" sz="1600" baseline="0" dirty="0" err="1"/>
               <a:t>中間層</a:t>
             </a:r>
             <a:r>
-              <a:rPr kumimoji="1" lang="en-US" altLang="ja-JP" baseline="0" dirty="0" err="1"/>
+              <a:rPr kumimoji="1" lang="en-US" altLang="ja-JP" sz="1600" baseline="0" dirty="0" err="1"/>
               <a:t>(</a:t>
             </a:r>
             <a:r>
-              <a:rPr kumimoji="1" lang="ja-JP" altLang="en-US" baseline="0" dirty="0" err="1"/>
+              <a:rPr kumimoji="1" lang="ja-JP" altLang="en-US" sz="1600" baseline="0" dirty="0" err="1"/>
               <a:t>隠れ層</a:t>
             </a:r>
             <a:r>
-              <a:rPr kumimoji="1" lang="en-US" altLang="ja-JP" baseline="0" dirty="0" err="1"/>
+              <a:rPr kumimoji="1" lang="en-US" altLang="ja-JP" sz="1600" baseline="0" dirty="0" err="1"/>
               <a:t>)</a:t>
             </a:r>
             <a:r>
-              <a:rPr kumimoji="1" lang="ja-JP" altLang="en-US" baseline="0" dirty="0" err="1"/>
-              <a:t>を入れたモデルは、任意の非線形関数を近似可能</a:t>
-            </a:r>
-            <a:endParaRPr kumimoji="1" lang="ja-JP" altLang="en-US" baseline="0" dirty="0" err="1" smtClean="0"/>
+              <a:rPr kumimoji="1" lang="ja-JP" altLang="en-US" sz="1600" baseline="0" dirty="0" err="1"/>
+              <a:t>を入れたバージョンは、任意の非線形関数を近似可能</a:t>
+            </a:r>
+            <a:endParaRPr kumimoji="1" lang="ja-JP" altLang="en-US" sz="1600" baseline="0" dirty="0" err="1" smtClean="0"/>
           </a:p>
         </p:txBody>
       </p:sp>
@@ -6369,7 +6421,19 @@
             </a:r>
             <a:r>
               <a:rPr kumimoji="1" lang="ja-JP" altLang="en-US" dirty="0" err="1"/>
-              <a:t>年以降、画像・音声・化学反応予測など様々なデータに対し、優れた分類精度を発揮している。</a:t>
+              <a:t>年以降、画像・音声・化学反応予測など</a:t>
+            </a:r>
+            <a:r>
+              <a:rPr kumimoji="1" lang="ja-JP" altLang="en-US" dirty="0" err="1">
+                <a:solidFill>
+                  <a:srgbClr val="FF6600"/>
+                </a:solidFill>
+              </a:rPr>
+              <a:t>様々なデータに対し、優れた分類精度を発揮</a:t>
+            </a:r>
+            <a:r>
+              <a:rPr kumimoji="1" lang="ja-JP" altLang="en-US" dirty="0" err="1"/>
+              <a:t>している。</a:t>
             </a:r>
           </a:p>
           <a:p>
@@ -6876,15 +6940,35 @@
             </a:r>
             <a:r>
               <a:rPr kumimoji="1" lang="ja-JP" altLang="en-US" dirty="0" err="1"/>
-              <a:t>の一種で、レイヤー数を増加している</a:t>
-            </a:r>
-            <a:r>
-              <a:rPr kumimoji="1" lang="en-US" altLang="ja-JP" dirty="0" err="1"/>
+              <a:t>の一種で、</a:t>
+            </a:r>
+            <a:r>
+              <a:rPr kumimoji="1" lang="ja-JP" altLang="en-US" dirty="0" err="1">
+                <a:solidFill>
+                  <a:srgbClr val="FF6600"/>
+                </a:solidFill>
+              </a:rPr>
+              <a:t>レイヤー数を増加している</a:t>
+            </a:r>
+            <a:r>
+              <a:rPr kumimoji="1" lang="en-US" altLang="ja-JP" dirty="0" err="1">
+                <a:solidFill>
+                  <a:srgbClr val="FF6600"/>
+                </a:solidFill>
+              </a:rPr>
               <a:t> = </a:t>
             </a:r>
             <a:r>
+              <a:rPr kumimoji="1" lang="ja-JP" altLang="en-US" dirty="0" err="1">
+                <a:solidFill>
+                  <a:srgbClr val="FF6600"/>
+                </a:solidFill>
+              </a:rPr>
+              <a:t>より人間の脳構造に近づいている</a:t>
+            </a:r>
+            <a:r>
               <a:rPr kumimoji="1" lang="ja-JP" altLang="en-US" dirty="0" err="1"/>
-              <a:t>より人間の脳構造に近づいている。</a:t>
+              <a:t>。</a:t>
             </a:r>
           </a:p>
           <a:p>
@@ -7033,10 +7117,18 @@
           <a:lstStyle/>
           <a:p>
             <a:r>
-              <a:rPr kumimoji="1" lang="ja-JP" altLang="en-US" baseline="0" dirty="0" err="1" smtClean="0"/>
+              <a:rPr kumimoji="1" lang="ja-JP" altLang="en-US" baseline="0" dirty="0" err="1" smtClean="0">
+                <a:solidFill>
+                  <a:srgbClr val="FF6600"/>
+                </a:solidFill>
+              </a:rPr>
               <a:t>低抽象度</a:t>
             </a:r>
-            <a:endParaRPr kumimoji="1" lang="ja-JP" altLang="en-US" baseline="0" dirty="0" err="1" smtClean="0"/>
+            <a:endParaRPr kumimoji="1" lang="ja-JP" altLang="en-US" baseline="0" dirty="0" err="1" smtClean="0">
+              <a:solidFill>
+                <a:srgbClr val="FF6600"/>
+              </a:solidFill>
+            </a:endParaRPr>
           </a:p>
         </p:txBody>
       </p:sp>
@@ -7063,14 +7155,26 @@
           <a:lstStyle/>
           <a:p>
             <a:r>
-              <a:rPr kumimoji="1" lang="ja-JP" altLang="en-US" baseline="0" dirty="0" err="1"/>
+              <a:rPr kumimoji="1" lang="ja-JP" altLang="en-US" baseline="0" dirty="0" err="1">
+                <a:solidFill>
+                  <a:srgbClr val="FF6600"/>
+                </a:solidFill>
+              </a:rPr>
               <a:t>高</a:t>
             </a:r>
             <a:r>
-              <a:rPr kumimoji="1" lang="ja-JP" altLang="en-US" baseline="0" dirty="0" err="1" smtClean="0"/>
+              <a:rPr kumimoji="1" lang="ja-JP" altLang="en-US" baseline="0" dirty="0" err="1" smtClean="0">
+                <a:solidFill>
+                  <a:srgbClr val="FF6600"/>
+                </a:solidFill>
+              </a:rPr>
               <a:t>抽象度</a:t>
             </a:r>
-            <a:endParaRPr kumimoji="1" lang="ja-JP" altLang="en-US" baseline="0" dirty="0" err="1" smtClean="0"/>
+            <a:endParaRPr kumimoji="1" lang="ja-JP" altLang="en-US" baseline="0" dirty="0" err="1" smtClean="0">
+              <a:solidFill>
+                <a:srgbClr val="FF6600"/>
+              </a:solidFill>
+            </a:endParaRPr>
           </a:p>
         </p:txBody>
       </p:sp>
@@ -7914,7 +8018,7 @@
             </a:r>
             <a:r>
               <a:rPr kumimoji="1" lang="en-US" altLang="ja-JP" dirty="0"/>
-              <a:t>1/3 :</a:t>
+              <a:t>1/4 :</a:t>
             </a:r>
             <a:r>
               <a:rPr kumimoji="1" lang="ja-JP" altLang="en-US" dirty="0"/>
@@ -7964,8 +8068,8 @@
         </p:nvSpPr>
         <p:spPr bwMode="auto">
           <a:xfrm>
-            <a:off x="752073" y="894134"/>
-            <a:ext cx="3244901" cy="1017697"/>
+            <a:off x="752073" y="1434317"/>
+            <a:ext cx="3244901" cy="746452"/>
           </a:xfrm>
           <a:prstGeom prst="rect">
             <a:avLst/>
@@ -8062,8 +8166,8 @@
         </p:nvSpPr>
         <p:spPr bwMode="auto">
           <a:xfrm>
-            <a:off x="4909458" y="894134"/>
-            <a:ext cx="3244901" cy="1017697"/>
+            <a:off x="4909458" y="1434317"/>
+            <a:ext cx="3244901" cy="746452"/>
           </a:xfrm>
           <a:prstGeom prst="rect">
             <a:avLst/>
@@ -8122,7 +8226,7 @@
         </p:nvCxnSpPr>
         <p:spPr bwMode="auto">
           <a:xfrm flipH="1">
-            <a:off x="3996974" y="1402983"/>
+            <a:off x="3996974" y="1807543"/>
             <a:ext cx="912484" cy="0"/>
           </a:xfrm>
           <a:prstGeom prst="straightConnector1">
@@ -8151,7 +8255,7 @@
         </p:nvSpPr>
         <p:spPr>
           <a:xfrm>
-            <a:off x="4170752" y="1069559"/>
+            <a:off x="4170752" y="1413202"/>
             <a:ext cx="518091" cy="292388"/>
           </a:xfrm>
           <a:prstGeom prst="rect">
@@ -8180,7 +8284,7 @@
         </p:nvSpPr>
         <p:spPr bwMode="auto">
           <a:xfrm>
-            <a:off x="3919686" y="2034254"/>
+            <a:off x="3919686" y="2303192"/>
             <a:ext cx="1039766" cy="344631"/>
           </a:xfrm>
           <a:prstGeom prst="downArrow">
@@ -8216,8 +8320,8 @@
         </p:nvSpPr>
         <p:spPr bwMode="auto">
           <a:xfrm>
-            <a:off x="1928438" y="2469121"/>
-            <a:ext cx="5089654" cy="1017697"/>
+            <a:off x="1928438" y="2740366"/>
+            <a:ext cx="5089654" cy="746452"/>
           </a:xfrm>
           <a:prstGeom prst="rect">
             <a:avLst/>
@@ -8806,6 +8910,34 @@
           </a:p>
         </p:txBody>
       </p:sp>
+      <p:sp>
+        <p:nvSpPr>
+          <p:cNvPr id="30" name="コンテンツ プレースホルダ 2"/>
+          <p:cNvSpPr>
+            <a:spLocks noGrp="1"/>
+          </p:cNvSpPr>
+          <p:nvPr>
+            <p:ph idx="1"/>
+          </p:nvPr>
+        </p:nvSpPr>
+        <p:spPr>
+          <a:xfrm>
+            <a:off x="193773" y="820738"/>
+            <a:ext cx="8631237" cy="246221"/>
+          </a:xfrm>
+        </p:spPr>
+        <p:txBody>
+          <a:bodyPr/>
+          <a:lstStyle/>
+          <a:p>
+            <a:r>
+              <a:rPr kumimoji="1" lang="ja-JP" altLang="en-US" dirty="0"/>
+              <a:t>論文の情報だけから、アルゴリズムの細部や分類精度を再現するのは難しい。</a:t>
+            </a:r>
+            <a:endParaRPr kumimoji="1" lang="ja-JP" altLang="en-US" dirty="0"/>
+          </a:p>
+        </p:txBody>
+      </p:sp>
     </p:spTree>
     <p:extLst>
       <p:ext uri="{BB962C8B-B14F-4D97-AF65-F5344CB8AC3E}">
@@ -8873,7 +9005,7 @@
             </a:r>
             <a:r>
               <a:rPr kumimoji="1" lang="en-US" altLang="ja-JP" dirty="0"/>
-              <a:t>2/3 :</a:t>
+              <a:t>2/4 :</a:t>
             </a:r>
             <a:r>
               <a:rPr kumimoji="1" lang="ja-JP" altLang="en-US" dirty="0"/>
@@ -8923,8 +9055,8 @@
         </p:nvSpPr>
         <p:spPr bwMode="auto">
           <a:xfrm>
-            <a:off x="752073" y="894134"/>
-            <a:ext cx="3365209" cy="1044432"/>
+            <a:off x="752073" y="1269965"/>
+            <a:ext cx="3365209" cy="892715"/>
           </a:xfrm>
           <a:prstGeom prst="rect">
             <a:avLst/>
@@ -9038,8 +9170,8 @@
         </p:nvSpPr>
         <p:spPr bwMode="auto">
           <a:xfrm>
-            <a:off x="5053028" y="894133"/>
-            <a:ext cx="3435525" cy="1044432"/>
+            <a:off x="5053028" y="1269964"/>
+            <a:ext cx="3435525" cy="892715"/>
           </a:xfrm>
           <a:prstGeom prst="rect">
             <a:avLst/>
@@ -9170,7 +9302,7 @@
         </p:nvCxnSpPr>
         <p:spPr bwMode="auto">
           <a:xfrm flipV="1">
-            <a:off x="4117282" y="1416349"/>
+            <a:off x="4117282" y="1716322"/>
             <a:ext cx="935746" cy="1"/>
           </a:xfrm>
           <a:prstGeom prst="straightConnector1">
@@ -9199,7 +9331,7 @@
         </p:nvSpPr>
         <p:spPr bwMode="auto">
           <a:xfrm>
-            <a:off x="2553250" y="2498468"/>
+            <a:off x="2553250" y="2722583"/>
             <a:ext cx="3930132" cy="1044432"/>
           </a:xfrm>
           <a:prstGeom prst="rect">
@@ -9391,8 +9523,8 @@
         </p:nvCxnSpPr>
         <p:spPr bwMode="auto">
           <a:xfrm rot="16200000" flipH="1">
-            <a:off x="3196546" y="1176698"/>
-            <a:ext cx="559902" cy="2083638"/>
+            <a:off x="3196546" y="1400812"/>
+            <a:ext cx="559903" cy="2083638"/>
           </a:xfrm>
           <a:prstGeom prst="bentConnector3">
             <a:avLst/>
@@ -9423,8 +9555,8 @@
         </p:nvCxnSpPr>
         <p:spPr bwMode="auto">
           <a:xfrm rot="5400000">
-            <a:off x="5364603" y="1092279"/>
-            <a:ext cx="559903" cy="2252475"/>
+            <a:off x="5364602" y="1316394"/>
+            <a:ext cx="559904" cy="2252475"/>
           </a:xfrm>
           <a:prstGeom prst="bentConnector3">
             <a:avLst/>
@@ -9890,8 +10022,8 @@
         </p:nvSpPr>
         <p:spPr bwMode="auto">
           <a:xfrm>
-            <a:off x="3575608" y="3686030"/>
-            <a:ext cx="1905147" cy="441770"/>
+            <a:off x="3916331" y="3914448"/>
+            <a:ext cx="1223702" cy="283754"/>
           </a:xfrm>
           <a:prstGeom prst="downArrow">
             <a:avLst/>
@@ -9945,6 +10077,138 @@
               <a:latin typeface="Arial" pitchFamily="34" charset="0"/>
               <a:ea typeface="ＭＳ Ｐゴシック" pitchFamily="50" charset="-128"/>
             </a:endParaRPr>
+          </a:p>
+        </p:txBody>
+      </p:sp>
+      <p:pic>
+        <p:nvPicPr>
+          <p:cNvPr id="3" name="図 2" descr="github_logo.PNG"/>
+          <p:cNvPicPr>
+            <a:picLocks noChangeAspect="1"/>
+          </p:cNvPicPr>
+          <p:nvPr/>
+        </p:nvPicPr>
+        <p:blipFill>
+          <a:blip r:embed="rId2">
+            <a:extLst>
+              <a:ext uri="{28A0092B-C50C-407E-A947-70E740481C1C}">
+                <a14:useLocalDpi xmlns:a14="http://schemas.microsoft.com/office/drawing/2010/main" val="0"/>
+              </a:ext>
+            </a:extLst>
+          </a:blip>
+          <a:stretch>
+            <a:fillRect/>
+          </a:stretch>
+        </p:blipFill>
+        <p:spPr>
+          <a:xfrm>
+            <a:off x="7278255" y="5945668"/>
+            <a:ext cx="863600" cy="330200"/>
+          </a:xfrm>
+          <a:prstGeom prst="rect">
+            <a:avLst/>
+          </a:prstGeom>
+        </p:spPr>
+      </p:pic>
+      <p:sp>
+        <p:nvSpPr>
+          <p:cNvPr id="17" name="テキスト ボックス 16"/>
+          <p:cNvSpPr txBox="1"/>
+          <p:nvPr/>
+        </p:nvSpPr>
+        <p:spPr>
+          <a:xfrm>
+            <a:off x="869741" y="6373867"/>
+            <a:ext cx="3881397" cy="292388"/>
+          </a:xfrm>
+          <a:prstGeom prst="rect">
+            <a:avLst/>
+          </a:prstGeom>
+          <a:noFill/>
+        </p:spPr>
+        <p:txBody>
+          <a:bodyPr wrap="none" rtlCol="0">
+            <a:spAutoFit/>
+          </a:bodyPr>
+          <a:lstStyle/>
+          <a:p>
+            <a:r>
+              <a:rPr lang="en-US" altLang="ja-JP" baseline="0"/>
+              <a:t>https://github.com/ , </a:t>
+            </a:r>
+            <a:r>
+              <a:rPr lang="en-US" altLang="ja-JP" baseline="0">
+                <a:hlinkClick r:id="rId3"/>
+              </a:rPr>
+              <a:t>https://bitbucket.org/</a:t>
+            </a:r>
+            <a:r>
+              <a:rPr lang="en-US" altLang="ja-JP" baseline="0"/>
+              <a:t>  </a:t>
+            </a:r>
+            <a:r>
+              <a:rPr lang="ja-JP" altLang="en-US" baseline="0"/>
+              <a:t>より引用</a:t>
+            </a:r>
+            <a:endParaRPr kumimoji="1" lang="ja-JP" altLang="en-US" baseline="0" dirty="0" err="1" smtClean="0"/>
+          </a:p>
+        </p:txBody>
+      </p:sp>
+      <p:pic>
+        <p:nvPicPr>
+          <p:cNvPr id="6" name="図 5" descr="bitbucket_logo.PNG"/>
+          <p:cNvPicPr>
+            <a:picLocks noChangeAspect="1"/>
+          </p:cNvPicPr>
+          <p:nvPr/>
+        </p:nvPicPr>
+        <p:blipFill>
+          <a:blip r:embed="rId4">
+            <a:extLst>
+              <a:ext uri="{28A0092B-C50C-407E-A947-70E740481C1C}">
+                <a14:useLocalDpi xmlns:a14="http://schemas.microsoft.com/office/drawing/2010/main" val="0"/>
+              </a:ext>
+            </a:extLst>
+          </a:blip>
+          <a:stretch>
+            <a:fillRect/>
+          </a:stretch>
+        </p:blipFill>
+        <p:spPr>
+          <a:xfrm>
+            <a:off x="6156090" y="5960589"/>
+            <a:ext cx="1073904" cy="297922"/>
+          </a:xfrm>
+          <a:prstGeom prst="rect">
+            <a:avLst/>
+          </a:prstGeom>
+        </p:spPr>
+      </p:pic>
+      <p:sp>
+        <p:nvSpPr>
+          <p:cNvPr id="22" name="コンテンツ プレースホルダ 2"/>
+          <p:cNvSpPr>
+            <a:spLocks noGrp="1"/>
+          </p:cNvSpPr>
+          <p:nvPr>
+            <p:ph idx="1"/>
+          </p:nvPr>
+        </p:nvSpPr>
+        <p:spPr>
+          <a:xfrm>
+            <a:off x="119063" y="820738"/>
+            <a:ext cx="8631237" cy="246221"/>
+          </a:xfrm>
+        </p:spPr>
+        <p:txBody>
+          <a:bodyPr/>
+          <a:lstStyle/>
+          <a:p>
+            <a:r>
+              <a:rPr kumimoji="1" lang="ja-JP" altLang="en-US" dirty="0"/>
+              <a:t>ライブラリを問題に合わせて修正しなければならないことがある。</a:t>
+            </a:r>
+            <a:endParaRPr kumimoji="1" lang="ja-JP" altLang="en-US" dirty="0"/>
           </a:p>
         </p:txBody>
       </p:sp>
@@ -10015,7 +10279,7 @@
             </a:r>
             <a:r>
               <a:rPr kumimoji="1" lang="en-US" altLang="ja-JP" dirty="0"/>
-              <a:t>3/3 :</a:t>
+              <a:t>3/4 :</a:t>
             </a:r>
             <a:r>
               <a:rPr kumimoji="1" lang="ja-JP" altLang="en-US" dirty="0"/>
@@ -10037,7 +10301,7 @@
         <p:spPr>
           <a:xfrm>
             <a:off x="119063" y="820738"/>
-            <a:ext cx="8631237" cy="492443"/>
+            <a:ext cx="8631237" cy="677108"/>
           </a:xfrm>
         </p:spPr>
         <p:txBody>
@@ -10046,57 +10310,76 @@
           <a:p>
             <a:r>
               <a:rPr kumimoji="1" lang="ja-JP" altLang="en-US" dirty="0"/>
-              <a:t>深層学習は、</a:t>
+              <a:t>深層学習は、学習に</a:t>
             </a:r>
             <a:r>
               <a:rPr kumimoji="1" lang="ja-JP" altLang="en-US" dirty="0"/>
-              <a:t>非常に</a:t>
+              <a:t>とても</a:t>
             </a:r>
             <a:r>
               <a:rPr kumimoji="1" lang="ja-JP" altLang="en-US" dirty="0"/>
-              <a:t>学習に時間がかかる</a:t>
+              <a:t>時間がかかる</a:t>
             </a:r>
             <a:r>
               <a:rPr kumimoji="1" lang="ja-JP" altLang="en-US" dirty="0"/>
-              <a:t>。出来るだけ演算速度を早めたい。</a:t>
+              <a:t>。</a:t>
+            </a:r>
+            <a:r>
+              <a:rPr kumimoji="1" lang="ja-JP" altLang="en-US" dirty="0"/>
+              <a:t>演算速度を</a:t>
+            </a:r>
+            <a:r>
+              <a:rPr kumimoji="1" lang="ja-JP" altLang="en-US" dirty="0"/>
+              <a:t>上げないと、学習プロセスの完遂自体が困難</a:t>
             </a:r>
             <a:endParaRPr kumimoji="1" lang="en-US" altLang="ja-JP" dirty="0"/>
           </a:p>
           <a:p>
-            <a:r>
-              <a:rPr kumimoji="1" lang="en-US" altLang="ja-JP" dirty="0"/>
+            <a:endParaRPr kumimoji="1" lang="en-US" altLang="ja-JP" sz="1400" dirty="0"/>
+          </a:p>
+          <a:p>
+            <a:r>
+              <a:rPr kumimoji="1" lang="en-US" altLang="ja-JP" sz="1400" dirty="0"/>
               <a:t>(</a:t>
             </a:r>
             <a:r>
-              <a:rPr kumimoji="1" lang="ja-JP" altLang="en-US" dirty="0"/>
+              <a:rPr kumimoji="1" lang="ja-JP" altLang="en-US" sz="1400" dirty="0"/>
               <a:t>例</a:t>
             </a:r>
             <a:r>
-              <a:rPr kumimoji="1" lang="en-US" altLang="ja-JP" dirty="0"/>
+              <a:rPr kumimoji="1" lang="en-US" altLang="ja-JP" sz="1400" dirty="0"/>
               <a:t>) Google</a:t>
             </a:r>
             <a:r>
-              <a:rPr kumimoji="1" lang="ja-JP" altLang="en-US" dirty="0"/>
-              <a:t>の猫認識実験で</a:t>
-            </a:r>
-            <a:r>
-              <a:rPr kumimoji="1" lang="ja-JP" altLang="en-US" dirty="0"/>
+              <a:rPr kumimoji="1" lang="ja-JP" altLang="en-US" sz="1400" dirty="0"/>
+              <a:t>の画像認識実験で</a:t>
+            </a:r>
+            <a:r>
+              <a:rPr kumimoji="1" lang="ja-JP" altLang="en-US" sz="1400" dirty="0"/>
               <a:t>は、</a:t>
             </a:r>
             <a:r>
-              <a:rPr kumimoji="1" lang="en-US" altLang="ja-JP" dirty="0"/>
+              <a:rPr kumimoji="1" lang="en-US" altLang="ja-JP" sz="1400" dirty="0"/>
               <a:t>1000</a:t>
             </a:r>
             <a:r>
-              <a:rPr kumimoji="1" lang="ja-JP" altLang="en-US" dirty="0"/>
-              <a:t>台のシンによるクラスタで</a:t>
-            </a:r>
-            <a:r>
-              <a:rPr kumimoji="1" lang="en-US" altLang="ja-JP" dirty="0"/>
+              <a:rPr kumimoji="1" lang="ja-JP" altLang="en-US" sz="1400" dirty="0"/>
+              <a:t>台の</a:t>
+            </a:r>
+            <a:r>
+              <a:rPr kumimoji="1" lang="ja-JP" altLang="en-US" sz="1400" dirty="0"/>
+              <a:t>マ</a:t>
+            </a:r>
+            <a:r>
+              <a:rPr kumimoji="1" lang="ja-JP" altLang="en-US" sz="1400" dirty="0"/>
+              <a:t>シンによるクラスタで</a:t>
+            </a:r>
+            <a:r>
+              <a:rPr kumimoji="1" lang="en-US" altLang="ja-JP" sz="1400" dirty="0"/>
               <a:t>3</a:t>
             </a:r>
             <a:r>
-              <a:rPr kumimoji="1" lang="ja-JP" altLang="en-US" dirty="0"/>
+              <a:rPr kumimoji="1" lang="ja-JP" altLang="en-US" sz="1400" dirty="0"/>
               <a:t>日間の訓練を行った</a:t>
             </a:r>
           </a:p>
@@ -10143,7 +10426,7 @@
         </p:nvSpPr>
         <p:spPr bwMode="auto">
           <a:xfrm>
-            <a:off x="752059" y="1915907"/>
+            <a:off x="841711" y="1915907"/>
             <a:ext cx="3002999" cy="1044432"/>
           </a:xfrm>
           <a:prstGeom prst="rect">
@@ -10252,7 +10535,21 @@
                 <a:latin typeface="Arial" pitchFamily="34" charset="0"/>
                 <a:ea typeface="ＭＳ Ｐゴシック" pitchFamily="50" charset="-128"/>
               </a:rPr>
-              <a:t>コア数数百個</a:t>
+              <a:t>数百</a:t>
+            </a:r>
+            <a:r>
+              <a:rPr kumimoji="0" lang="ja-JP" altLang="en-US" sz="1800" b="0" i="0" u="none" strike="noStrike" cap="none" normalizeH="0" baseline="0" dirty="0" err="1" smtClean="0">
+                <a:ln>
+                  <a:noFill/>
+                </a:ln>
+                <a:solidFill>
+                  <a:schemeClr val="tx1"/>
+                </a:solidFill>
+                <a:effectLst/>
+                <a:latin typeface="Arial" pitchFamily="34" charset="0"/>
+                <a:ea typeface="ＭＳ Ｐゴシック" pitchFamily="50" charset="-128"/>
+              </a:rPr>
+              <a:t>個のコア</a:t>
             </a:r>
             <a:r>
               <a:rPr kumimoji="0" lang="en-US" altLang="ja-JP" sz="1800" b="0" i="0" u="none" strike="noStrike" cap="none" normalizeH="0" baseline="0" dirty="0" err="1" smtClean="0">
@@ -10417,7 +10714,21 @@
                 <a:latin typeface="Arial" pitchFamily="34" charset="0"/>
                 <a:ea typeface="ＭＳ Ｐゴシック" pitchFamily="50" charset="-128"/>
               </a:rPr>
-              <a:t>コア数数個</a:t>
+              <a:t>数個</a:t>
+            </a:r>
+            <a:r>
+              <a:rPr kumimoji="0" lang="ja-JP" altLang="en-US" sz="1800" b="0" i="0" u="none" strike="noStrike" cap="none" normalizeH="0" baseline="0" dirty="0" err="1" smtClean="0">
+                <a:ln>
+                  <a:noFill/>
+                </a:ln>
+                <a:solidFill>
+                  <a:schemeClr val="tx1"/>
+                </a:solidFill>
+                <a:effectLst/>
+                <a:latin typeface="Arial" pitchFamily="34" charset="0"/>
+                <a:ea typeface="ＭＳ Ｐゴシック" pitchFamily="50" charset="-128"/>
+              </a:rPr>
+              <a:t>のコア</a:t>
             </a:r>
             <a:r>
               <a:rPr kumimoji="0" lang="en-US" altLang="ja-JP" sz="1800" b="0" i="0" u="none" strike="noStrike" cap="none" normalizeH="0" baseline="0" dirty="0" err="1" smtClean="0">
@@ -10455,8 +10766,8 @@
         </p:nvGrpSpPr>
         <p:grpSpPr>
           <a:xfrm>
-            <a:off x="4183024" y="2043368"/>
-            <a:ext cx="685891" cy="759294"/>
+            <a:off x="4267179" y="2136529"/>
+            <a:ext cx="517582" cy="572972"/>
             <a:chOff x="5522164" y="3686026"/>
             <a:chExt cx="897893" cy="1767630"/>
           </a:xfrm>
@@ -10528,7 +10839,7 @@
         </p:nvSpPr>
         <p:spPr>
           <a:xfrm>
-            <a:off x="4044986" y="1504960"/>
+            <a:off x="4044986" y="1669311"/>
             <a:ext cx="1005403" cy="338554"/>
           </a:xfrm>
           <a:prstGeom prst="rect">
@@ -10549,38 +10860,6 @@
           </a:p>
         </p:txBody>
       </p:sp>
-      <p:cxnSp>
-        <p:nvCxnSpPr>
-          <p:cNvPr id="14" name="直線コネクタ 13"/>
-          <p:cNvCxnSpPr>
-            <a:stCxn id="6" idx="2"/>
-            <a:endCxn id="16" idx="0"/>
-          </p:cNvCxnSpPr>
-          <p:nvPr/>
-        </p:nvCxnSpPr>
-        <p:spPr bwMode="auto">
-          <a:xfrm>
-            <a:off x="2253559" y="2960339"/>
-            <a:ext cx="2262953" cy="550961"/>
-          </a:xfrm>
-          <a:prstGeom prst="line">
-            <a:avLst/>
-          </a:prstGeom>
-          <a:solidFill>
-            <a:schemeClr val="accent1"/>
-          </a:solidFill>
-          <a:ln w="9525" cap="flat" cmpd="sng" algn="ctr">
-            <a:solidFill>
-              <a:schemeClr val="tx1"/>
-            </a:solidFill>
-            <a:prstDash val="dash"/>
-            <a:round/>
-            <a:headEnd type="none" w="med" len="med"/>
-            <a:tailEnd type="none" w="med" len="med"/>
-          </a:ln>
-          <a:effectLst/>
-        </p:spPr>
-      </p:cxnSp>
       <p:sp>
         <p:nvSpPr>
           <p:cNvPr id="16" name="正方形/長方形 15"/>
@@ -11027,7 +11306,7 @@
         </p:nvSpPr>
         <p:spPr bwMode="auto">
           <a:xfrm>
-            <a:off x="821807" y="2256055"/>
+            <a:off x="911459" y="2256055"/>
             <a:ext cx="371627" cy="393040"/>
           </a:xfrm>
           <a:prstGeom prst="ellipse">
@@ -11382,6 +11661,68 @@
           </a:p>
         </p:txBody>
       </p:sp>
+      <p:pic>
+        <p:nvPicPr>
+          <p:cNvPr id="15" name="図 14" descr="nvidia.PNG"/>
+          <p:cNvPicPr>
+            <a:picLocks noChangeAspect="1"/>
+          </p:cNvPicPr>
+          <p:nvPr/>
+        </p:nvPicPr>
+        <p:blipFill>
+          <a:blip r:embed="rId2">
+            <a:extLst>
+              <a:ext uri="{28A0092B-C50C-407E-A947-70E740481C1C}">
+                <a14:useLocalDpi xmlns:a14="http://schemas.microsoft.com/office/drawing/2010/main" val="0"/>
+              </a:ext>
+            </a:extLst>
+          </a:blip>
+          <a:stretch>
+            <a:fillRect/>
+          </a:stretch>
+        </p:blipFill>
+        <p:spPr>
+          <a:xfrm>
+            <a:off x="6894283" y="5437831"/>
+            <a:ext cx="1562864" cy="431416"/>
+          </a:xfrm>
+          <a:prstGeom prst="rect">
+            <a:avLst/>
+          </a:prstGeom>
+        </p:spPr>
+      </p:pic>
+      <p:cxnSp>
+        <p:nvCxnSpPr>
+          <p:cNvPr id="23" name="曲線コネクタ 22"/>
+          <p:cNvCxnSpPr>
+            <a:stCxn id="6" idx="2"/>
+            <a:endCxn id="16" idx="0"/>
+          </p:cNvCxnSpPr>
+          <p:nvPr/>
+        </p:nvCxnSpPr>
+        <p:spPr bwMode="auto">
+          <a:xfrm rot="16200000" flipH="1">
+            <a:off x="3154381" y="2149168"/>
+            <a:ext cx="550961" cy="2173301"/>
+          </a:xfrm>
+          <a:prstGeom prst="curvedConnector3">
+            <a:avLst/>
+          </a:prstGeom>
+          <a:solidFill>
+            <a:schemeClr val="accent1"/>
+          </a:solidFill>
+          <a:ln w="9525" cap="flat" cmpd="sng" algn="ctr">
+            <a:solidFill>
+              <a:schemeClr val="tx1"/>
+            </a:solidFill>
+            <a:prstDash val="dash"/>
+            <a:round/>
+            <a:headEnd type="none" w="med" len="med"/>
+            <a:tailEnd type="none" w="med" len="med"/>
+          </a:ln>
+          <a:effectLst/>
+        </p:spPr>
+      </p:cxnSp>
     </p:spTree>
     <p:extLst>
       <p:ext uri="{BB962C8B-B14F-4D97-AF65-F5344CB8AC3E}">
@@ -11449,7 +11790,7 @@
             </a:r>
             <a:r>
               <a:rPr kumimoji="1" lang="en-US" altLang="ja-JP" dirty="0"/>
-              <a:t> :</a:t>
+              <a:t>4/4 :</a:t>
             </a:r>
             <a:r>
               <a:rPr kumimoji="1" lang="ja-JP" altLang="en-US" dirty="0"/>
@@ -12129,7 +12470,7 @@
                 <a:latin typeface="Arial" pitchFamily="34" charset="0"/>
                 <a:ea typeface="ＭＳ Ｐゴシック" pitchFamily="50" charset="-128"/>
               </a:rPr>
-              <a:t>補助ライブラリの選択と利用</a:t>
+              <a:t>補助ライブラリの利用</a:t>
             </a:r>
           </a:p>
         </p:txBody>
@@ -12612,16 +12953,32 @@
               <a:t>」という</a:t>
             </a:r>
             <a:r>
-              <a:rPr kumimoji="1" lang="en-US" altLang="ja-JP" baseline="0" dirty="0"/>
+              <a:rPr kumimoji="1" lang="en-US" altLang="ja-JP" baseline="0" dirty="0">
+                <a:solidFill>
+                  <a:srgbClr val="FF6600"/>
+                </a:solidFill>
+              </a:rPr>
               <a:t>2</a:t>
             </a:r>
             <a:r>
+              <a:rPr kumimoji="1" lang="ja-JP" altLang="en-US" baseline="0" dirty="0">
+                <a:solidFill>
+                  <a:srgbClr val="FF6600"/>
+                </a:solidFill>
+              </a:rPr>
+              <a:t>つのライブラリ</a:t>
+            </a:r>
+            <a:r>
+              <a:rPr kumimoji="1" lang="ja-JP" altLang="en-US" baseline="0" dirty="0">
+                <a:solidFill>
+                  <a:srgbClr val="FF6600"/>
+                </a:solidFill>
+              </a:rPr>
+              <a:t>を選定</a:t>
+            </a:r>
+            <a:r>
               <a:rPr kumimoji="1" lang="ja-JP" altLang="en-US" baseline="0" dirty="0"/>
-              <a:t>つのライブラリ</a:t>
-            </a:r>
-            <a:r>
-              <a:rPr kumimoji="1" lang="ja-JP" altLang="en-US" baseline="0" dirty="0"/>
-              <a:t>を選定した</a:t>
+              <a:t>した</a:t>
             </a:r>
             <a:r>
               <a:rPr kumimoji="1" lang="ja-JP" altLang="en-US" baseline="0" dirty="0"/>
@@ -12684,7 +13041,7 @@
               <a:tabLst/>
             </a:pPr>
             <a:r>
-              <a:rPr kumimoji="0" lang="ja-JP" altLang="en-US" sz="1300" b="0" i="0" u="none" strike="noStrike" cap="none" normalizeH="0" baseline="0" dirty="0" err="1" smtClean="0">
+              <a:rPr kumimoji="0" lang="ja-JP" altLang="en-US" sz="2400" b="0" i="0" u="none" strike="noStrike" cap="none" normalizeH="0" baseline="0" dirty="0" err="1" smtClean="0">
                 <a:ln>
                   <a:noFill/>
                 </a:ln>
@@ -12698,7 +13055,7 @@
               <a:t>ライブラリの選定</a:t>
             </a:r>
             <a:r>
-              <a:rPr kumimoji="0" lang="en-US" altLang="ja-JP" sz="1300" b="0" i="0" u="none" strike="noStrike" cap="none" normalizeH="0" baseline="0" dirty="0" err="1" smtClean="0">
+              <a:rPr kumimoji="0" lang="en-US" altLang="ja-JP" sz="2400" b="0" i="0" u="none" strike="noStrike" cap="none" normalizeH="0" baseline="0" dirty="0" err="1" smtClean="0">
                 <a:ln>
                   <a:noFill/>
                 </a:ln>
@@ -12711,7 +13068,7 @@
               </a:rPr>
               <a:t> “Pylearn2”, “Deep Learning Tutorial”</a:t>
             </a:r>
-            <a:endParaRPr kumimoji="0" lang="ja-JP" altLang="en-US" sz="1300" b="0" i="0" u="none" strike="noStrike" cap="none" normalizeH="0" baseline="0" dirty="0" err="1" smtClean="0">
+            <a:endParaRPr kumimoji="0" lang="ja-JP" altLang="en-US" sz="2400" b="0" i="0" u="none" strike="noStrike" cap="none" normalizeH="0" baseline="0" dirty="0" err="1" smtClean="0">
               <a:ln>
                 <a:noFill/>
               </a:ln>
@@ -16290,7 +16647,7 @@
         </p:nvGrpSpPr>
         <p:grpSpPr>
           <a:xfrm>
-            <a:off x="524435" y="4571422"/>
+            <a:off x="524435" y="4616245"/>
             <a:ext cx="7248011" cy="457200"/>
             <a:chOff x="1642640" y="1699893"/>
             <a:chExt cx="7248011" cy="457200"/>
@@ -16821,7 +17178,7 @@
         <p:spPr>
           <a:xfrm>
             <a:off x="602238" y="847385"/>
-            <a:ext cx="7765257" cy="2954655"/>
+            <a:ext cx="7765257" cy="3447097"/>
           </a:xfrm>
         </p:spPr>
         <p:txBody>
@@ -16833,20 +17190,32 @@
               <a:buChar char="•"/>
             </a:pPr>
             <a:r>
-              <a:rPr kumimoji="1" lang="en-US" altLang="ja-JP" dirty="0"/>
-              <a:t>Pylearn2</a:t>
+              <a:rPr kumimoji="1" lang="en-US" altLang="ja-JP" dirty="0">
+                <a:solidFill>
+                  <a:srgbClr val="FF6600"/>
+                </a:solidFill>
+              </a:rPr>
+              <a:t>“Pylearn2</a:t>
+            </a:r>
+            <a:r>
+              <a:rPr kumimoji="1" lang="en-US" altLang="ja-JP" dirty="0">
+                <a:solidFill>
+                  <a:srgbClr val="FF6600"/>
+                </a:solidFill>
+              </a:rPr>
+              <a:t> + Maxout Network”</a:t>
+            </a:r>
+            <a:r>
+              <a:rPr kumimoji="1" lang="ja-JP" altLang="en-US" dirty="0">
+                <a:solidFill>
+                  <a:srgbClr val="FF6600"/>
+                </a:solidFill>
+              </a:rPr>
+              <a:t>の組み合わせ</a:t>
             </a:r>
             <a:r>
               <a:rPr kumimoji="1" lang="ja-JP" altLang="en-US" dirty="0"/>
-              <a:t>と</a:t>
-            </a:r>
-            <a:r>
-              <a:rPr kumimoji="1" lang="en-US" altLang="ja-JP" dirty="0"/>
-              <a:t>Maxout Network</a:t>
-            </a:r>
-            <a:r>
-              <a:rPr kumimoji="1" lang="ja-JP" altLang="en-US" dirty="0"/>
-              <a:t>の組み合わせが、論文誤差の再現性の面で優れていた。</a:t>
+              <a:t>が、論文誤差の再現性の面で優れていた。</a:t>
             </a:r>
             <a:r>
               <a:rPr kumimoji="1" lang="en-US" altLang="ja-JP" dirty="0"/>
@@ -16903,16 +17272,33 @@
               <a:buChar char="•"/>
             </a:pPr>
             <a:r>
+              <a:rPr kumimoji="1" lang="en-US" altLang="ja-JP" dirty="0">
+                <a:solidFill>
+                  <a:srgbClr val="FF6600"/>
+                </a:solidFill>
+              </a:rPr>
+              <a:t>GPU</a:t>
+            </a:r>
+            <a:r>
+              <a:rPr kumimoji="1" lang="ja-JP" altLang="en-US" dirty="0">
+                <a:solidFill>
+                  <a:srgbClr val="FF6600"/>
+                </a:solidFill>
+              </a:rPr>
+              <a:t>の利用</a:t>
+            </a:r>
+            <a:r>
               <a:rPr kumimoji="1" lang="ja-JP" altLang="en-US" dirty="0"/>
-              <a:t>分類性能の再現は完全ではなく、僅かではあるが誤差が大きくなった。これは、主にソースコードのバージョンの違いによるもので、次にハードウェアの影響もあると考えられる。</a:t>
-            </a:r>
+              <a:t>も、学習時間短縮のため有効であることが確かめられた。</a:t>
+            </a:r>
+            <a:endParaRPr kumimoji="1" lang="en-US" altLang="ja-JP" dirty="0"/>
           </a:p>
           <a:p>
             <a:pPr marL="285750" indent="-285750">
               <a:buFont typeface="Arial"/>
               <a:buChar char="•"/>
             </a:pPr>
-            <a:endParaRPr kumimoji="1" lang="ja-JP" altLang="en-US" dirty="0"/>
+            <a:endParaRPr kumimoji="1" lang="en-US" altLang="ja-JP" dirty="0"/>
           </a:p>
           <a:p>
             <a:pPr marL="285750" indent="-285750">
@@ -16921,11 +17307,23 @@
             </a:pPr>
             <a:r>
               <a:rPr kumimoji="1" lang="en-US" altLang="ja-JP" dirty="0"/>
-              <a:t>Maxout Network</a:t>
+              <a:t>“Pylearn2 + Maxout Network”</a:t>
             </a:r>
             <a:r>
               <a:rPr kumimoji="1" lang="ja-JP" altLang="en-US" dirty="0"/>
-              <a:t>以外では、良い結果が出なかった。論文の実験に用いた全てのハイパーパラメータが、ソースコードと共に提供されていることが重要だと考えられる。</a:t>
+              <a:t>以外では、良い結果が出なかった。論文の実験に用いた全ての</a:t>
+            </a:r>
+            <a:r>
+              <a:rPr kumimoji="1" lang="ja-JP" altLang="en-US" dirty="0">
+                <a:solidFill>
+                  <a:srgbClr val="FF6600"/>
+                </a:solidFill>
+              </a:rPr>
+              <a:t>ハイパーパラメータ</a:t>
+            </a:r>
+            <a:r>
+              <a:rPr kumimoji="1" lang="ja-JP" altLang="en-US" dirty="0"/>
+              <a:t>が、ソースコードと共に提供されていることが重要だと考えられる。</a:t>
             </a:r>
             <a:endParaRPr kumimoji="1" lang="en-US" altLang="ja-JP" dirty="0"/>
           </a:p>
@@ -16934,7 +17332,29 @@
               <a:buFont typeface="Arial"/>
               <a:buChar char="•"/>
             </a:pPr>
-            <a:endParaRPr kumimoji="1" lang="ja-JP" altLang="en-US" dirty="0"/>
+            <a:endParaRPr kumimoji="1" lang="en-US" altLang="ja-JP" dirty="0"/>
+          </a:p>
+          <a:p>
+            <a:pPr marL="285750" indent="-285750">
+              <a:buFont typeface="Arial"/>
+              <a:buChar char="•"/>
+            </a:pPr>
+            <a:r>
+              <a:rPr kumimoji="1" lang="ja-JP" altLang="en-US" dirty="0"/>
+              <a:t>分類性能の再現は完全ではなく、僅かではあるが誤差が大きくなった。これは、</a:t>
+            </a:r>
+            <a:r>
+              <a:rPr kumimoji="1" lang="ja-JP" altLang="en-US" dirty="0">
+                <a:solidFill>
+                  <a:srgbClr val="FF6600"/>
+                </a:solidFill>
+              </a:rPr>
+              <a:t>主にソースコードのバージョンの違い</a:t>
+            </a:r>
+            <a:r>
+              <a:rPr kumimoji="1" lang="ja-JP" altLang="en-US" dirty="0"/>
+              <a:t>によるもので、次にハードウェアの影響もあると考えられる。</a:t>
+            </a:r>
           </a:p>
         </p:txBody>
       </p:sp>
@@ -16946,8 +17366,8 @@
         </p:nvGrpSpPr>
         <p:grpSpPr>
           <a:xfrm>
-            <a:off x="1880684" y="3910861"/>
-            <a:ext cx="2239206" cy="2238617"/>
+            <a:off x="2241293" y="4213294"/>
+            <a:ext cx="1964596" cy="1995947"/>
             <a:chOff x="1880684" y="3821215"/>
             <a:chExt cx="2239206" cy="2238617"/>
           </a:xfrm>
@@ -17199,7 +17619,7 @@
         </p:nvSpPr>
         <p:spPr bwMode="auto">
           <a:xfrm>
-            <a:off x="4834460" y="4427681"/>
+            <a:off x="4834460" y="4687676"/>
             <a:ext cx="2239208" cy="987423"/>
           </a:xfrm>
           <a:prstGeom prst="rect">
@@ -17325,7 +17745,7 @@
         </p:nvSpPr>
         <p:spPr bwMode="auto">
           <a:xfrm>
-            <a:off x="4312183" y="4885642"/>
+            <a:off x="4312183" y="5028972"/>
             <a:ext cx="304832" cy="304830"/>
           </a:xfrm>
           <a:prstGeom prst="mathPlus">
@@ -18415,7 +18835,7 @@
                   <a:noFill/>
                 </a:ln>
                 <a:solidFill>
-                  <a:schemeClr val="tx1"/>
+                  <a:srgbClr val="FF6600"/>
                 </a:solidFill>
                 <a:effectLst/>
                 <a:latin typeface="Arial" pitchFamily="34" charset="0"/>
@@ -18470,7 +18890,7 @@
         <p:spPr bwMode="auto">
           <a:xfrm flipH="1" flipV="1">
             <a:off x="3510737" y="2733639"/>
-            <a:ext cx="1031618" cy="493565"/>
+            <a:ext cx="986792" cy="433802"/>
           </a:xfrm>
           <a:prstGeom prst="straightConnector1">
             <a:avLst/>
@@ -18610,10 +19030,10 @@
         </p:nvGrpSpPr>
         <p:grpSpPr>
           <a:xfrm>
-            <a:off x="1718325" y="3077797"/>
-            <a:ext cx="5648059" cy="3077797"/>
-            <a:chOff x="1524079" y="3077797"/>
-            <a:chExt cx="5648059" cy="3077797"/>
+            <a:off x="1673499" y="2943330"/>
+            <a:ext cx="6068568" cy="3152501"/>
+            <a:chOff x="1524079" y="3003093"/>
+            <a:chExt cx="6068568" cy="3152501"/>
           </a:xfrm>
         </p:grpSpPr>
         <p:sp>
@@ -19135,8 +19555,8 @@
           </p:nvSpPr>
           <p:spPr>
             <a:xfrm>
-              <a:off x="1807977" y="3077797"/>
-              <a:ext cx="2082621" cy="292388"/>
+              <a:off x="4497529" y="3003093"/>
+              <a:ext cx="3095118" cy="400110"/>
             </a:xfrm>
             <a:prstGeom prst="rect">
               <a:avLst/>
@@ -19157,10 +19577,18 @@
             <a:lstStyle/>
             <a:p>
               <a:r>
-                <a:rPr kumimoji="1" lang="ja-JP" altLang="en-US" baseline="0" dirty="0" err="1" smtClean="0"/>
+                <a:rPr kumimoji="1" lang="ja-JP" altLang="en-US" sz="2000" b="1" baseline="0" dirty="0" err="1" smtClean="0">
+                  <a:solidFill>
+                    <a:srgbClr val="FF6600"/>
+                  </a:solidFill>
+                </a:rPr>
                 <a:t>対策の提案と検証を行った</a:t>
               </a:r>
-              <a:endParaRPr kumimoji="1" lang="ja-JP" altLang="en-US" baseline="0" dirty="0" err="1" smtClean="0"/>
+              <a:endParaRPr kumimoji="1" lang="ja-JP" altLang="en-US" sz="2000" b="1" baseline="0" dirty="0" err="1" smtClean="0">
+                <a:solidFill>
+                  <a:srgbClr val="FF6600"/>
+                </a:solidFill>
+              </a:endParaRPr>
             </a:p>
           </p:txBody>
         </p:sp>
@@ -19301,7 +19729,19 @@
             </a:r>
             <a:r>
               <a:rPr kumimoji="1" lang="ja-JP" altLang="en-US" dirty="0"/>
-              <a:t>工学をはじめとする、より様々なデータに対し、今回の研究成果を基に深層学習を応用していくことで、高い学習性能を実現する。</a:t>
+              <a:t>工学をはじめとする、より様々なデータに対し、</a:t>
+            </a:r>
+            <a:r>
+              <a:rPr kumimoji="1" lang="ja-JP" altLang="en-US" dirty="0">
+                <a:solidFill>
+                  <a:srgbClr val="FF6600"/>
+                </a:solidFill>
+              </a:rPr>
+              <a:t>今回の研究成果を基に深層学習を応用していく</a:t>
+            </a:r>
+            <a:r>
+              <a:rPr kumimoji="1" lang="ja-JP" altLang="en-US" dirty="0"/>
+              <a:t>ことで、高い学習性能を実現する。</a:t>
             </a:r>
           </a:p>
           <a:p>
@@ -19318,7 +19758,19 @@
             </a:pPr>
             <a:r>
               <a:rPr kumimoji="1" lang="ja-JP" altLang="en-US" dirty="0"/>
-              <a:t>ハイパーパラメータが提供されていなくとも、論文の誤差を再現できるような、ハイパーパラメータの探索方法が必要である。さらに、精度の再現性を出来るだけ維持したまま、学習時間を短縮できるようなハイパーパラメータの設定方法も、</a:t>
+              <a:t>ハイパーパラメータが提供されていなくとも、論文の誤差を再現できるような、</a:t>
+            </a:r>
+            <a:r>
+              <a:rPr kumimoji="1" lang="ja-JP" altLang="en-US" dirty="0">
+                <a:solidFill>
+                  <a:srgbClr val="FF6600"/>
+                </a:solidFill>
+              </a:rPr>
+              <a:t>ハイパーパラメータの探索方法</a:t>
+            </a:r>
+            <a:r>
+              <a:rPr kumimoji="1" lang="ja-JP" altLang="en-US" dirty="0"/>
+              <a:t>が必要である。さらに、精度の再現性を出来るだけ維持したまま、学習時間を短縮できるようなハイパーパラメータの設定方法も、</a:t>
             </a:r>
             <a:r>
               <a:rPr kumimoji="1" lang="en-US" altLang="ja-JP" dirty="0"/>
@@ -19343,7 +19795,19 @@
             </a:pPr>
             <a:r>
               <a:rPr kumimoji="1" lang="ja-JP" altLang="en-US" dirty="0"/>
-              <a:t>深層学習がなぜ良い性能を出しているのか、完全には解明されていないため、理由を探っていきたい。</a:t>
+              <a:t>深層学習が</a:t>
+            </a:r>
+            <a:r>
+              <a:rPr kumimoji="1" lang="ja-JP" altLang="en-US" dirty="0">
+                <a:solidFill>
+                  <a:srgbClr val="FF6600"/>
+                </a:solidFill>
+              </a:rPr>
+              <a:t>なぜ良い性能を出しているのか</a:t>
+            </a:r>
+            <a:r>
+              <a:rPr kumimoji="1" lang="ja-JP" altLang="en-US" dirty="0"/>
+              <a:t>、完全には解明されていないため、理由を探っていきたい。</a:t>
             </a:r>
           </a:p>
         </p:txBody>
@@ -44147,7 +44611,7 @@
         </p:nvGrpSpPr>
         <p:grpSpPr>
           <a:xfrm>
-            <a:off x="524435" y="1644673"/>
+            <a:off x="524435" y="1674555"/>
             <a:ext cx="7248011" cy="457200"/>
             <a:chOff x="1642640" y="1699893"/>
             <a:chExt cx="7248011" cy="457200"/>
@@ -44625,6 +45089,14 @@
           <a:lstStyle/>
           <a:p>
             <a:r>
+              <a:rPr kumimoji="1" lang="ja-JP" altLang="en-US" dirty="0"/>
+              <a:t>関連研究</a:t>
+            </a:r>
+            <a:r>
+              <a:rPr kumimoji="1" lang="en-US" altLang="ja-JP" dirty="0"/>
+              <a:t> 1/3 : </a:t>
+            </a:r>
+            <a:r>
               <a:rPr kumimoji="1" lang="en-US" altLang="ja-JP" dirty="0"/>
               <a:t>Web</a:t>
             </a:r>
@@ -45072,7 +45544,7 @@
         <p:spPr>
           <a:xfrm>
             <a:off x="1541096" y="4745215"/>
-            <a:ext cx="5815195" cy="292388"/>
+            <a:ext cx="6772000" cy="292388"/>
           </a:xfrm>
           <a:prstGeom prst="rect">
             <a:avLst/>
@@ -45099,6 +45571,10 @@
             <a:r>
               <a:rPr lang="ja-JP" altLang="en-US" baseline="0"/>
               <a:t>より引用</a:t>
+            </a:r>
+            <a:r>
+              <a:rPr lang="ja-JP" altLang="en-US" baseline="0"/>
+              <a:t>、一部追記</a:t>
             </a:r>
             <a:r>
               <a:rPr lang="en-US" altLang="ja-JP" baseline="0"/>
@@ -45222,6 +45698,232 @@
             <a:endParaRPr kumimoji="1" lang="ja-JP" altLang="en-US" baseline="0" dirty="0" err="1" smtClean="0">
               <a:solidFill>
                 <a:srgbClr val="0000FF"/>
+              </a:solidFill>
+            </a:endParaRPr>
+          </a:p>
+        </p:txBody>
+      </p:sp>
+      <p:sp>
+        <p:nvSpPr>
+          <p:cNvPr id="10" name="角丸四角形 9"/>
+          <p:cNvSpPr/>
+          <p:nvPr/>
+        </p:nvSpPr>
+        <p:spPr bwMode="auto">
+          <a:xfrm>
+            <a:off x="6469866" y="4108710"/>
+            <a:ext cx="614213" cy="475654"/>
+          </a:xfrm>
+          <a:prstGeom prst="roundRect">
+            <a:avLst/>
+          </a:prstGeom>
+          <a:noFill/>
+          <a:ln w="9525" cap="flat" cmpd="sng" algn="ctr">
+            <a:solidFill>
+              <a:srgbClr val="3802FE"/>
+            </a:solidFill>
+            <a:prstDash val="solid"/>
+            <a:round/>
+            <a:headEnd type="none" w="med" len="med"/>
+            <a:tailEnd type="none" w="med" len="med"/>
+          </a:ln>
+          <a:effectLst/>
+        </p:spPr>
+        <p:txBody>
+          <a:bodyPr vert="horz" wrap="square" lIns="91440" tIns="45720" rIns="91440" bIns="45720" numCol="1" rtlCol="0" anchor="t" anchorCtr="0" compatLnSpc="1">
+            <a:prstTxWarp prst="textNoShape">
+              <a:avLst/>
+            </a:prstTxWarp>
+          </a:bodyPr>
+          <a:lstStyle/>
+          <a:p>
+            <a:pPr marL="0" marR="0" indent="0" algn="l" defTabSz="914400" rtl="0" eaLnBrk="1" fontAlgn="base" latinLnBrk="0" hangingPunct="1">
+              <a:lnSpc>
+                <a:spcPct val="100000"/>
+              </a:lnSpc>
+              <a:spcBef>
+                <a:spcPct val="0"/>
+              </a:spcBef>
+              <a:spcAft>
+                <a:spcPct val="0"/>
+              </a:spcAft>
+              <a:buClrTx/>
+              <a:buSzTx/>
+              <a:buFontTx/>
+              <a:buNone/>
+              <a:tabLst/>
+            </a:pPr>
+            <a:endParaRPr kumimoji="0" lang="ja-JP" altLang="en-US" sz="1300" b="0" i="0" u="none" strike="noStrike" cap="none" normalizeH="0" baseline="0" dirty="0" err="1" smtClean="0">
+              <a:ln>
+                <a:noFill/>
+              </a:ln>
+              <a:solidFill>
+                <a:schemeClr val="tx1"/>
+              </a:solidFill>
+              <a:effectLst/>
+              <a:latin typeface="Arial" pitchFamily="34" charset="0"/>
+              <a:ea typeface="ＭＳ Ｐゴシック" pitchFamily="50" charset="-128"/>
+            </a:endParaRPr>
+          </a:p>
+        </p:txBody>
+      </p:sp>
+      <p:sp>
+        <p:nvSpPr>
+          <p:cNvPr id="11" name="角丸四角形 10"/>
+          <p:cNvSpPr/>
+          <p:nvPr/>
+        </p:nvSpPr>
+        <p:spPr bwMode="auto">
+          <a:xfrm>
+            <a:off x="2853913" y="1299847"/>
+            <a:ext cx="614213" cy="475654"/>
+          </a:xfrm>
+          <a:prstGeom prst="roundRect">
+            <a:avLst/>
+          </a:prstGeom>
+          <a:noFill/>
+          <a:ln w="9525" cap="flat" cmpd="sng" algn="ctr">
+            <a:solidFill>
+              <a:srgbClr val="FF6600"/>
+            </a:solidFill>
+            <a:prstDash val="solid"/>
+            <a:round/>
+            <a:headEnd type="none" w="med" len="med"/>
+            <a:tailEnd type="none" w="med" len="med"/>
+          </a:ln>
+          <a:effectLst/>
+        </p:spPr>
+        <p:txBody>
+          <a:bodyPr vert="horz" wrap="square" lIns="91440" tIns="45720" rIns="91440" bIns="45720" numCol="1" rtlCol="0" anchor="t" anchorCtr="0" compatLnSpc="1">
+            <a:prstTxWarp prst="textNoShape">
+              <a:avLst/>
+            </a:prstTxWarp>
+          </a:bodyPr>
+          <a:lstStyle/>
+          <a:p>
+            <a:pPr marL="0" marR="0" indent="0" algn="l" defTabSz="914400" rtl="0" eaLnBrk="1" fontAlgn="base" latinLnBrk="0" hangingPunct="1">
+              <a:lnSpc>
+                <a:spcPct val="100000"/>
+              </a:lnSpc>
+              <a:spcBef>
+                <a:spcPct val="0"/>
+              </a:spcBef>
+              <a:spcAft>
+                <a:spcPct val="0"/>
+              </a:spcAft>
+              <a:buClrTx/>
+              <a:buSzTx/>
+              <a:buFontTx/>
+              <a:buNone/>
+              <a:tabLst/>
+            </a:pPr>
+            <a:endParaRPr kumimoji="0" lang="ja-JP" altLang="en-US" sz="1300" b="0" i="0" u="none" strike="noStrike" cap="none" normalizeH="0" baseline="0" dirty="0" err="1" smtClean="0">
+              <a:ln>
+                <a:noFill/>
+              </a:ln>
+              <a:solidFill>
+                <a:schemeClr val="tx1"/>
+              </a:solidFill>
+              <a:effectLst/>
+              <a:latin typeface="Arial" pitchFamily="34" charset="0"/>
+              <a:ea typeface="ＭＳ Ｐゴシック" pitchFamily="50" charset="-128"/>
+            </a:endParaRPr>
+          </a:p>
+        </p:txBody>
+      </p:sp>
+      <p:sp>
+        <p:nvSpPr>
+          <p:cNvPr id="13" name="テキスト ボックス 12"/>
+          <p:cNvSpPr txBox="1"/>
+          <p:nvPr/>
+        </p:nvSpPr>
+        <p:spPr>
+          <a:xfrm>
+            <a:off x="7126203" y="4215873"/>
+            <a:ext cx="1481815" cy="292388"/>
+          </a:xfrm>
+          <a:prstGeom prst="rect">
+            <a:avLst/>
+          </a:prstGeom>
+          <a:solidFill>
+            <a:srgbClr val="FFFFFF"/>
+          </a:solidFill>
+          <a:ln>
+            <a:solidFill>
+              <a:schemeClr val="tx1"/>
+            </a:solidFill>
+          </a:ln>
+        </p:spPr>
+        <p:txBody>
+          <a:bodyPr wrap="none" rtlCol="0">
+            <a:spAutoFit/>
+          </a:bodyPr>
+          <a:lstStyle/>
+          <a:p>
+            <a:r>
+              <a:rPr kumimoji="1" lang="en-US" altLang="ja-JP" baseline="0" dirty="0" err="1" smtClean="0">
+                <a:solidFill>
+                  <a:srgbClr val="0000FF"/>
+                </a:solidFill>
+              </a:rPr>
+              <a:t>humor → positive</a:t>
+            </a:r>
+            <a:endParaRPr kumimoji="1" lang="ja-JP" altLang="en-US" baseline="0" dirty="0" err="1" smtClean="0">
+              <a:solidFill>
+                <a:srgbClr val="0000FF"/>
+              </a:solidFill>
+            </a:endParaRPr>
+          </a:p>
+        </p:txBody>
+      </p:sp>
+      <p:sp>
+        <p:nvSpPr>
+          <p:cNvPr id="14" name="テキスト ボックス 13"/>
+          <p:cNvSpPr txBox="1"/>
+          <p:nvPr/>
+        </p:nvSpPr>
+        <p:spPr>
+          <a:xfrm>
+            <a:off x="3540134" y="1332306"/>
+            <a:ext cx="1578928" cy="292388"/>
+          </a:xfrm>
+          <a:prstGeom prst="rect">
+            <a:avLst/>
+          </a:prstGeom>
+          <a:solidFill>
+            <a:srgbClr val="FFFFFF"/>
+          </a:solidFill>
+          <a:ln>
+            <a:solidFill>
+              <a:srgbClr val="000000"/>
+            </a:solidFill>
+          </a:ln>
+        </p:spPr>
+        <p:txBody>
+          <a:bodyPr wrap="none" rtlCol="0">
+            <a:spAutoFit/>
+          </a:bodyPr>
+          <a:lstStyle/>
+          <a:p>
+            <a:r>
+              <a:rPr kumimoji="1" lang="ja-JP" altLang="en-US" baseline="0" dirty="0" err="1" smtClean="0">
+                <a:solidFill>
+                  <a:srgbClr val="FF6600"/>
+                </a:solidFill>
+              </a:rPr>
+              <a:t>文全体</a:t>
+            </a:r>
+            <a:r>
+              <a:rPr kumimoji="1" lang="en-US" altLang="ja-JP" baseline="0" dirty="0" err="1" smtClean="0">
+                <a:solidFill>
+                  <a:srgbClr val="FF6600"/>
+                </a:solidFill>
+              </a:rPr>
+              <a:t> → negative</a:t>
+            </a:r>
+            <a:endParaRPr kumimoji="1" lang="ja-JP" altLang="en-US" baseline="0" dirty="0" err="1" smtClean="0">
+              <a:solidFill>
+                <a:srgbClr val="FF6600"/>
               </a:solidFill>
             </a:endParaRPr>
           </a:p>

--- a/doc/sotsuron_defense/bd.pptx
+++ b/doc/sotsuron_defense/bd.pptx
@@ -25,7 +25,7 @@
     <p:sldId id="386" r:id="rId13"/>
     <p:sldId id="389" r:id="rId14"/>
     <p:sldId id="393" r:id="rId15"/>
-    <p:sldId id="372" r:id="rId16"/>
+    <p:sldId id="413" r:id="rId16"/>
     <p:sldId id="330" r:id="rId17"/>
     <p:sldId id="331" r:id="rId18"/>
     <p:sldId id="332" r:id="rId19"/>
@@ -879,6 +879,876 @@
         </p:txBody>
       </p:sp>
     </p:spTree>
+  </p:cSld>
+  <p:clrMapOvr>
+    <a:masterClrMapping/>
+  </p:clrMapOvr>
+</p:notes>
+</file>
+
+<file path=ppt/notesSlides/notesSlide2.xml><?xml version="1.0" encoding="utf-8"?>
+<p:notes xmlns:a="http://schemas.openxmlformats.org/drawingml/2006/main" xmlns:r="http://schemas.openxmlformats.org/officeDocument/2006/relationships" xmlns:p="http://schemas.openxmlformats.org/presentationml/2006/main">
+  <p:cSld>
+    <p:spTree>
+      <p:nvGrpSpPr>
+        <p:cNvPr id="1" name=""/>
+        <p:cNvGrpSpPr/>
+        <p:nvPr/>
+      </p:nvGrpSpPr>
+      <p:grpSpPr>
+        <a:xfrm>
+          <a:off x="0" y="0"/>
+          <a:ext cx="0" cy="0"/>
+          <a:chOff x="0" y="0"/>
+          <a:chExt cx="0" cy="0"/>
+        </a:xfrm>
+      </p:grpSpPr>
+      <p:sp>
+        <p:nvSpPr>
+          <p:cNvPr id="2" name="スライド イメージ プレースホルダー 1"/>
+          <p:cNvSpPr>
+            <a:spLocks noGrp="1" noRot="1" noChangeAspect="1"/>
+          </p:cNvSpPr>
+          <p:nvPr>
+            <p:ph type="sldImg"/>
+          </p:nvPr>
+        </p:nvSpPr>
+        <p:spPr/>
+      </p:sp>
+      <p:sp>
+        <p:nvSpPr>
+          <p:cNvPr id="3" name="ノート プレースホルダー 2"/>
+          <p:cNvSpPr>
+            <a:spLocks noGrp="1"/>
+          </p:cNvSpPr>
+          <p:nvPr>
+            <p:ph type="body" idx="1"/>
+          </p:nvPr>
+        </p:nvSpPr>
+        <p:spPr/>
+        <p:txBody>
+          <a:bodyPr/>
+          <a:lstStyle/>
+          <a:p>
+            <a:endParaRPr kumimoji="1" lang="ja-JP" altLang="en-US"/>
+          </a:p>
+          <a:p>
+            <a:r>
+              <a:rPr kumimoji="1" lang="ja-JP" altLang="en-US"/>
+              <a:t>----- 会議メモ (2014/02/10 18:36) -----</a:t>
+            </a:r>
+          </a:p>
+          <a:p>
+            <a:r>
+              <a:rPr kumimoji="1" lang="ja-JP" altLang="en-US"/>
+              <a:t>あまり体系だっていない</a:t>
+            </a:r>
+          </a:p>
+          <a:p>
+            <a:r>
+              <a:rPr kumimoji="1" lang="ja-JP" altLang="en-US"/>
+              <a:t>人工知能 = 深層学習とかよくわからん</a:t>
+            </a:r>
+          </a:p>
+          <a:p>
+            <a:r>
+              <a:rPr kumimoji="1" lang="ja-JP" altLang="en-US"/>
+              <a:t>雑誌の1行目をそのまま書いたみたいになっている</a:t>
+            </a:r>
+          </a:p>
+          <a:p>
+            <a:r>
+              <a:rPr kumimoji="1" lang="ja-JP" altLang="en-US"/>
+              <a:t>深層学習と人工知能の結びつけ</a:t>
+            </a:r>
+          </a:p>
+        </p:txBody>
+      </p:sp>
+      <p:sp>
+        <p:nvSpPr>
+          <p:cNvPr id="4" name="スライド番号プレースホルダー 3"/>
+          <p:cNvSpPr>
+            <a:spLocks noGrp="1"/>
+          </p:cNvSpPr>
+          <p:nvPr>
+            <p:ph type="sldNum" sz="quarter" idx="10"/>
+          </p:nvPr>
+        </p:nvSpPr>
+        <p:spPr/>
+        <p:txBody>
+          <a:bodyPr/>
+          <a:lstStyle/>
+          <a:p>
+            <a:pPr>
+              <a:defRPr/>
+            </a:pPr>
+            <a:fld id="{9159FF30-FEA0-4219-B46E-09535C97980B}" type="slidenum">
+              <a:rPr lang="ja-JP" altLang="en-US"/>
+              <a:pPr>
+                <a:defRPr/>
+              </a:pPr>
+              <a:t>3</a:t>
+            </a:fld>
+            <a:endParaRPr lang="en-US" altLang="ja-JP"/>
+          </a:p>
+        </p:txBody>
+      </p:sp>
+      <p:sp>
+        <p:nvSpPr>
+          <p:cNvPr id="5" name="フッター プレースホルダー 4"/>
+          <p:cNvSpPr>
+            <a:spLocks noGrp="1"/>
+          </p:cNvSpPr>
+          <p:nvPr>
+            <p:ph type="ftr" sz="quarter" idx="11"/>
+          </p:nvPr>
+        </p:nvSpPr>
+        <p:spPr/>
+        <p:txBody>
+          <a:bodyPr/>
+          <a:lstStyle/>
+          <a:p>
+            <a:pPr>
+              <a:defRPr/>
+            </a:pPr>
+            <a:r>
+              <a:rPr lang="en-US" altLang="ja-JP"/>
+              <a:t>TOK-AAA123-20100706-</a:t>
+            </a:r>
+          </a:p>
+        </p:txBody>
+      </p:sp>
+    </p:spTree>
+    <p:extLst>
+      <p:ext uri="{BB962C8B-B14F-4D97-AF65-F5344CB8AC3E}">
+        <p14:creationId xmlns:p14="http://schemas.microsoft.com/office/powerpoint/2010/main" val="977278105"/>
+      </p:ext>
+    </p:extLst>
+  </p:cSld>
+  <p:clrMapOvr>
+    <a:masterClrMapping/>
+  </p:clrMapOvr>
+</p:notes>
+</file>
+
+<file path=ppt/notesSlides/notesSlide3.xml><?xml version="1.0" encoding="utf-8"?>
+<p:notes xmlns:a="http://schemas.openxmlformats.org/drawingml/2006/main" xmlns:r="http://schemas.openxmlformats.org/officeDocument/2006/relationships" xmlns:p="http://schemas.openxmlformats.org/presentationml/2006/main">
+  <p:cSld>
+    <p:spTree>
+      <p:nvGrpSpPr>
+        <p:cNvPr id="1" name=""/>
+        <p:cNvGrpSpPr/>
+        <p:nvPr/>
+      </p:nvGrpSpPr>
+      <p:grpSpPr>
+        <a:xfrm>
+          <a:off x="0" y="0"/>
+          <a:ext cx="0" cy="0"/>
+          <a:chOff x="0" y="0"/>
+          <a:chExt cx="0" cy="0"/>
+        </a:xfrm>
+      </p:grpSpPr>
+      <p:sp>
+        <p:nvSpPr>
+          <p:cNvPr id="2" name="スライド イメージ プレースホルダー 1"/>
+          <p:cNvSpPr>
+            <a:spLocks noGrp="1" noRot="1" noChangeAspect="1"/>
+          </p:cNvSpPr>
+          <p:nvPr>
+            <p:ph type="sldImg"/>
+          </p:nvPr>
+        </p:nvSpPr>
+        <p:spPr/>
+      </p:sp>
+      <p:sp>
+        <p:nvSpPr>
+          <p:cNvPr id="3" name="ノート プレースホルダー 2"/>
+          <p:cNvSpPr>
+            <a:spLocks noGrp="1"/>
+          </p:cNvSpPr>
+          <p:nvPr>
+            <p:ph type="body" idx="1"/>
+          </p:nvPr>
+        </p:nvSpPr>
+        <p:spPr/>
+        <p:txBody>
+          <a:bodyPr/>
+          <a:lstStyle/>
+          <a:p>
+            <a:endParaRPr kumimoji="1" lang="ja-JP" altLang="en-US"/>
+          </a:p>
+          <a:p>
+            <a:r>
+              <a:rPr kumimoji="1" lang="ja-JP" altLang="en-US"/>
+              <a:t>----- 会議メモ (2014/02/10 18:36) -----</a:t>
+            </a:r>
+          </a:p>
+          <a:p>
+            <a:r>
+              <a:rPr kumimoji="1" lang="ja-JP" altLang="en-US"/>
+              <a:t>ATM、SPYSEEの内容を説明しないとわからない</a:t>
+            </a:r>
+          </a:p>
+          <a:p>
+            <a:r>
+              <a:rPr kumimoji="1" lang="ja-JP" altLang="en-US"/>
+              <a:t>READYFORは人工知能の例ではない</a:t>
+            </a:r>
+          </a:p>
+          <a:p>
+            <a:r>
+              <a:rPr kumimoji="1" lang="ja-JP" altLang="en-US"/>
+              <a:t>web工学とビジネスと機械学習の関連が着地で足をひねっている</a:t>
+            </a:r>
+          </a:p>
+          <a:p>
+            <a:r>
+              <a:rPr kumimoji="1" lang="ja-JP" altLang="en-US"/>
+              <a:t>ビジネスとWeb工学が置換可能ではない</a:t>
+            </a:r>
+          </a:p>
+          <a:p>
+            <a:r>
+              <a:rPr kumimoji="1" lang="ja-JP" altLang="en-US"/>
+              <a:t>Web工学とビジネスがごっちゃになってないか</a:t>
+            </a:r>
+          </a:p>
+          <a:p>
+            <a:r>
+              <a:rPr kumimoji="1" lang="ja-JP" altLang="en-US"/>
+              <a:t>Webサービスの話がその後引用されてない</a:t>
+            </a:r>
+          </a:p>
+          <a:p>
+            <a:r>
+              <a:rPr kumimoji="1" lang="ja-JP" altLang="en-US"/>
+              <a:t>googleのbuyout </a:t>
+            </a:r>
+          </a:p>
+          <a:p>
+            <a:r>
+              <a:rPr kumimoji="1" lang="ja-JP" altLang="en-US"/>
+              <a:t>Web工学と人工知能はMECEではない</a:t>
+            </a:r>
+          </a:p>
+          <a:p>
+            <a:r>
+              <a:rPr kumimoji="1" lang="ja-JP" altLang="en-US"/>
+              <a:t>レイヤー的には同義ではない</a:t>
+            </a:r>
+          </a:p>
+          <a:p>
+            <a:r>
+              <a:rPr kumimoji="1" lang="ja-JP" altLang="en-US"/>
+              <a:t>同じレイヤーで書くとまずい</a:t>
+            </a:r>
+          </a:p>
+        </p:txBody>
+      </p:sp>
+      <p:sp>
+        <p:nvSpPr>
+          <p:cNvPr id="4" name="スライド番号プレースホルダー 3"/>
+          <p:cNvSpPr>
+            <a:spLocks noGrp="1"/>
+          </p:cNvSpPr>
+          <p:nvPr>
+            <p:ph type="sldNum" sz="quarter" idx="10"/>
+          </p:nvPr>
+        </p:nvSpPr>
+        <p:spPr/>
+        <p:txBody>
+          <a:bodyPr/>
+          <a:lstStyle/>
+          <a:p>
+            <a:pPr>
+              <a:defRPr/>
+            </a:pPr>
+            <a:fld id="{9159FF30-FEA0-4219-B46E-09535C97980B}" type="slidenum">
+              <a:rPr lang="ja-JP" altLang="en-US"/>
+              <a:pPr>
+                <a:defRPr/>
+              </a:pPr>
+              <a:t>6</a:t>
+            </a:fld>
+            <a:endParaRPr lang="en-US" altLang="ja-JP"/>
+          </a:p>
+        </p:txBody>
+      </p:sp>
+      <p:sp>
+        <p:nvSpPr>
+          <p:cNvPr id="5" name="フッター プレースホルダー 4"/>
+          <p:cNvSpPr>
+            <a:spLocks noGrp="1"/>
+          </p:cNvSpPr>
+          <p:nvPr>
+            <p:ph type="ftr" sz="quarter" idx="11"/>
+          </p:nvPr>
+        </p:nvSpPr>
+        <p:spPr/>
+        <p:txBody>
+          <a:bodyPr/>
+          <a:lstStyle/>
+          <a:p>
+            <a:pPr>
+              <a:defRPr/>
+            </a:pPr>
+            <a:r>
+              <a:rPr lang="en-US" altLang="ja-JP"/>
+              <a:t>TOK-AAA123-20100706-</a:t>
+            </a:r>
+          </a:p>
+        </p:txBody>
+      </p:sp>
+    </p:spTree>
+    <p:extLst>
+      <p:ext uri="{BB962C8B-B14F-4D97-AF65-F5344CB8AC3E}">
+        <p14:creationId xmlns:p14="http://schemas.microsoft.com/office/powerpoint/2010/main" val="2104678576"/>
+      </p:ext>
+    </p:extLst>
+  </p:cSld>
+  <p:clrMapOvr>
+    <a:masterClrMapping/>
+  </p:clrMapOvr>
+</p:notes>
+</file>
+
+<file path=ppt/notesSlides/notesSlide4.xml><?xml version="1.0" encoding="utf-8"?>
+<p:notes xmlns:a="http://schemas.openxmlformats.org/drawingml/2006/main" xmlns:r="http://schemas.openxmlformats.org/officeDocument/2006/relationships" xmlns:p="http://schemas.openxmlformats.org/presentationml/2006/main">
+  <p:cSld>
+    <p:spTree>
+      <p:nvGrpSpPr>
+        <p:cNvPr id="1" name=""/>
+        <p:cNvGrpSpPr/>
+        <p:nvPr/>
+      </p:nvGrpSpPr>
+      <p:grpSpPr>
+        <a:xfrm>
+          <a:off x="0" y="0"/>
+          <a:ext cx="0" cy="0"/>
+          <a:chOff x="0" y="0"/>
+          <a:chExt cx="0" cy="0"/>
+        </a:xfrm>
+      </p:grpSpPr>
+      <p:sp>
+        <p:nvSpPr>
+          <p:cNvPr id="2" name="スライド イメージ プレースホルダー 1"/>
+          <p:cNvSpPr>
+            <a:spLocks noGrp="1" noRot="1" noChangeAspect="1"/>
+          </p:cNvSpPr>
+          <p:nvPr>
+            <p:ph type="sldImg"/>
+          </p:nvPr>
+        </p:nvSpPr>
+        <p:spPr/>
+      </p:sp>
+      <p:sp>
+        <p:nvSpPr>
+          <p:cNvPr id="3" name="ノート プレースホルダー 2"/>
+          <p:cNvSpPr>
+            <a:spLocks noGrp="1"/>
+          </p:cNvSpPr>
+          <p:nvPr>
+            <p:ph type="body" idx="1"/>
+          </p:nvPr>
+        </p:nvSpPr>
+        <p:spPr/>
+        <p:txBody>
+          <a:bodyPr/>
+          <a:lstStyle/>
+          <a:p>
+            <a:endParaRPr kumimoji="1" lang="ja-JP" altLang="en-US"/>
+          </a:p>
+          <a:p>
+            <a:r>
+              <a:rPr kumimoji="1" lang="ja-JP" altLang="en-US"/>
+              <a:t>----- 会議メモ (2014/02/10 18:36) -----</a:t>
+            </a:r>
+          </a:p>
+          <a:p>
+            <a:r>
+              <a:rPr kumimoji="1" lang="ja-JP" altLang="en-US"/>
+              <a:t>何をして、何の知見を得たのかから肉付けすべき</a:t>
+            </a:r>
+          </a:p>
+          <a:p>
+            <a:r>
+              <a:rPr kumimoji="1" lang="ja-JP" altLang="en-US"/>
+              <a:t>関連研究などが、そこにつながっていない</a:t>
+            </a:r>
+          </a:p>
+          <a:p>
+            <a:r>
+              <a:rPr kumimoji="1" lang="ja-JP" altLang="en-US"/>
+              <a:t>ページ番号をでかくする</a:t>
+            </a:r>
+          </a:p>
+        </p:txBody>
+      </p:sp>
+      <p:sp>
+        <p:nvSpPr>
+          <p:cNvPr id="4" name="スライド番号プレースホルダー 3"/>
+          <p:cNvSpPr>
+            <a:spLocks noGrp="1"/>
+          </p:cNvSpPr>
+          <p:nvPr>
+            <p:ph type="sldNum" sz="quarter" idx="10"/>
+          </p:nvPr>
+        </p:nvSpPr>
+        <p:spPr/>
+        <p:txBody>
+          <a:bodyPr/>
+          <a:lstStyle/>
+          <a:p>
+            <a:pPr>
+              <a:defRPr/>
+            </a:pPr>
+            <a:fld id="{9159FF30-FEA0-4219-B46E-09535C97980B}" type="slidenum">
+              <a:rPr lang="ja-JP" altLang="en-US"/>
+              <a:pPr>
+                <a:defRPr/>
+              </a:pPr>
+              <a:t>8</a:t>
+            </a:fld>
+            <a:endParaRPr lang="en-US" altLang="ja-JP"/>
+          </a:p>
+        </p:txBody>
+      </p:sp>
+      <p:sp>
+        <p:nvSpPr>
+          <p:cNvPr id="5" name="フッター プレースホルダー 4"/>
+          <p:cNvSpPr>
+            <a:spLocks noGrp="1"/>
+          </p:cNvSpPr>
+          <p:nvPr>
+            <p:ph type="ftr" sz="quarter" idx="11"/>
+          </p:nvPr>
+        </p:nvSpPr>
+        <p:spPr/>
+        <p:txBody>
+          <a:bodyPr/>
+          <a:lstStyle/>
+          <a:p>
+            <a:pPr>
+              <a:defRPr/>
+            </a:pPr>
+            <a:r>
+              <a:rPr lang="en-US" altLang="ja-JP"/>
+              <a:t>TOK-AAA123-20100706-</a:t>
+            </a:r>
+          </a:p>
+        </p:txBody>
+      </p:sp>
+    </p:spTree>
+    <p:extLst>
+      <p:ext uri="{BB962C8B-B14F-4D97-AF65-F5344CB8AC3E}">
+        <p14:creationId xmlns:p14="http://schemas.microsoft.com/office/powerpoint/2010/main" val="238194018"/>
+      </p:ext>
+    </p:extLst>
+  </p:cSld>
+  <p:clrMapOvr>
+    <a:masterClrMapping/>
+  </p:clrMapOvr>
+</p:notes>
+</file>
+
+<file path=ppt/notesSlides/notesSlide5.xml><?xml version="1.0" encoding="utf-8"?>
+<p:notes xmlns:a="http://schemas.openxmlformats.org/drawingml/2006/main" xmlns:r="http://schemas.openxmlformats.org/officeDocument/2006/relationships" xmlns:p="http://schemas.openxmlformats.org/presentationml/2006/main">
+  <p:cSld>
+    <p:spTree>
+      <p:nvGrpSpPr>
+        <p:cNvPr id="1" name=""/>
+        <p:cNvGrpSpPr/>
+        <p:nvPr/>
+      </p:nvGrpSpPr>
+      <p:grpSpPr>
+        <a:xfrm>
+          <a:off x="0" y="0"/>
+          <a:ext cx="0" cy="0"/>
+          <a:chOff x="0" y="0"/>
+          <a:chExt cx="0" cy="0"/>
+        </a:xfrm>
+      </p:grpSpPr>
+      <p:sp>
+        <p:nvSpPr>
+          <p:cNvPr id="2" name="スライド イメージ プレースホルダー 1"/>
+          <p:cNvSpPr>
+            <a:spLocks noGrp="1" noRot="1" noChangeAspect="1"/>
+          </p:cNvSpPr>
+          <p:nvPr>
+            <p:ph type="sldImg"/>
+          </p:nvPr>
+        </p:nvSpPr>
+        <p:spPr/>
+      </p:sp>
+      <p:sp>
+        <p:nvSpPr>
+          <p:cNvPr id="3" name="ノート プレースホルダー 2"/>
+          <p:cNvSpPr>
+            <a:spLocks noGrp="1"/>
+          </p:cNvSpPr>
+          <p:nvPr>
+            <p:ph type="body" idx="1"/>
+          </p:nvPr>
+        </p:nvSpPr>
+        <p:spPr/>
+        <p:txBody>
+          <a:bodyPr/>
+          <a:lstStyle/>
+          <a:p>
+            <a:endParaRPr kumimoji="1" lang="ja-JP" altLang="en-US"/>
+          </a:p>
+          <a:p>
+            <a:r>
+              <a:rPr kumimoji="1" lang="ja-JP" altLang="en-US"/>
+              <a:t>----- 会議メモ (2014/02/10 18:36) -----</a:t>
+            </a:r>
+          </a:p>
+          <a:p>
+            <a:r>
+              <a:rPr kumimoji="1" lang="ja-JP" altLang="en-US"/>
+              <a:t>ライブラリとソースコードがごっちや</a:t>
+            </a:r>
+          </a:p>
+          <a:p>
+            <a:r>
+              <a:rPr kumimoji="1" lang="ja-JP" altLang="en-US"/>
+              <a:t>一言のべる</a:t>
+            </a:r>
+          </a:p>
+          <a:p>
+            <a:endParaRPr kumimoji="1" lang="ja-JP" altLang="en-US"/>
+          </a:p>
+        </p:txBody>
+      </p:sp>
+      <p:sp>
+        <p:nvSpPr>
+          <p:cNvPr id="4" name="スライド番号プレースホルダー 3"/>
+          <p:cNvSpPr>
+            <a:spLocks noGrp="1"/>
+          </p:cNvSpPr>
+          <p:nvPr>
+            <p:ph type="sldNum" sz="quarter" idx="10"/>
+          </p:nvPr>
+        </p:nvSpPr>
+        <p:spPr/>
+        <p:txBody>
+          <a:bodyPr/>
+          <a:lstStyle/>
+          <a:p>
+            <a:pPr>
+              <a:defRPr/>
+            </a:pPr>
+            <a:fld id="{9159FF30-FEA0-4219-B46E-09535C97980B}" type="slidenum">
+              <a:rPr lang="ja-JP" altLang="en-US"/>
+              <a:pPr>
+                <a:defRPr/>
+              </a:pPr>
+              <a:t>13</a:t>
+            </a:fld>
+            <a:endParaRPr lang="en-US" altLang="ja-JP"/>
+          </a:p>
+        </p:txBody>
+      </p:sp>
+      <p:sp>
+        <p:nvSpPr>
+          <p:cNvPr id="5" name="フッター プレースホルダー 4"/>
+          <p:cNvSpPr>
+            <a:spLocks noGrp="1"/>
+          </p:cNvSpPr>
+          <p:nvPr>
+            <p:ph type="ftr" sz="quarter" idx="11"/>
+          </p:nvPr>
+        </p:nvSpPr>
+        <p:spPr/>
+        <p:txBody>
+          <a:bodyPr/>
+          <a:lstStyle/>
+          <a:p>
+            <a:pPr>
+              <a:defRPr/>
+            </a:pPr>
+            <a:r>
+              <a:rPr lang="en-US" altLang="ja-JP"/>
+              <a:t>TOK-AAA123-20100706-</a:t>
+            </a:r>
+          </a:p>
+        </p:txBody>
+      </p:sp>
+    </p:spTree>
+    <p:extLst>
+      <p:ext uri="{BB962C8B-B14F-4D97-AF65-F5344CB8AC3E}">
+        <p14:creationId xmlns:p14="http://schemas.microsoft.com/office/powerpoint/2010/main" val="2189447956"/>
+      </p:ext>
+    </p:extLst>
+  </p:cSld>
+  <p:clrMapOvr>
+    <a:masterClrMapping/>
+  </p:clrMapOvr>
+</p:notes>
+</file>
+
+<file path=ppt/notesSlides/notesSlide6.xml><?xml version="1.0" encoding="utf-8"?>
+<p:notes xmlns:a="http://schemas.openxmlformats.org/drawingml/2006/main" xmlns:r="http://schemas.openxmlformats.org/officeDocument/2006/relationships" xmlns:p="http://schemas.openxmlformats.org/presentationml/2006/main">
+  <p:cSld>
+    <p:spTree>
+      <p:nvGrpSpPr>
+        <p:cNvPr id="1" name=""/>
+        <p:cNvGrpSpPr/>
+        <p:nvPr/>
+      </p:nvGrpSpPr>
+      <p:grpSpPr>
+        <a:xfrm>
+          <a:off x="0" y="0"/>
+          <a:ext cx="0" cy="0"/>
+          <a:chOff x="0" y="0"/>
+          <a:chExt cx="0" cy="0"/>
+        </a:xfrm>
+      </p:grpSpPr>
+      <p:sp>
+        <p:nvSpPr>
+          <p:cNvPr id="2" name="スライド イメージ プレースホルダー 1"/>
+          <p:cNvSpPr>
+            <a:spLocks noGrp="1" noRot="1" noChangeAspect="1"/>
+          </p:cNvSpPr>
+          <p:nvPr>
+            <p:ph type="sldImg"/>
+          </p:nvPr>
+        </p:nvSpPr>
+        <p:spPr/>
+      </p:sp>
+      <p:sp>
+        <p:nvSpPr>
+          <p:cNvPr id="3" name="ノート プレースホルダー 2"/>
+          <p:cNvSpPr>
+            <a:spLocks noGrp="1"/>
+          </p:cNvSpPr>
+          <p:nvPr>
+            <p:ph type="body" idx="1"/>
+          </p:nvPr>
+        </p:nvSpPr>
+        <p:spPr/>
+        <p:txBody>
+          <a:bodyPr/>
+          <a:lstStyle/>
+          <a:p>
+            <a:endParaRPr kumimoji="1" lang="ja-JP" altLang="en-US"/>
+          </a:p>
+          <a:p>
+            <a:r>
+              <a:rPr kumimoji="1" lang="ja-JP" altLang="en-US"/>
+              <a:t>----- 会議メモ (2014/02/10 18:36) -----</a:t>
+            </a:r>
+          </a:p>
+          <a:p>
+            <a:r>
+              <a:rPr kumimoji="1" lang="ja-JP" altLang="en-US"/>
+              <a:t>比較が一切抜けている</a:t>
+            </a:r>
+          </a:p>
+          <a:p>
+            <a:r>
+              <a:rPr kumimoji="1" lang="ja-JP" altLang="en-US"/>
+              <a:t>一番知りたいことがわからない</a:t>
+            </a:r>
+          </a:p>
+        </p:txBody>
+      </p:sp>
+      <p:sp>
+        <p:nvSpPr>
+          <p:cNvPr id="4" name="スライド番号プレースホルダー 3"/>
+          <p:cNvSpPr>
+            <a:spLocks noGrp="1"/>
+          </p:cNvSpPr>
+          <p:nvPr>
+            <p:ph type="sldNum" sz="quarter" idx="10"/>
+          </p:nvPr>
+        </p:nvSpPr>
+        <p:spPr/>
+        <p:txBody>
+          <a:bodyPr/>
+          <a:lstStyle/>
+          <a:p>
+            <a:pPr>
+              <a:defRPr/>
+            </a:pPr>
+            <a:fld id="{9159FF30-FEA0-4219-B46E-09535C97980B}" type="slidenum">
+              <a:rPr lang="ja-JP" altLang="en-US"/>
+              <a:pPr>
+                <a:defRPr/>
+              </a:pPr>
+              <a:t>18</a:t>
+            </a:fld>
+            <a:endParaRPr lang="en-US" altLang="ja-JP"/>
+          </a:p>
+        </p:txBody>
+      </p:sp>
+      <p:sp>
+        <p:nvSpPr>
+          <p:cNvPr id="5" name="フッター プレースホルダー 4"/>
+          <p:cNvSpPr>
+            <a:spLocks noGrp="1"/>
+          </p:cNvSpPr>
+          <p:nvPr>
+            <p:ph type="ftr" sz="quarter" idx="11"/>
+          </p:nvPr>
+        </p:nvSpPr>
+        <p:spPr/>
+        <p:txBody>
+          <a:bodyPr/>
+          <a:lstStyle/>
+          <a:p>
+            <a:pPr>
+              <a:defRPr/>
+            </a:pPr>
+            <a:r>
+              <a:rPr lang="en-US" altLang="ja-JP"/>
+              <a:t>TOK-AAA123-20100706-</a:t>
+            </a:r>
+          </a:p>
+        </p:txBody>
+      </p:sp>
+    </p:spTree>
+    <p:extLst>
+      <p:ext uri="{BB962C8B-B14F-4D97-AF65-F5344CB8AC3E}">
+        <p14:creationId xmlns:p14="http://schemas.microsoft.com/office/powerpoint/2010/main" val="1142836568"/>
+      </p:ext>
+    </p:extLst>
+  </p:cSld>
+  <p:clrMapOvr>
+    <a:masterClrMapping/>
+  </p:clrMapOvr>
+</p:notes>
+</file>
+
+<file path=ppt/notesSlides/notesSlide7.xml><?xml version="1.0" encoding="utf-8"?>
+<p:notes xmlns:a="http://schemas.openxmlformats.org/drawingml/2006/main" xmlns:r="http://schemas.openxmlformats.org/officeDocument/2006/relationships" xmlns:p="http://schemas.openxmlformats.org/presentationml/2006/main">
+  <p:cSld>
+    <p:spTree>
+      <p:nvGrpSpPr>
+        <p:cNvPr id="1" name=""/>
+        <p:cNvGrpSpPr/>
+        <p:nvPr/>
+      </p:nvGrpSpPr>
+      <p:grpSpPr>
+        <a:xfrm>
+          <a:off x="0" y="0"/>
+          <a:ext cx="0" cy="0"/>
+          <a:chOff x="0" y="0"/>
+          <a:chExt cx="0" cy="0"/>
+        </a:xfrm>
+      </p:grpSpPr>
+      <p:sp>
+        <p:nvSpPr>
+          <p:cNvPr id="2" name="スライド イメージ プレースホルダー 1"/>
+          <p:cNvSpPr>
+            <a:spLocks noGrp="1" noRot="1" noChangeAspect="1"/>
+          </p:cNvSpPr>
+          <p:nvPr>
+            <p:ph type="sldImg"/>
+          </p:nvPr>
+        </p:nvSpPr>
+        <p:spPr/>
+      </p:sp>
+      <p:sp>
+        <p:nvSpPr>
+          <p:cNvPr id="3" name="ノート プレースホルダー 2"/>
+          <p:cNvSpPr>
+            <a:spLocks noGrp="1"/>
+          </p:cNvSpPr>
+          <p:nvPr>
+            <p:ph type="body" idx="1"/>
+          </p:nvPr>
+        </p:nvSpPr>
+        <p:spPr/>
+        <p:txBody>
+          <a:bodyPr/>
+          <a:lstStyle/>
+          <a:p>
+            <a:endParaRPr kumimoji="1" lang="ja-JP" altLang="en-US"/>
+          </a:p>
+          <a:p>
+            <a:r>
+              <a:rPr kumimoji="1" lang="ja-JP" altLang="en-US"/>
+              <a:t>----- 会議メモ (2014/02/10 18:36) -----</a:t>
+            </a:r>
+          </a:p>
+          <a:p>
+            <a:r>
+              <a:rPr kumimoji="1" lang="ja-JP" altLang="en-US"/>
+              <a:t>こういう問題がありますスライド</a:t>
+            </a:r>
+          </a:p>
+          <a:p>
+            <a:r>
+              <a:rPr kumimoji="1" lang="ja-JP" altLang="en-US"/>
+              <a:t>詳細なアルゴリズムの前に目的のスライドがほしい</a:t>
+            </a:r>
+          </a:p>
+          <a:p>
+            <a:endParaRPr kumimoji="1" lang="ja-JP" altLang="en-US"/>
+          </a:p>
+        </p:txBody>
+      </p:sp>
+      <p:sp>
+        <p:nvSpPr>
+          <p:cNvPr id="4" name="スライド番号プレースホルダー 3"/>
+          <p:cNvSpPr>
+            <a:spLocks noGrp="1"/>
+          </p:cNvSpPr>
+          <p:nvPr>
+            <p:ph type="sldNum" sz="quarter" idx="10"/>
+          </p:nvPr>
+        </p:nvSpPr>
+        <p:spPr/>
+        <p:txBody>
+          <a:bodyPr/>
+          <a:lstStyle/>
+          <a:p>
+            <a:pPr>
+              <a:defRPr/>
+            </a:pPr>
+            <a:fld id="{9159FF30-FEA0-4219-B46E-09535C97980B}" type="slidenum">
+              <a:rPr lang="ja-JP" altLang="en-US"/>
+              <a:pPr>
+                <a:defRPr/>
+              </a:pPr>
+              <a:t>24</a:t>
+            </a:fld>
+            <a:endParaRPr lang="en-US" altLang="ja-JP"/>
+          </a:p>
+        </p:txBody>
+      </p:sp>
+      <p:sp>
+        <p:nvSpPr>
+          <p:cNvPr id="5" name="フッター プレースホルダー 4"/>
+          <p:cNvSpPr>
+            <a:spLocks noGrp="1"/>
+          </p:cNvSpPr>
+          <p:nvPr>
+            <p:ph type="ftr" sz="quarter" idx="11"/>
+          </p:nvPr>
+        </p:nvSpPr>
+        <p:spPr/>
+        <p:txBody>
+          <a:bodyPr/>
+          <a:lstStyle/>
+          <a:p>
+            <a:pPr>
+              <a:defRPr/>
+            </a:pPr>
+            <a:r>
+              <a:rPr lang="en-US" altLang="ja-JP"/>
+              <a:t>TOK-AAA123-20100706-</a:t>
+            </a:r>
+          </a:p>
+        </p:txBody>
+      </p:sp>
+    </p:spTree>
+    <p:extLst>
+      <p:ext uri="{BB962C8B-B14F-4D97-AF65-F5344CB8AC3E}">
+        <p14:creationId xmlns:p14="http://schemas.microsoft.com/office/powerpoint/2010/main" val="1687253292"/>
+      </p:ext>
+    </p:extLst>
   </p:cSld>
   <p:clrMapOvr>
     <a:masterClrMapping/>
@@ -5387,7 +6257,7 @@
         </p:nvSpPr>
         <p:spPr>
           <a:xfrm>
-            <a:off x="5556721" y="4850136"/>
+            <a:off x="5556721" y="4865077"/>
             <a:ext cx="2528895" cy="1292662"/>
           </a:xfrm>
           <a:prstGeom prst="rect">
@@ -7035,7 +7905,7 @@
           <p:nvPr/>
         </p:nvPicPr>
         <p:blipFill>
-          <a:blip r:embed="rId2">
+          <a:blip r:embed="rId3">
             <a:extLst>
               <a:ext uri="{28A0092B-C50C-407E-A947-70E740481C1C}">
                 <a14:useLocalDpi xmlns:a14="http://schemas.microsoft.com/office/drawing/2010/main" val="0"/>
@@ -7363,7 +8233,7 @@
           <p:nvPr/>
         </p:nvPicPr>
         <p:blipFill>
-          <a:blip r:embed="rId3">
+          <a:blip r:embed="rId4">
             <a:extLst>
               <a:ext uri="{28A0092B-C50C-407E-A947-70E740481C1C}">
                 <a14:useLocalDpi xmlns:a14="http://schemas.microsoft.com/office/drawing/2010/main" val="0"/>
@@ -7393,7 +8263,7 @@
           <p:nvPr/>
         </p:nvPicPr>
         <p:blipFill>
-          <a:blip r:embed="rId4">
+          <a:blip r:embed="rId5">
             <a:extLst>
               <a:ext uri="{28A0092B-C50C-407E-A947-70E740481C1C}">
                 <a14:useLocalDpi xmlns:a14="http://schemas.microsoft.com/office/drawing/2010/main" val="0"/>
@@ -7531,7 +8401,7 @@
         </p:nvGrpSpPr>
         <p:grpSpPr>
           <a:xfrm>
-            <a:off x="524435" y="3121862"/>
+            <a:off x="524435" y="3136046"/>
             <a:ext cx="7248011" cy="457200"/>
             <a:chOff x="1642640" y="1699893"/>
             <a:chExt cx="7248011" cy="457200"/>
@@ -7946,7 +8816,7 @@
     </p:spTree>
     <p:extLst>
       <p:ext uri="{BB962C8B-B14F-4D97-AF65-F5344CB8AC3E}">
-        <p14:creationId xmlns:p14="http://schemas.microsoft.com/office/powerpoint/2010/main" val="2651065127"/>
+        <p14:creationId xmlns:p14="http://schemas.microsoft.com/office/powerpoint/2010/main" val="201208696"/>
       </p:ext>
     </p:extLst>
   </p:cSld>
@@ -11790,12 +12660,21 @@
             </a:r>
             <a:r>
               <a:rPr kumimoji="1" lang="en-US" altLang="ja-JP" dirty="0"/>
-              <a:t>4/4 :</a:t>
+              <a:t>4/4 : 3</a:t>
             </a:r>
             <a:r>
               <a:rPr kumimoji="1" lang="ja-JP" altLang="en-US" dirty="0"/>
-              <a:t>ライブラリの絞り込み</a:t>
-            </a:r>
+              <a:t>つの問題を考慮した、</a:t>
+            </a:r>
+            <a:r>
+              <a:rPr kumimoji="1" lang="ja-JP" altLang="en-US" dirty="0"/>
+              <a:t>ライブラリの</a:t>
+            </a:r>
+            <a:r>
+              <a:rPr kumimoji="1" lang="ja-JP" altLang="en-US" dirty="0"/>
+              <a:t>絞り込み</a:t>
+            </a:r>
+            <a:endParaRPr kumimoji="1" lang="ja-JP" altLang="en-US" dirty="0"/>
           </a:p>
         </p:txBody>
       </p:sp>
@@ -18640,25 +19519,11 @@
               <a:tabLst/>
             </a:pPr>
             <a:r>
-              <a:rPr kumimoji="0" lang="en-US" altLang="ja-JP" sz="1300" b="0" i="0" u="none" strike="noStrike" cap="none" normalizeH="0" baseline="0" dirty="0" err="1">
-                <a:ln>
-                  <a:noFill/>
-                </a:ln>
-                <a:solidFill>
-                  <a:schemeClr val="tx1"/>
-                </a:solidFill>
-                <a:effectLst/>
-                <a:latin typeface="Arial" pitchFamily="34" charset="0"/>
-                <a:ea typeface="ＭＳ Ｐゴシック" pitchFamily="50" charset="-128"/>
-              </a:rPr>
-              <a:t>(</a:t>
-            </a:r>
-            <a:r>
               <a:rPr lang="ja-JP" altLang="en-US" baseline="0" dirty="0" err="1">
                 <a:latin typeface="Arial" pitchFamily="34" charset="0"/>
                 <a:ea typeface="ＭＳ Ｐゴシック" pitchFamily="50" charset="-128"/>
               </a:rPr>
-              <a:t>推薦システム、</a:t>
+              <a:t>・推薦システム</a:t>
             </a:r>
           </a:p>
           <a:p>
@@ -18683,21 +19548,7 @@
                 <a:latin typeface="Arial" pitchFamily="34" charset="0"/>
                 <a:ea typeface="ＭＳ Ｐゴシック" pitchFamily="50" charset="-128"/>
               </a:rPr>
-              <a:t>日付認識など</a:t>
-            </a:r>
-            <a:r>
-              <a:rPr kumimoji="0" lang="en-US" altLang="ja-JP" sz="1300" b="0" i="0" u="none" strike="noStrike" cap="none" normalizeH="0" baseline="0" dirty="0" err="1">
-                <a:ln>
-                  <a:noFill/>
-                </a:ln>
-                <a:solidFill>
-                  <a:schemeClr val="tx1"/>
-                </a:solidFill>
-                <a:effectLst/>
-                <a:latin typeface="Arial" pitchFamily="34" charset="0"/>
-                <a:ea typeface="ＭＳ Ｐゴシック" pitchFamily="50" charset="-128"/>
-              </a:rPr>
-              <a:t>)</a:t>
+              <a:t>・手書き文字認識</a:t>
             </a:r>
             <a:endParaRPr kumimoji="0" lang="ja-JP" altLang="en-US" sz="1300" b="0" i="0" u="none" strike="noStrike" cap="none" normalizeH="0" baseline="0" dirty="0" err="1" smtClean="0">
               <a:ln>
@@ -19110,9 +19961,9 @@
           </p:nvGrpSpPr>
           <p:grpSpPr>
             <a:xfrm>
-              <a:off x="1731264" y="3612041"/>
+              <a:off x="1850800" y="3612041"/>
               <a:ext cx="2239206" cy="2238617"/>
-              <a:chOff x="1880684" y="3821215"/>
+              <a:chOff x="2000220" y="3821215"/>
               <a:chExt cx="2239206" cy="2238617"/>
             </a:xfrm>
           </p:grpSpPr>
@@ -19124,7 +19975,7 @@
             </p:nvSpPr>
             <p:spPr bwMode="auto">
               <a:xfrm>
-                <a:off x="1880684" y="3821215"/>
+                <a:off x="2000220" y="3821215"/>
                 <a:ext cx="2239206" cy="1120815"/>
               </a:xfrm>
               <a:prstGeom prst="rect">
@@ -19236,7 +20087,7 @@
             </p:nvSpPr>
             <p:spPr bwMode="auto">
               <a:xfrm>
-                <a:off x="1880684" y="4939017"/>
+                <a:off x="2000220" y="4939017"/>
                 <a:ext cx="2239206" cy="1120815"/>
               </a:xfrm>
               <a:prstGeom prst="rect">
@@ -19363,7 +20214,7 @@
           </p:nvSpPr>
           <p:spPr bwMode="auto">
             <a:xfrm>
-              <a:off x="4685040" y="4128861"/>
+              <a:off x="4804576" y="4128861"/>
               <a:ext cx="2239208" cy="987423"/>
             </a:xfrm>
             <a:prstGeom prst="rect">
@@ -19489,7 +20340,7 @@
           </p:nvSpPr>
           <p:spPr bwMode="auto">
             <a:xfrm>
-              <a:off x="4162763" y="4586822"/>
+              <a:off x="4282299" y="4586822"/>
               <a:ext cx="304832" cy="304830"/>
             </a:xfrm>
             <a:prstGeom prst="mathPlus">
@@ -23174,7 +24025,7 @@
             </a:r>
             <a:r>
               <a:rPr kumimoji="1" lang="en-US" altLang="ja-JP" dirty="0"/>
-              <a:t>1 :</a:t>
+              <a:t>1/3 :</a:t>
             </a:r>
             <a:r>
               <a:rPr kumimoji="1" lang="ja-JP" altLang="en-US" dirty="0"/>
@@ -24412,7 +25263,7 @@
             </a:r>
             <a:r>
               <a:rPr kumimoji="1" lang="en-US" altLang="ja-JP" dirty="0"/>
-              <a:t>2 :</a:t>
+              <a:t>2/3 :</a:t>
             </a:r>
             <a:r>
               <a:rPr kumimoji="1" lang="ja-JP" altLang="en-US" dirty="0"/>
@@ -25759,7 +26610,7 @@
             </a:r>
             <a:r>
               <a:rPr kumimoji="1" lang="en-US" altLang="ja-JP" dirty="0"/>
-              <a:t>3 :</a:t>
+              <a:t>3/3 :</a:t>
             </a:r>
             <a:r>
               <a:rPr kumimoji="1" lang="ja-JP" altLang="en-US" dirty="0"/>
@@ -28480,7 +29331,7 @@
           <p:nvPr/>
         </p:nvPicPr>
         <p:blipFill>
-          <a:blip r:embed="rId2">
+          <a:blip r:embed="rId3">
             <a:extLst>
               <a:ext uri="{28A0092B-C50C-407E-A947-70E740481C1C}">
                 <a14:useLocalDpi xmlns:a14="http://schemas.microsoft.com/office/drawing/2010/main" val="0"/>
@@ -28535,8 +29386,8 @@
         </p:nvSpPr>
         <p:spPr>
           <a:xfrm>
-            <a:off x="119063" y="627468"/>
-            <a:ext cx="8631237" cy="461665"/>
+            <a:off x="119063" y="732055"/>
+            <a:ext cx="8631237" cy="246221"/>
           </a:xfrm>
         </p:spPr>
         <p:txBody>
@@ -28576,61 +29427,6 @@
               <a:t>ること</a:t>
             </a:r>
             <a:endParaRPr kumimoji="1" lang="en-US" altLang="ja-JP"/>
-          </a:p>
-          <a:p>
-            <a:r>
-              <a:rPr kumimoji="1" lang="en-US" altLang="ja-JP" sz="1400"/>
-              <a:t> (</a:t>
-            </a:r>
-            <a:r>
-              <a:rPr kumimoji="1" lang="ja-JP" altLang="en-US" sz="1400"/>
-              <a:t>例</a:t>
-            </a:r>
-            <a:r>
-              <a:rPr kumimoji="1" lang="en-US" altLang="ja-JP" sz="1400"/>
-              <a:t>)</a:t>
-            </a:r>
-            <a:r>
-              <a:rPr kumimoji="1" lang="en-US" altLang="ja-JP" sz="1400"/>
-              <a:t> </a:t>
-            </a:r>
-            <a:r>
-              <a:rPr kumimoji="1" lang="ja-JP" altLang="en-US" sz="1400"/>
-              <a:t>「</a:t>
-            </a:r>
-            <a:r>
-              <a:rPr kumimoji="1" lang="ja-JP" altLang="en-US" sz="1400"/>
-              <a:t>推論</a:t>
-            </a:r>
-            <a:r>
-              <a:rPr kumimoji="1" lang="en-US" altLang="ja-JP" sz="1400"/>
-              <a:t> : </a:t>
-            </a:r>
-            <a:r>
-              <a:rPr kumimoji="1" lang="ja-JP" altLang="en-US" sz="1400"/>
-              <a:t>知識をもとに，新しい結論を得ること」</a:t>
-            </a:r>
-            <a:r>
-              <a:rPr kumimoji="1" lang="ja-JP" altLang="ja-JP" sz="1400"/>
-              <a:t>　</a:t>
-            </a:r>
-            <a:r>
-              <a:rPr kumimoji="1" lang="en-US" altLang="ja-JP" sz="1400"/>
-              <a:t> </a:t>
-            </a:r>
-            <a:r>
-              <a:rPr kumimoji="1" lang="ja-JP" altLang="en-US" sz="1400"/>
-              <a:t>「学習</a:t>
-            </a:r>
-            <a:r>
-              <a:rPr kumimoji="1" lang="en-US" altLang="ja-JP" sz="1400"/>
-              <a:t> : </a:t>
-            </a:r>
-            <a:r>
-              <a:rPr kumimoji="1" lang="ja-JP" altLang="en-US" sz="1400"/>
-              <a:t>情報から将来使えそうな知識を見つけること」</a:t>
-            </a:r>
-            <a:endParaRPr kumimoji="1" lang="ja-JP" altLang="en-US" sz="1400"/>
           </a:p>
         </p:txBody>
       </p:sp>
@@ -38999,7 +39795,7 @@
         </p:nvSpPr>
         <p:spPr>
           <a:xfrm>
-            <a:off x="2453860" y="1547977"/>
+            <a:off x="2453860" y="1503154"/>
             <a:ext cx="3365036" cy="369332"/>
           </a:xfrm>
           <a:prstGeom prst="rect">
@@ -39075,8 +39871,8 @@
         </p:nvSpPr>
         <p:spPr>
           <a:xfrm>
-            <a:off x="1283876" y="1993288"/>
-            <a:ext cx="2034131" cy="292388"/>
+            <a:off x="955153" y="1993288"/>
+            <a:ext cx="2659702" cy="292388"/>
           </a:xfrm>
           <a:prstGeom prst="rect">
             <a:avLst/>
@@ -39091,7 +39887,7 @@
           <a:p>
             <a:r>
               <a:rPr kumimoji="1" lang="ja-JP" altLang="en-US" baseline="0" dirty="0" err="1"/>
-              <a:t>ある商品のページを見ると</a:t>
+              <a:t>「脳の計算理論」のページを見ると</a:t>
             </a:r>
             <a:endParaRPr kumimoji="1" lang="ja-JP" altLang="en-US" baseline="0" dirty="0" err="1" smtClean="0"/>
           </a:p>
@@ -39171,8 +39967,8 @@
         </p:nvSpPr>
         <p:spPr>
           <a:xfrm>
-            <a:off x="5204634" y="1993288"/>
-            <a:ext cx="2257499" cy="292388"/>
+            <a:off x="4427651" y="1918583"/>
+            <a:ext cx="4015793" cy="492443"/>
           </a:xfrm>
           <a:prstGeom prst="rect">
             <a:avLst/>
@@ -39186,8 +39982,14 @@
           <a:lstStyle/>
           <a:p>
             <a:r>
+              <a:rPr kumimoji="1" lang="ja-JP" altLang="en-US" baseline="0" dirty="0" err="1"/>
+              <a:t>「脳の計算論」「ビジョンー視覚の計算理論と脳内表現」</a:t>
+            </a:r>
+          </a:p>
+          <a:p>
+            <a:r>
               <a:rPr kumimoji="1" lang="ja-JP" altLang="en-US" baseline="0" dirty="0" err="1" smtClean="0"/>
-              <a:t>他の商品の宣伝も表示される</a:t>
+              <a:t>の宣伝も一緒に表示される</a:t>
             </a:r>
             <a:endParaRPr kumimoji="1" lang="ja-JP" altLang="en-US" baseline="0" dirty="0" err="1" smtClean="0"/>
           </a:p>
@@ -43474,7 +44276,7 @@
         </p:nvSpPr>
         <p:spPr>
           <a:xfrm>
-            <a:off x="119063" y="627468"/>
+            <a:off x="119063" y="746996"/>
             <a:ext cx="8631237" cy="461665"/>
           </a:xfrm>
         </p:spPr>
@@ -43692,7 +44494,7 @@
         </p:blipFill>
         <p:spPr>
           <a:xfrm>
-            <a:off x="2679837" y="1270093"/>
+            <a:off x="2679837" y="1389621"/>
             <a:ext cx="3967881" cy="4003547"/>
           </a:xfrm>
           <a:prstGeom prst="rect">
@@ -43889,7 +44691,7 @@
           <a:p>
             <a:r>
               <a:rPr lang="en-US" altLang="ja-JP">
-                <a:hlinkClick r:id="rId2"/>
+                <a:hlinkClick r:id="rId3"/>
               </a:rPr>
               <a:t>http://ymatsuo.com/japanese/research.html</a:t>
             </a:r>
@@ -43899,7 +44701,7 @@
             </a:r>
             <a:r>
               <a:rPr lang="en-US" altLang="ja-JP">
-                <a:hlinkClick r:id="rId3"/>
+                <a:hlinkClick r:id="rId4"/>
               </a:rPr>
               <a:t>http://weblab.t.u-tokyo.ac.jp/</a:t>
             </a:r>
@@ -44448,36 +45250,6 @@
       <p:pic>
         <p:nvPicPr>
           <p:cNvPr id="49" name="図 48" descr="atm.PNG"/>
-          <p:cNvPicPr>
-            <a:picLocks noChangeAspect="1"/>
-          </p:cNvPicPr>
-          <p:nvPr/>
-        </p:nvPicPr>
-        <p:blipFill>
-          <a:blip r:embed="rId4">
-            <a:extLst>
-              <a:ext uri="{28A0092B-C50C-407E-A947-70E740481C1C}">
-                <a14:useLocalDpi xmlns:a14="http://schemas.microsoft.com/office/drawing/2010/main" val="0"/>
-              </a:ext>
-            </a:extLst>
-          </a:blip>
-          <a:stretch>
-            <a:fillRect/>
-          </a:stretch>
-        </p:blipFill>
-        <p:spPr>
-          <a:xfrm>
-            <a:off x="883520" y="5668803"/>
-            <a:ext cx="2802498" cy="455502"/>
-          </a:xfrm>
-          <a:prstGeom prst="rect">
-            <a:avLst/>
-          </a:prstGeom>
-        </p:spPr>
-      </p:pic>
-      <p:pic>
-        <p:nvPicPr>
-          <p:cNvPr id="50" name="図 49" descr="readyfor.png"/>
           <p:cNvPicPr>
             <a:picLocks noChangeAspect="1"/>
           </p:cNvPicPr>
@@ -44497,6 +45269,36 @@
         </p:blipFill>
         <p:spPr>
           <a:xfrm>
+            <a:off x="883520" y="5668803"/>
+            <a:ext cx="2802498" cy="455502"/>
+          </a:xfrm>
+          <a:prstGeom prst="rect">
+            <a:avLst/>
+          </a:prstGeom>
+        </p:spPr>
+      </p:pic>
+      <p:pic>
+        <p:nvPicPr>
+          <p:cNvPr id="50" name="図 49" descr="readyfor.png"/>
+          <p:cNvPicPr>
+            <a:picLocks noChangeAspect="1"/>
+          </p:cNvPicPr>
+          <p:nvPr/>
+        </p:nvPicPr>
+        <p:blipFill>
+          <a:blip r:embed="rId6">
+            <a:extLst>
+              <a:ext uri="{28A0092B-C50C-407E-A947-70E740481C1C}">
+                <a14:useLocalDpi xmlns:a14="http://schemas.microsoft.com/office/drawing/2010/main" val="0"/>
+              </a:ext>
+            </a:extLst>
+          </a:blip>
+          <a:stretch>
+            <a:fillRect/>
+          </a:stretch>
+        </p:blipFill>
+        <p:spPr>
+          <a:xfrm>
             <a:off x="3887713" y="5690985"/>
             <a:ext cx="2034800" cy="508700"/>
           </a:xfrm>
@@ -44514,7 +45316,7 @@
           <p:nvPr/>
         </p:nvPicPr>
         <p:blipFill>
-          <a:blip r:embed="rId6">
+          <a:blip r:embed="rId7">
             <a:extLst>
               <a:ext uri="{28A0092B-C50C-407E-A947-70E740481C1C}">
                 <a14:useLocalDpi xmlns:a14="http://schemas.microsoft.com/office/drawing/2010/main" val="0"/>
@@ -45514,7 +46316,7 @@
           <p:nvPr/>
         </p:nvPicPr>
         <p:blipFill>
-          <a:blip r:embed="rId2">
+          <a:blip r:embed="rId3">
             <a:extLst>
               <a:ext uri="{28A0092B-C50C-407E-A947-70E740481C1C}">
                 <a14:useLocalDpi xmlns:a14="http://schemas.microsoft.com/office/drawing/2010/main" val="0"/>

--- a/doc/sotsuron_defense/bd.pptx
+++ b/doc/sotsuron_defense/bd.pptx
@@ -886,6 +886,1195 @@
 </p:notes>
 </file>
 
+<file path=ppt/notesSlides/notesSlide10.xml><?xml version="1.0" encoding="utf-8"?>
+<p:notes xmlns:a="http://schemas.openxmlformats.org/drawingml/2006/main" xmlns:r="http://schemas.openxmlformats.org/officeDocument/2006/relationships" xmlns:p="http://schemas.openxmlformats.org/presentationml/2006/main">
+  <p:cSld>
+    <p:spTree>
+      <p:nvGrpSpPr>
+        <p:cNvPr id="1" name=""/>
+        <p:cNvGrpSpPr/>
+        <p:nvPr/>
+      </p:nvGrpSpPr>
+      <p:grpSpPr>
+        <a:xfrm>
+          <a:off x="0" y="0"/>
+          <a:ext cx="0" cy="0"/>
+          <a:chOff x="0" y="0"/>
+          <a:chExt cx="0" cy="0"/>
+        </a:xfrm>
+      </p:grpSpPr>
+      <p:sp>
+        <p:nvSpPr>
+          <p:cNvPr id="2" name="スライド イメージ プレースホルダー 1"/>
+          <p:cNvSpPr>
+            <a:spLocks noGrp="1" noRot="1" noChangeAspect="1"/>
+          </p:cNvSpPr>
+          <p:nvPr>
+            <p:ph type="sldImg"/>
+          </p:nvPr>
+        </p:nvSpPr>
+        <p:spPr/>
+      </p:sp>
+      <p:sp>
+        <p:nvSpPr>
+          <p:cNvPr id="3" name="ノート プレースホルダー 2"/>
+          <p:cNvSpPr>
+            <a:spLocks noGrp="1"/>
+          </p:cNvSpPr>
+          <p:nvPr>
+            <p:ph type="body" idx="1"/>
+          </p:nvPr>
+        </p:nvSpPr>
+        <p:spPr/>
+        <p:txBody>
+          <a:bodyPr/>
+          <a:lstStyle/>
+          <a:p>
+            <a:endParaRPr kumimoji="1" lang="ja-JP" altLang="en-US"/>
+          </a:p>
+        </p:txBody>
+      </p:sp>
+      <p:sp>
+        <p:nvSpPr>
+          <p:cNvPr id="4" name="スライド番号プレースホルダー 3"/>
+          <p:cNvSpPr>
+            <a:spLocks noGrp="1"/>
+          </p:cNvSpPr>
+          <p:nvPr>
+            <p:ph type="sldNum" sz="quarter" idx="10"/>
+          </p:nvPr>
+        </p:nvSpPr>
+        <p:spPr/>
+        <p:txBody>
+          <a:bodyPr/>
+          <a:lstStyle/>
+          <a:p>
+            <a:pPr>
+              <a:defRPr/>
+            </a:pPr>
+            <a:fld id="{9159FF30-FEA0-4219-B46E-09535C97980B}" type="slidenum">
+              <a:rPr lang="ja-JP" altLang="en-US"/>
+              <a:pPr>
+                <a:defRPr/>
+              </a:pPr>
+              <a:t>9</a:t>
+            </a:fld>
+            <a:endParaRPr lang="en-US" altLang="ja-JP"/>
+          </a:p>
+        </p:txBody>
+      </p:sp>
+      <p:sp>
+        <p:nvSpPr>
+          <p:cNvPr id="5" name="フッター プレースホルダー 4"/>
+          <p:cNvSpPr>
+            <a:spLocks noGrp="1"/>
+          </p:cNvSpPr>
+          <p:nvPr>
+            <p:ph type="ftr" sz="quarter" idx="11"/>
+          </p:nvPr>
+        </p:nvSpPr>
+        <p:spPr/>
+        <p:txBody>
+          <a:bodyPr/>
+          <a:lstStyle/>
+          <a:p>
+            <a:pPr>
+              <a:defRPr/>
+            </a:pPr>
+            <a:r>
+              <a:rPr lang="en-US" altLang="ja-JP"/>
+              <a:t>TOK-AAA123-20100706-</a:t>
+            </a:r>
+          </a:p>
+        </p:txBody>
+      </p:sp>
+    </p:spTree>
+    <p:extLst>
+      <p:ext uri="{BB962C8B-B14F-4D97-AF65-F5344CB8AC3E}">
+        <p14:creationId xmlns:p14="http://schemas.microsoft.com/office/powerpoint/2010/main" val="232670720"/>
+      </p:ext>
+    </p:extLst>
+  </p:cSld>
+  <p:clrMapOvr>
+    <a:masterClrMapping/>
+  </p:clrMapOvr>
+</p:notes>
+</file>
+
+<file path=ppt/notesSlides/notesSlide11.xml><?xml version="1.0" encoding="utf-8"?>
+<p:notes xmlns:a="http://schemas.openxmlformats.org/drawingml/2006/main" xmlns:r="http://schemas.openxmlformats.org/officeDocument/2006/relationships" xmlns:p="http://schemas.openxmlformats.org/presentationml/2006/main">
+  <p:cSld>
+    <p:spTree>
+      <p:nvGrpSpPr>
+        <p:cNvPr id="1" name=""/>
+        <p:cNvGrpSpPr/>
+        <p:nvPr/>
+      </p:nvGrpSpPr>
+      <p:grpSpPr>
+        <a:xfrm>
+          <a:off x="0" y="0"/>
+          <a:ext cx="0" cy="0"/>
+          <a:chOff x="0" y="0"/>
+          <a:chExt cx="0" cy="0"/>
+        </a:xfrm>
+      </p:grpSpPr>
+      <p:sp>
+        <p:nvSpPr>
+          <p:cNvPr id="2" name="スライド イメージ プレースホルダー 1"/>
+          <p:cNvSpPr>
+            <a:spLocks noGrp="1" noRot="1" noChangeAspect="1"/>
+          </p:cNvSpPr>
+          <p:nvPr>
+            <p:ph type="sldImg"/>
+          </p:nvPr>
+        </p:nvSpPr>
+        <p:spPr/>
+      </p:sp>
+      <p:sp>
+        <p:nvSpPr>
+          <p:cNvPr id="3" name="ノート プレースホルダー 2"/>
+          <p:cNvSpPr>
+            <a:spLocks noGrp="1"/>
+          </p:cNvSpPr>
+          <p:nvPr>
+            <p:ph type="body" idx="1"/>
+          </p:nvPr>
+        </p:nvSpPr>
+        <p:spPr/>
+        <p:txBody>
+          <a:bodyPr/>
+          <a:lstStyle/>
+          <a:p>
+            <a:endParaRPr kumimoji="1" lang="ja-JP" altLang="en-US"/>
+          </a:p>
+        </p:txBody>
+      </p:sp>
+      <p:sp>
+        <p:nvSpPr>
+          <p:cNvPr id="4" name="スライド番号プレースホルダー 3"/>
+          <p:cNvSpPr>
+            <a:spLocks noGrp="1"/>
+          </p:cNvSpPr>
+          <p:nvPr>
+            <p:ph type="sldNum" sz="quarter" idx="10"/>
+          </p:nvPr>
+        </p:nvSpPr>
+        <p:spPr/>
+        <p:txBody>
+          <a:bodyPr/>
+          <a:lstStyle/>
+          <a:p>
+            <a:pPr>
+              <a:defRPr/>
+            </a:pPr>
+            <a:fld id="{9159FF30-FEA0-4219-B46E-09535C97980B}" type="slidenum">
+              <a:rPr lang="ja-JP" altLang="en-US"/>
+              <a:pPr>
+                <a:defRPr/>
+              </a:pPr>
+              <a:t>10</a:t>
+            </a:fld>
+            <a:endParaRPr lang="en-US" altLang="ja-JP"/>
+          </a:p>
+        </p:txBody>
+      </p:sp>
+      <p:sp>
+        <p:nvSpPr>
+          <p:cNvPr id="5" name="フッター プレースホルダー 4"/>
+          <p:cNvSpPr>
+            <a:spLocks noGrp="1"/>
+          </p:cNvSpPr>
+          <p:nvPr>
+            <p:ph type="ftr" sz="quarter" idx="11"/>
+          </p:nvPr>
+        </p:nvSpPr>
+        <p:spPr/>
+        <p:txBody>
+          <a:bodyPr/>
+          <a:lstStyle/>
+          <a:p>
+            <a:pPr>
+              <a:defRPr/>
+            </a:pPr>
+            <a:r>
+              <a:rPr lang="en-US" altLang="ja-JP"/>
+              <a:t>TOK-AAA123-20100706-</a:t>
+            </a:r>
+          </a:p>
+        </p:txBody>
+      </p:sp>
+    </p:spTree>
+    <p:extLst>
+      <p:ext uri="{BB962C8B-B14F-4D97-AF65-F5344CB8AC3E}">
+        <p14:creationId xmlns:p14="http://schemas.microsoft.com/office/powerpoint/2010/main" val="3712342196"/>
+      </p:ext>
+    </p:extLst>
+  </p:cSld>
+  <p:clrMapOvr>
+    <a:masterClrMapping/>
+  </p:clrMapOvr>
+</p:notes>
+</file>
+
+<file path=ppt/notesSlides/notesSlide12.xml><?xml version="1.0" encoding="utf-8"?>
+<p:notes xmlns:a="http://schemas.openxmlformats.org/drawingml/2006/main" xmlns:r="http://schemas.openxmlformats.org/officeDocument/2006/relationships" xmlns:p="http://schemas.openxmlformats.org/presentationml/2006/main">
+  <p:cSld>
+    <p:spTree>
+      <p:nvGrpSpPr>
+        <p:cNvPr id="1" name=""/>
+        <p:cNvGrpSpPr/>
+        <p:nvPr/>
+      </p:nvGrpSpPr>
+      <p:grpSpPr>
+        <a:xfrm>
+          <a:off x="0" y="0"/>
+          <a:ext cx="0" cy="0"/>
+          <a:chOff x="0" y="0"/>
+          <a:chExt cx="0" cy="0"/>
+        </a:xfrm>
+      </p:grpSpPr>
+      <p:sp>
+        <p:nvSpPr>
+          <p:cNvPr id="2" name="スライド イメージ プレースホルダー 1"/>
+          <p:cNvSpPr>
+            <a:spLocks noGrp="1" noRot="1" noChangeAspect="1"/>
+          </p:cNvSpPr>
+          <p:nvPr>
+            <p:ph type="sldImg"/>
+          </p:nvPr>
+        </p:nvSpPr>
+        <p:spPr/>
+      </p:sp>
+      <p:sp>
+        <p:nvSpPr>
+          <p:cNvPr id="3" name="ノート プレースホルダー 2"/>
+          <p:cNvSpPr>
+            <a:spLocks noGrp="1"/>
+          </p:cNvSpPr>
+          <p:nvPr>
+            <p:ph type="body" idx="1"/>
+          </p:nvPr>
+        </p:nvSpPr>
+        <p:spPr/>
+        <p:txBody>
+          <a:bodyPr/>
+          <a:lstStyle/>
+          <a:p>
+            <a:endParaRPr kumimoji="1" lang="ja-JP" altLang="en-US"/>
+          </a:p>
+        </p:txBody>
+      </p:sp>
+      <p:sp>
+        <p:nvSpPr>
+          <p:cNvPr id="4" name="スライド番号プレースホルダー 3"/>
+          <p:cNvSpPr>
+            <a:spLocks noGrp="1"/>
+          </p:cNvSpPr>
+          <p:nvPr>
+            <p:ph type="sldNum" sz="quarter" idx="10"/>
+          </p:nvPr>
+        </p:nvSpPr>
+        <p:spPr/>
+        <p:txBody>
+          <a:bodyPr/>
+          <a:lstStyle/>
+          <a:p>
+            <a:pPr>
+              <a:defRPr/>
+            </a:pPr>
+            <a:fld id="{9159FF30-FEA0-4219-B46E-09535C97980B}" type="slidenum">
+              <a:rPr lang="ja-JP" altLang="en-US"/>
+              <a:pPr>
+                <a:defRPr/>
+              </a:pPr>
+              <a:t>11</a:t>
+            </a:fld>
+            <a:endParaRPr lang="en-US" altLang="ja-JP"/>
+          </a:p>
+        </p:txBody>
+      </p:sp>
+      <p:sp>
+        <p:nvSpPr>
+          <p:cNvPr id="5" name="フッター プレースホルダー 4"/>
+          <p:cNvSpPr>
+            <a:spLocks noGrp="1"/>
+          </p:cNvSpPr>
+          <p:nvPr>
+            <p:ph type="ftr" sz="quarter" idx="11"/>
+          </p:nvPr>
+        </p:nvSpPr>
+        <p:spPr/>
+        <p:txBody>
+          <a:bodyPr/>
+          <a:lstStyle/>
+          <a:p>
+            <a:pPr>
+              <a:defRPr/>
+            </a:pPr>
+            <a:r>
+              <a:rPr lang="en-US" altLang="ja-JP"/>
+              <a:t>TOK-AAA123-20100706-</a:t>
+            </a:r>
+          </a:p>
+        </p:txBody>
+      </p:sp>
+    </p:spTree>
+    <p:extLst>
+      <p:ext uri="{BB962C8B-B14F-4D97-AF65-F5344CB8AC3E}">
+        <p14:creationId xmlns:p14="http://schemas.microsoft.com/office/powerpoint/2010/main" val="3927310039"/>
+      </p:ext>
+    </p:extLst>
+  </p:cSld>
+  <p:clrMapOvr>
+    <a:masterClrMapping/>
+  </p:clrMapOvr>
+</p:notes>
+</file>
+
+<file path=ppt/notesSlides/notesSlide13.xml><?xml version="1.0" encoding="utf-8"?>
+<p:notes xmlns:a="http://schemas.openxmlformats.org/drawingml/2006/main" xmlns:r="http://schemas.openxmlformats.org/officeDocument/2006/relationships" xmlns:p="http://schemas.openxmlformats.org/presentationml/2006/main">
+  <p:cSld>
+    <p:spTree>
+      <p:nvGrpSpPr>
+        <p:cNvPr id="1" name=""/>
+        <p:cNvGrpSpPr/>
+        <p:nvPr/>
+      </p:nvGrpSpPr>
+      <p:grpSpPr>
+        <a:xfrm>
+          <a:off x="0" y="0"/>
+          <a:ext cx="0" cy="0"/>
+          <a:chOff x="0" y="0"/>
+          <a:chExt cx="0" cy="0"/>
+        </a:xfrm>
+      </p:grpSpPr>
+      <p:sp>
+        <p:nvSpPr>
+          <p:cNvPr id="2" name="スライド イメージ プレースホルダー 1"/>
+          <p:cNvSpPr>
+            <a:spLocks noGrp="1" noRot="1" noChangeAspect="1"/>
+          </p:cNvSpPr>
+          <p:nvPr>
+            <p:ph type="sldImg"/>
+          </p:nvPr>
+        </p:nvSpPr>
+        <p:spPr/>
+      </p:sp>
+      <p:sp>
+        <p:nvSpPr>
+          <p:cNvPr id="3" name="ノート プレースホルダー 2"/>
+          <p:cNvSpPr>
+            <a:spLocks noGrp="1"/>
+          </p:cNvSpPr>
+          <p:nvPr>
+            <p:ph type="body" idx="1"/>
+          </p:nvPr>
+        </p:nvSpPr>
+        <p:spPr/>
+        <p:txBody>
+          <a:bodyPr/>
+          <a:lstStyle/>
+          <a:p>
+            <a:endParaRPr kumimoji="1" lang="ja-JP" altLang="en-US"/>
+          </a:p>
+        </p:txBody>
+      </p:sp>
+      <p:sp>
+        <p:nvSpPr>
+          <p:cNvPr id="4" name="スライド番号プレースホルダー 3"/>
+          <p:cNvSpPr>
+            <a:spLocks noGrp="1"/>
+          </p:cNvSpPr>
+          <p:nvPr>
+            <p:ph type="sldNum" sz="quarter" idx="10"/>
+          </p:nvPr>
+        </p:nvSpPr>
+        <p:spPr/>
+        <p:txBody>
+          <a:bodyPr/>
+          <a:lstStyle/>
+          <a:p>
+            <a:pPr>
+              <a:defRPr/>
+            </a:pPr>
+            <a:fld id="{9159FF30-FEA0-4219-B46E-09535C97980B}" type="slidenum">
+              <a:rPr lang="ja-JP" altLang="en-US"/>
+              <a:pPr>
+                <a:defRPr/>
+              </a:pPr>
+              <a:t>12</a:t>
+            </a:fld>
+            <a:endParaRPr lang="en-US" altLang="ja-JP"/>
+          </a:p>
+        </p:txBody>
+      </p:sp>
+      <p:sp>
+        <p:nvSpPr>
+          <p:cNvPr id="5" name="フッター プレースホルダー 4"/>
+          <p:cNvSpPr>
+            <a:spLocks noGrp="1"/>
+          </p:cNvSpPr>
+          <p:nvPr>
+            <p:ph type="ftr" sz="quarter" idx="11"/>
+          </p:nvPr>
+        </p:nvSpPr>
+        <p:spPr/>
+        <p:txBody>
+          <a:bodyPr/>
+          <a:lstStyle/>
+          <a:p>
+            <a:pPr>
+              <a:defRPr/>
+            </a:pPr>
+            <a:r>
+              <a:rPr lang="en-US" altLang="ja-JP"/>
+              <a:t>TOK-AAA123-20100706-</a:t>
+            </a:r>
+          </a:p>
+        </p:txBody>
+      </p:sp>
+    </p:spTree>
+    <p:extLst>
+      <p:ext uri="{BB962C8B-B14F-4D97-AF65-F5344CB8AC3E}">
+        <p14:creationId xmlns:p14="http://schemas.microsoft.com/office/powerpoint/2010/main" val="4287004816"/>
+      </p:ext>
+    </p:extLst>
+  </p:cSld>
+  <p:clrMapOvr>
+    <a:masterClrMapping/>
+  </p:clrMapOvr>
+</p:notes>
+</file>
+
+<file path=ppt/notesSlides/notesSlide14.xml><?xml version="1.0" encoding="utf-8"?>
+<p:notes xmlns:a="http://schemas.openxmlformats.org/drawingml/2006/main" xmlns:r="http://schemas.openxmlformats.org/officeDocument/2006/relationships" xmlns:p="http://schemas.openxmlformats.org/presentationml/2006/main">
+  <p:cSld>
+    <p:spTree>
+      <p:nvGrpSpPr>
+        <p:cNvPr id="1" name=""/>
+        <p:cNvGrpSpPr/>
+        <p:nvPr/>
+      </p:nvGrpSpPr>
+      <p:grpSpPr>
+        <a:xfrm>
+          <a:off x="0" y="0"/>
+          <a:ext cx="0" cy="0"/>
+          <a:chOff x="0" y="0"/>
+          <a:chExt cx="0" cy="0"/>
+        </a:xfrm>
+      </p:grpSpPr>
+      <p:sp>
+        <p:nvSpPr>
+          <p:cNvPr id="2" name="スライド イメージ プレースホルダー 1"/>
+          <p:cNvSpPr>
+            <a:spLocks noGrp="1" noRot="1" noChangeAspect="1"/>
+          </p:cNvSpPr>
+          <p:nvPr>
+            <p:ph type="sldImg"/>
+          </p:nvPr>
+        </p:nvSpPr>
+        <p:spPr/>
+      </p:sp>
+      <p:sp>
+        <p:nvSpPr>
+          <p:cNvPr id="3" name="ノート プレースホルダー 2"/>
+          <p:cNvSpPr>
+            <a:spLocks noGrp="1"/>
+          </p:cNvSpPr>
+          <p:nvPr>
+            <p:ph type="body" idx="1"/>
+          </p:nvPr>
+        </p:nvSpPr>
+        <p:spPr/>
+        <p:txBody>
+          <a:bodyPr/>
+          <a:lstStyle/>
+          <a:p>
+            <a:endParaRPr kumimoji="1" lang="ja-JP" altLang="en-US"/>
+          </a:p>
+          <a:p>
+            <a:r>
+              <a:rPr kumimoji="1" lang="ja-JP" altLang="en-US"/>
+              <a:t>----- 会議メモ (2014/02/10 18:36) -----</a:t>
+            </a:r>
+          </a:p>
+          <a:p>
+            <a:r>
+              <a:rPr kumimoji="1" lang="ja-JP" altLang="en-US"/>
+              <a:t>ライブラリとソースコードがごっちや</a:t>
+            </a:r>
+          </a:p>
+          <a:p>
+            <a:r>
+              <a:rPr kumimoji="1" lang="ja-JP" altLang="en-US"/>
+              <a:t>一言のべる</a:t>
+            </a:r>
+          </a:p>
+          <a:p>
+            <a:endParaRPr kumimoji="1" lang="ja-JP" altLang="en-US"/>
+          </a:p>
+        </p:txBody>
+      </p:sp>
+      <p:sp>
+        <p:nvSpPr>
+          <p:cNvPr id="4" name="スライド番号プレースホルダー 3"/>
+          <p:cNvSpPr>
+            <a:spLocks noGrp="1"/>
+          </p:cNvSpPr>
+          <p:nvPr>
+            <p:ph type="sldNum" sz="quarter" idx="10"/>
+          </p:nvPr>
+        </p:nvSpPr>
+        <p:spPr/>
+        <p:txBody>
+          <a:bodyPr/>
+          <a:lstStyle/>
+          <a:p>
+            <a:pPr>
+              <a:defRPr/>
+            </a:pPr>
+            <a:fld id="{9159FF30-FEA0-4219-B46E-09535C97980B}" type="slidenum">
+              <a:rPr lang="ja-JP" altLang="en-US"/>
+              <a:pPr>
+                <a:defRPr/>
+              </a:pPr>
+              <a:t>13</a:t>
+            </a:fld>
+            <a:endParaRPr lang="en-US" altLang="ja-JP"/>
+          </a:p>
+        </p:txBody>
+      </p:sp>
+      <p:sp>
+        <p:nvSpPr>
+          <p:cNvPr id="5" name="フッター プレースホルダー 4"/>
+          <p:cNvSpPr>
+            <a:spLocks noGrp="1"/>
+          </p:cNvSpPr>
+          <p:nvPr>
+            <p:ph type="ftr" sz="quarter" idx="11"/>
+          </p:nvPr>
+        </p:nvSpPr>
+        <p:spPr/>
+        <p:txBody>
+          <a:bodyPr/>
+          <a:lstStyle/>
+          <a:p>
+            <a:pPr>
+              <a:defRPr/>
+            </a:pPr>
+            <a:r>
+              <a:rPr lang="en-US" altLang="ja-JP"/>
+              <a:t>TOK-AAA123-20100706-</a:t>
+            </a:r>
+          </a:p>
+        </p:txBody>
+      </p:sp>
+    </p:spTree>
+    <p:extLst>
+      <p:ext uri="{BB962C8B-B14F-4D97-AF65-F5344CB8AC3E}">
+        <p14:creationId xmlns:p14="http://schemas.microsoft.com/office/powerpoint/2010/main" val="2189447956"/>
+      </p:ext>
+    </p:extLst>
+  </p:cSld>
+  <p:clrMapOvr>
+    <a:masterClrMapping/>
+  </p:clrMapOvr>
+</p:notes>
+</file>
+
+<file path=ppt/notesSlides/notesSlide15.xml><?xml version="1.0" encoding="utf-8"?>
+<p:notes xmlns:a="http://schemas.openxmlformats.org/drawingml/2006/main" xmlns:r="http://schemas.openxmlformats.org/officeDocument/2006/relationships" xmlns:p="http://schemas.openxmlformats.org/presentationml/2006/main">
+  <p:cSld>
+    <p:spTree>
+      <p:nvGrpSpPr>
+        <p:cNvPr id="1" name=""/>
+        <p:cNvGrpSpPr/>
+        <p:nvPr/>
+      </p:nvGrpSpPr>
+      <p:grpSpPr>
+        <a:xfrm>
+          <a:off x="0" y="0"/>
+          <a:ext cx="0" cy="0"/>
+          <a:chOff x="0" y="0"/>
+          <a:chExt cx="0" cy="0"/>
+        </a:xfrm>
+      </p:grpSpPr>
+      <p:sp>
+        <p:nvSpPr>
+          <p:cNvPr id="2" name="スライド イメージ プレースホルダー 1"/>
+          <p:cNvSpPr>
+            <a:spLocks noGrp="1" noRot="1" noChangeAspect="1"/>
+          </p:cNvSpPr>
+          <p:nvPr>
+            <p:ph type="sldImg"/>
+          </p:nvPr>
+        </p:nvSpPr>
+        <p:spPr/>
+      </p:sp>
+      <p:sp>
+        <p:nvSpPr>
+          <p:cNvPr id="3" name="ノート プレースホルダー 2"/>
+          <p:cNvSpPr>
+            <a:spLocks noGrp="1"/>
+          </p:cNvSpPr>
+          <p:nvPr>
+            <p:ph type="body" idx="1"/>
+          </p:nvPr>
+        </p:nvSpPr>
+        <p:spPr/>
+        <p:txBody>
+          <a:bodyPr/>
+          <a:lstStyle/>
+          <a:p>
+            <a:endParaRPr kumimoji="1" lang="ja-JP" altLang="en-US"/>
+          </a:p>
+        </p:txBody>
+      </p:sp>
+      <p:sp>
+        <p:nvSpPr>
+          <p:cNvPr id="4" name="スライド番号プレースホルダー 3"/>
+          <p:cNvSpPr>
+            <a:spLocks noGrp="1"/>
+          </p:cNvSpPr>
+          <p:nvPr>
+            <p:ph type="sldNum" sz="quarter" idx="10"/>
+          </p:nvPr>
+        </p:nvSpPr>
+        <p:spPr/>
+        <p:txBody>
+          <a:bodyPr/>
+          <a:lstStyle/>
+          <a:p>
+            <a:pPr>
+              <a:defRPr/>
+            </a:pPr>
+            <a:fld id="{9159FF30-FEA0-4219-B46E-09535C97980B}" type="slidenum">
+              <a:rPr lang="ja-JP" altLang="en-US"/>
+              <a:pPr>
+                <a:defRPr/>
+              </a:pPr>
+              <a:t>14</a:t>
+            </a:fld>
+            <a:endParaRPr lang="en-US" altLang="ja-JP"/>
+          </a:p>
+        </p:txBody>
+      </p:sp>
+      <p:sp>
+        <p:nvSpPr>
+          <p:cNvPr id="5" name="フッター プレースホルダー 4"/>
+          <p:cNvSpPr>
+            <a:spLocks noGrp="1"/>
+          </p:cNvSpPr>
+          <p:nvPr>
+            <p:ph type="ftr" sz="quarter" idx="11"/>
+          </p:nvPr>
+        </p:nvSpPr>
+        <p:spPr/>
+        <p:txBody>
+          <a:bodyPr/>
+          <a:lstStyle/>
+          <a:p>
+            <a:pPr>
+              <a:defRPr/>
+            </a:pPr>
+            <a:r>
+              <a:rPr lang="en-US" altLang="ja-JP"/>
+              <a:t>TOK-AAA123-20100706-</a:t>
+            </a:r>
+          </a:p>
+        </p:txBody>
+      </p:sp>
+    </p:spTree>
+    <p:extLst>
+      <p:ext uri="{BB962C8B-B14F-4D97-AF65-F5344CB8AC3E}">
+        <p14:creationId xmlns:p14="http://schemas.microsoft.com/office/powerpoint/2010/main" val="2550574674"/>
+      </p:ext>
+    </p:extLst>
+  </p:cSld>
+  <p:clrMapOvr>
+    <a:masterClrMapping/>
+  </p:clrMapOvr>
+</p:notes>
+</file>
+
+<file path=ppt/notesSlides/notesSlide16.xml><?xml version="1.0" encoding="utf-8"?>
+<p:notes xmlns:a="http://schemas.openxmlformats.org/drawingml/2006/main" xmlns:r="http://schemas.openxmlformats.org/officeDocument/2006/relationships" xmlns:p="http://schemas.openxmlformats.org/presentationml/2006/main">
+  <p:cSld>
+    <p:spTree>
+      <p:nvGrpSpPr>
+        <p:cNvPr id="1" name=""/>
+        <p:cNvGrpSpPr/>
+        <p:nvPr/>
+      </p:nvGrpSpPr>
+      <p:grpSpPr>
+        <a:xfrm>
+          <a:off x="0" y="0"/>
+          <a:ext cx="0" cy="0"/>
+          <a:chOff x="0" y="0"/>
+          <a:chExt cx="0" cy="0"/>
+        </a:xfrm>
+      </p:grpSpPr>
+      <p:sp>
+        <p:nvSpPr>
+          <p:cNvPr id="2" name="スライド イメージ プレースホルダー 1"/>
+          <p:cNvSpPr>
+            <a:spLocks noGrp="1" noRot="1" noChangeAspect="1"/>
+          </p:cNvSpPr>
+          <p:nvPr>
+            <p:ph type="sldImg"/>
+          </p:nvPr>
+        </p:nvSpPr>
+        <p:spPr/>
+      </p:sp>
+      <p:sp>
+        <p:nvSpPr>
+          <p:cNvPr id="3" name="ノート プレースホルダー 2"/>
+          <p:cNvSpPr>
+            <a:spLocks noGrp="1"/>
+          </p:cNvSpPr>
+          <p:nvPr>
+            <p:ph type="body" idx="1"/>
+          </p:nvPr>
+        </p:nvSpPr>
+        <p:spPr/>
+        <p:txBody>
+          <a:bodyPr/>
+          <a:lstStyle/>
+          <a:p>
+            <a:endParaRPr kumimoji="1" lang="ja-JP" altLang="en-US"/>
+          </a:p>
+        </p:txBody>
+      </p:sp>
+      <p:sp>
+        <p:nvSpPr>
+          <p:cNvPr id="4" name="スライド番号プレースホルダー 3"/>
+          <p:cNvSpPr>
+            <a:spLocks noGrp="1"/>
+          </p:cNvSpPr>
+          <p:nvPr>
+            <p:ph type="sldNum" sz="quarter" idx="10"/>
+          </p:nvPr>
+        </p:nvSpPr>
+        <p:spPr/>
+        <p:txBody>
+          <a:bodyPr/>
+          <a:lstStyle/>
+          <a:p>
+            <a:pPr>
+              <a:defRPr/>
+            </a:pPr>
+            <a:fld id="{9159FF30-FEA0-4219-B46E-09535C97980B}" type="slidenum">
+              <a:rPr lang="ja-JP" altLang="en-US"/>
+              <a:pPr>
+                <a:defRPr/>
+              </a:pPr>
+              <a:t>15</a:t>
+            </a:fld>
+            <a:endParaRPr lang="en-US" altLang="ja-JP"/>
+          </a:p>
+        </p:txBody>
+      </p:sp>
+      <p:sp>
+        <p:nvSpPr>
+          <p:cNvPr id="5" name="フッター プレースホルダー 4"/>
+          <p:cNvSpPr>
+            <a:spLocks noGrp="1"/>
+          </p:cNvSpPr>
+          <p:nvPr>
+            <p:ph type="ftr" sz="quarter" idx="11"/>
+          </p:nvPr>
+        </p:nvSpPr>
+        <p:spPr/>
+        <p:txBody>
+          <a:bodyPr/>
+          <a:lstStyle/>
+          <a:p>
+            <a:pPr>
+              <a:defRPr/>
+            </a:pPr>
+            <a:r>
+              <a:rPr lang="en-US" altLang="ja-JP"/>
+              <a:t>TOK-AAA123-20100706-</a:t>
+            </a:r>
+          </a:p>
+        </p:txBody>
+      </p:sp>
+    </p:spTree>
+    <p:extLst>
+      <p:ext uri="{BB962C8B-B14F-4D97-AF65-F5344CB8AC3E}">
+        <p14:creationId xmlns:p14="http://schemas.microsoft.com/office/powerpoint/2010/main" val="1306221358"/>
+      </p:ext>
+    </p:extLst>
+  </p:cSld>
+  <p:clrMapOvr>
+    <a:masterClrMapping/>
+  </p:clrMapOvr>
+</p:notes>
+</file>
+
+<file path=ppt/notesSlides/notesSlide17.xml><?xml version="1.0" encoding="utf-8"?>
+<p:notes xmlns:a="http://schemas.openxmlformats.org/drawingml/2006/main" xmlns:r="http://schemas.openxmlformats.org/officeDocument/2006/relationships" xmlns:p="http://schemas.openxmlformats.org/presentationml/2006/main">
+  <p:cSld>
+    <p:spTree>
+      <p:nvGrpSpPr>
+        <p:cNvPr id="1" name=""/>
+        <p:cNvGrpSpPr/>
+        <p:nvPr/>
+      </p:nvGrpSpPr>
+      <p:grpSpPr>
+        <a:xfrm>
+          <a:off x="0" y="0"/>
+          <a:ext cx="0" cy="0"/>
+          <a:chOff x="0" y="0"/>
+          <a:chExt cx="0" cy="0"/>
+        </a:xfrm>
+      </p:grpSpPr>
+      <p:sp>
+        <p:nvSpPr>
+          <p:cNvPr id="2" name="スライド イメージ プレースホルダー 1"/>
+          <p:cNvSpPr>
+            <a:spLocks noGrp="1" noRot="1" noChangeAspect="1"/>
+          </p:cNvSpPr>
+          <p:nvPr>
+            <p:ph type="sldImg"/>
+          </p:nvPr>
+        </p:nvSpPr>
+        <p:spPr/>
+      </p:sp>
+      <p:sp>
+        <p:nvSpPr>
+          <p:cNvPr id="3" name="ノート プレースホルダー 2"/>
+          <p:cNvSpPr>
+            <a:spLocks noGrp="1"/>
+          </p:cNvSpPr>
+          <p:nvPr>
+            <p:ph type="body" idx="1"/>
+          </p:nvPr>
+        </p:nvSpPr>
+        <p:spPr/>
+        <p:txBody>
+          <a:bodyPr/>
+          <a:lstStyle/>
+          <a:p>
+            <a:endParaRPr kumimoji="1" lang="ja-JP" altLang="en-US"/>
+          </a:p>
+        </p:txBody>
+      </p:sp>
+      <p:sp>
+        <p:nvSpPr>
+          <p:cNvPr id="4" name="スライド番号プレースホルダー 3"/>
+          <p:cNvSpPr>
+            <a:spLocks noGrp="1"/>
+          </p:cNvSpPr>
+          <p:nvPr>
+            <p:ph type="sldNum" sz="quarter" idx="10"/>
+          </p:nvPr>
+        </p:nvSpPr>
+        <p:spPr/>
+        <p:txBody>
+          <a:bodyPr/>
+          <a:lstStyle/>
+          <a:p>
+            <a:pPr>
+              <a:defRPr/>
+            </a:pPr>
+            <a:fld id="{9159FF30-FEA0-4219-B46E-09535C97980B}" type="slidenum">
+              <a:rPr lang="ja-JP" altLang="en-US"/>
+              <a:pPr>
+                <a:defRPr/>
+              </a:pPr>
+              <a:t>16</a:t>
+            </a:fld>
+            <a:endParaRPr lang="en-US" altLang="ja-JP"/>
+          </a:p>
+        </p:txBody>
+      </p:sp>
+      <p:sp>
+        <p:nvSpPr>
+          <p:cNvPr id="5" name="フッター プレースホルダー 4"/>
+          <p:cNvSpPr>
+            <a:spLocks noGrp="1"/>
+          </p:cNvSpPr>
+          <p:nvPr>
+            <p:ph type="ftr" sz="quarter" idx="11"/>
+          </p:nvPr>
+        </p:nvSpPr>
+        <p:spPr/>
+        <p:txBody>
+          <a:bodyPr/>
+          <a:lstStyle/>
+          <a:p>
+            <a:pPr>
+              <a:defRPr/>
+            </a:pPr>
+            <a:r>
+              <a:rPr lang="en-US" altLang="ja-JP"/>
+              <a:t>TOK-AAA123-20100706-</a:t>
+            </a:r>
+          </a:p>
+        </p:txBody>
+      </p:sp>
+    </p:spTree>
+    <p:extLst>
+      <p:ext uri="{BB962C8B-B14F-4D97-AF65-F5344CB8AC3E}">
+        <p14:creationId xmlns:p14="http://schemas.microsoft.com/office/powerpoint/2010/main" val="2206172233"/>
+      </p:ext>
+    </p:extLst>
+  </p:cSld>
+  <p:clrMapOvr>
+    <a:masterClrMapping/>
+  </p:clrMapOvr>
+</p:notes>
+</file>
+
+<file path=ppt/notesSlides/notesSlide18.xml><?xml version="1.0" encoding="utf-8"?>
+<p:notes xmlns:a="http://schemas.openxmlformats.org/drawingml/2006/main" xmlns:r="http://schemas.openxmlformats.org/officeDocument/2006/relationships" xmlns:p="http://schemas.openxmlformats.org/presentationml/2006/main">
+  <p:cSld>
+    <p:spTree>
+      <p:nvGrpSpPr>
+        <p:cNvPr id="1" name=""/>
+        <p:cNvGrpSpPr/>
+        <p:nvPr/>
+      </p:nvGrpSpPr>
+      <p:grpSpPr>
+        <a:xfrm>
+          <a:off x="0" y="0"/>
+          <a:ext cx="0" cy="0"/>
+          <a:chOff x="0" y="0"/>
+          <a:chExt cx="0" cy="0"/>
+        </a:xfrm>
+      </p:grpSpPr>
+      <p:sp>
+        <p:nvSpPr>
+          <p:cNvPr id="2" name="スライド イメージ プレースホルダー 1"/>
+          <p:cNvSpPr>
+            <a:spLocks noGrp="1" noRot="1" noChangeAspect="1"/>
+          </p:cNvSpPr>
+          <p:nvPr>
+            <p:ph type="sldImg"/>
+          </p:nvPr>
+        </p:nvSpPr>
+        <p:spPr/>
+      </p:sp>
+      <p:sp>
+        <p:nvSpPr>
+          <p:cNvPr id="3" name="ノート プレースホルダー 2"/>
+          <p:cNvSpPr>
+            <a:spLocks noGrp="1"/>
+          </p:cNvSpPr>
+          <p:nvPr>
+            <p:ph type="body" idx="1"/>
+          </p:nvPr>
+        </p:nvSpPr>
+        <p:spPr/>
+        <p:txBody>
+          <a:bodyPr/>
+          <a:lstStyle/>
+          <a:p>
+            <a:endParaRPr kumimoji="1" lang="ja-JP" altLang="en-US"/>
+          </a:p>
+        </p:txBody>
+      </p:sp>
+      <p:sp>
+        <p:nvSpPr>
+          <p:cNvPr id="4" name="スライド番号プレースホルダー 3"/>
+          <p:cNvSpPr>
+            <a:spLocks noGrp="1"/>
+          </p:cNvSpPr>
+          <p:nvPr>
+            <p:ph type="sldNum" sz="quarter" idx="10"/>
+          </p:nvPr>
+        </p:nvSpPr>
+        <p:spPr/>
+        <p:txBody>
+          <a:bodyPr/>
+          <a:lstStyle/>
+          <a:p>
+            <a:pPr>
+              <a:defRPr/>
+            </a:pPr>
+            <a:fld id="{9159FF30-FEA0-4219-B46E-09535C97980B}" type="slidenum">
+              <a:rPr lang="ja-JP" altLang="en-US"/>
+              <a:pPr>
+                <a:defRPr/>
+              </a:pPr>
+              <a:t>17</a:t>
+            </a:fld>
+            <a:endParaRPr lang="en-US" altLang="ja-JP"/>
+          </a:p>
+        </p:txBody>
+      </p:sp>
+      <p:sp>
+        <p:nvSpPr>
+          <p:cNvPr id="5" name="フッター プレースホルダー 4"/>
+          <p:cNvSpPr>
+            <a:spLocks noGrp="1"/>
+          </p:cNvSpPr>
+          <p:nvPr>
+            <p:ph type="ftr" sz="quarter" idx="11"/>
+          </p:nvPr>
+        </p:nvSpPr>
+        <p:spPr/>
+        <p:txBody>
+          <a:bodyPr/>
+          <a:lstStyle/>
+          <a:p>
+            <a:pPr>
+              <a:defRPr/>
+            </a:pPr>
+            <a:r>
+              <a:rPr lang="en-US" altLang="ja-JP"/>
+              <a:t>TOK-AAA123-20100706-</a:t>
+            </a:r>
+          </a:p>
+        </p:txBody>
+      </p:sp>
+    </p:spTree>
+    <p:extLst>
+      <p:ext uri="{BB962C8B-B14F-4D97-AF65-F5344CB8AC3E}">
+        <p14:creationId xmlns:p14="http://schemas.microsoft.com/office/powerpoint/2010/main" val="1181920304"/>
+      </p:ext>
+    </p:extLst>
+  </p:cSld>
+  <p:clrMapOvr>
+    <a:masterClrMapping/>
+  </p:clrMapOvr>
+</p:notes>
+</file>
+
+<file path=ppt/notesSlides/notesSlide19.xml><?xml version="1.0" encoding="utf-8"?>
+<p:notes xmlns:a="http://schemas.openxmlformats.org/drawingml/2006/main" xmlns:r="http://schemas.openxmlformats.org/officeDocument/2006/relationships" xmlns:p="http://schemas.openxmlformats.org/presentationml/2006/main">
+  <p:cSld>
+    <p:spTree>
+      <p:nvGrpSpPr>
+        <p:cNvPr id="1" name=""/>
+        <p:cNvGrpSpPr/>
+        <p:nvPr/>
+      </p:nvGrpSpPr>
+      <p:grpSpPr>
+        <a:xfrm>
+          <a:off x="0" y="0"/>
+          <a:ext cx="0" cy="0"/>
+          <a:chOff x="0" y="0"/>
+          <a:chExt cx="0" cy="0"/>
+        </a:xfrm>
+      </p:grpSpPr>
+      <p:sp>
+        <p:nvSpPr>
+          <p:cNvPr id="2" name="スライド イメージ プレースホルダー 1"/>
+          <p:cNvSpPr>
+            <a:spLocks noGrp="1" noRot="1" noChangeAspect="1"/>
+          </p:cNvSpPr>
+          <p:nvPr>
+            <p:ph type="sldImg"/>
+          </p:nvPr>
+        </p:nvSpPr>
+        <p:spPr/>
+      </p:sp>
+      <p:sp>
+        <p:nvSpPr>
+          <p:cNvPr id="3" name="ノート プレースホルダー 2"/>
+          <p:cNvSpPr>
+            <a:spLocks noGrp="1"/>
+          </p:cNvSpPr>
+          <p:nvPr>
+            <p:ph type="body" idx="1"/>
+          </p:nvPr>
+        </p:nvSpPr>
+        <p:spPr/>
+        <p:txBody>
+          <a:bodyPr/>
+          <a:lstStyle/>
+          <a:p>
+            <a:endParaRPr kumimoji="1" lang="ja-JP" altLang="en-US"/>
+          </a:p>
+          <a:p>
+            <a:r>
+              <a:rPr kumimoji="1" lang="ja-JP" altLang="en-US"/>
+              <a:t>----- 会議メモ (2014/02/10 18:36) -----</a:t>
+            </a:r>
+          </a:p>
+          <a:p>
+            <a:r>
+              <a:rPr kumimoji="1" lang="ja-JP" altLang="en-US"/>
+              <a:t>比較が一切抜けている</a:t>
+            </a:r>
+          </a:p>
+          <a:p>
+            <a:r>
+              <a:rPr kumimoji="1" lang="ja-JP" altLang="en-US"/>
+              <a:t>一番知りたいことがわからない</a:t>
+            </a:r>
+          </a:p>
+        </p:txBody>
+      </p:sp>
+      <p:sp>
+        <p:nvSpPr>
+          <p:cNvPr id="4" name="スライド番号プレースホルダー 3"/>
+          <p:cNvSpPr>
+            <a:spLocks noGrp="1"/>
+          </p:cNvSpPr>
+          <p:nvPr>
+            <p:ph type="sldNum" sz="quarter" idx="10"/>
+          </p:nvPr>
+        </p:nvSpPr>
+        <p:spPr/>
+        <p:txBody>
+          <a:bodyPr/>
+          <a:lstStyle/>
+          <a:p>
+            <a:pPr>
+              <a:defRPr/>
+            </a:pPr>
+            <a:fld id="{9159FF30-FEA0-4219-B46E-09535C97980B}" type="slidenum">
+              <a:rPr lang="ja-JP" altLang="en-US"/>
+              <a:pPr>
+                <a:defRPr/>
+              </a:pPr>
+              <a:t>18</a:t>
+            </a:fld>
+            <a:endParaRPr lang="en-US" altLang="ja-JP"/>
+          </a:p>
+        </p:txBody>
+      </p:sp>
+      <p:sp>
+        <p:nvSpPr>
+          <p:cNvPr id="5" name="フッター プレースホルダー 4"/>
+          <p:cNvSpPr>
+            <a:spLocks noGrp="1"/>
+          </p:cNvSpPr>
+          <p:nvPr>
+            <p:ph type="ftr" sz="quarter" idx="11"/>
+          </p:nvPr>
+        </p:nvSpPr>
+        <p:spPr/>
+        <p:txBody>
+          <a:bodyPr/>
+          <a:lstStyle/>
+          <a:p>
+            <a:pPr>
+              <a:defRPr/>
+            </a:pPr>
+            <a:r>
+              <a:rPr lang="en-US" altLang="ja-JP"/>
+              <a:t>TOK-AAA123-20100706-</a:t>
+            </a:r>
+          </a:p>
+        </p:txBody>
+      </p:sp>
+    </p:spTree>
+    <p:extLst>
+      <p:ext uri="{BB962C8B-B14F-4D97-AF65-F5344CB8AC3E}">
+        <p14:creationId xmlns:p14="http://schemas.microsoft.com/office/powerpoint/2010/main" val="1142836568"/>
+      </p:ext>
+    </p:extLst>
+  </p:cSld>
+  <p:clrMapOvr>
+    <a:masterClrMapping/>
+  </p:clrMapOvr>
+</p:notes>
+</file>
+
 <file path=ppt/notesSlides/notesSlide2.xml><?xml version="1.0" encoding="utf-8"?>
 <p:notes xmlns:a="http://schemas.openxmlformats.org/drawingml/2006/main" xmlns:r="http://schemas.openxmlformats.org/officeDocument/2006/relationships" xmlns:p="http://schemas.openxmlformats.org/presentationml/2006/main">
   <p:cSld>
@@ -932,36 +2121,6 @@
           <a:p>
             <a:endParaRPr kumimoji="1" lang="ja-JP" altLang="en-US"/>
           </a:p>
-          <a:p>
-            <a:r>
-              <a:rPr kumimoji="1" lang="ja-JP" altLang="en-US"/>
-              <a:t>----- 会議メモ (2014/02/10 18:36) -----</a:t>
-            </a:r>
-          </a:p>
-          <a:p>
-            <a:r>
-              <a:rPr kumimoji="1" lang="ja-JP" altLang="en-US"/>
-              <a:t>あまり体系だっていない</a:t>
-            </a:r>
-          </a:p>
-          <a:p>
-            <a:r>
-              <a:rPr kumimoji="1" lang="ja-JP" altLang="en-US"/>
-              <a:t>人工知能 = 深層学習とかよくわからん</a:t>
-            </a:r>
-          </a:p>
-          <a:p>
-            <a:r>
-              <a:rPr kumimoji="1" lang="ja-JP" altLang="en-US"/>
-              <a:t>雑誌の1行目をそのまま書いたみたいになっている</a:t>
-            </a:r>
-          </a:p>
-          <a:p>
-            <a:r>
-              <a:rPr kumimoji="1" lang="ja-JP" altLang="en-US"/>
-              <a:t>深層学習と人工知能の結びつけ</a:t>
-            </a:r>
-          </a:p>
         </p:txBody>
       </p:sp>
       <p:sp>
@@ -987,7 +2146,7 @@
               <a:pPr>
                 <a:defRPr/>
               </a:pPr>
-              <a:t>3</a:t>
+              <a:t>1</a:t>
             </a:fld>
             <a:endParaRPr lang="en-US" altLang="ja-JP"/>
           </a:p>
@@ -1021,7 +2180,1178 @@
     </p:spTree>
     <p:extLst>
       <p:ext uri="{BB962C8B-B14F-4D97-AF65-F5344CB8AC3E}">
-        <p14:creationId xmlns:p14="http://schemas.microsoft.com/office/powerpoint/2010/main" val="977278105"/>
+        <p14:creationId xmlns:p14="http://schemas.microsoft.com/office/powerpoint/2010/main" val="923950582"/>
+      </p:ext>
+    </p:extLst>
+  </p:cSld>
+  <p:clrMapOvr>
+    <a:masterClrMapping/>
+  </p:clrMapOvr>
+</p:notes>
+</file>
+
+<file path=ppt/notesSlides/notesSlide20.xml><?xml version="1.0" encoding="utf-8"?>
+<p:notes xmlns:a="http://schemas.openxmlformats.org/drawingml/2006/main" xmlns:r="http://schemas.openxmlformats.org/officeDocument/2006/relationships" xmlns:p="http://schemas.openxmlformats.org/presentationml/2006/main">
+  <p:cSld>
+    <p:spTree>
+      <p:nvGrpSpPr>
+        <p:cNvPr id="1" name=""/>
+        <p:cNvGrpSpPr/>
+        <p:nvPr/>
+      </p:nvGrpSpPr>
+      <p:grpSpPr>
+        <a:xfrm>
+          <a:off x="0" y="0"/>
+          <a:ext cx="0" cy="0"/>
+          <a:chOff x="0" y="0"/>
+          <a:chExt cx="0" cy="0"/>
+        </a:xfrm>
+      </p:grpSpPr>
+      <p:sp>
+        <p:nvSpPr>
+          <p:cNvPr id="2" name="スライド イメージ プレースホルダー 1"/>
+          <p:cNvSpPr>
+            <a:spLocks noGrp="1" noRot="1" noChangeAspect="1"/>
+          </p:cNvSpPr>
+          <p:nvPr>
+            <p:ph type="sldImg"/>
+          </p:nvPr>
+        </p:nvSpPr>
+        <p:spPr/>
+      </p:sp>
+      <p:sp>
+        <p:nvSpPr>
+          <p:cNvPr id="3" name="ノート プレースホルダー 2"/>
+          <p:cNvSpPr>
+            <a:spLocks noGrp="1"/>
+          </p:cNvSpPr>
+          <p:nvPr>
+            <p:ph type="body" idx="1"/>
+          </p:nvPr>
+        </p:nvSpPr>
+        <p:spPr/>
+        <p:txBody>
+          <a:bodyPr/>
+          <a:lstStyle/>
+          <a:p>
+            <a:endParaRPr kumimoji="1" lang="ja-JP" altLang="en-US"/>
+          </a:p>
+        </p:txBody>
+      </p:sp>
+      <p:sp>
+        <p:nvSpPr>
+          <p:cNvPr id="4" name="スライド番号プレースホルダー 3"/>
+          <p:cNvSpPr>
+            <a:spLocks noGrp="1"/>
+          </p:cNvSpPr>
+          <p:nvPr>
+            <p:ph type="sldNum" sz="quarter" idx="10"/>
+          </p:nvPr>
+        </p:nvSpPr>
+        <p:spPr/>
+        <p:txBody>
+          <a:bodyPr/>
+          <a:lstStyle/>
+          <a:p>
+            <a:pPr>
+              <a:defRPr/>
+            </a:pPr>
+            <a:fld id="{9159FF30-FEA0-4219-B46E-09535C97980B}" type="slidenum">
+              <a:rPr lang="ja-JP" altLang="en-US"/>
+              <a:pPr>
+                <a:defRPr/>
+              </a:pPr>
+              <a:t>19</a:t>
+            </a:fld>
+            <a:endParaRPr lang="en-US" altLang="ja-JP"/>
+          </a:p>
+        </p:txBody>
+      </p:sp>
+      <p:sp>
+        <p:nvSpPr>
+          <p:cNvPr id="5" name="フッター プレースホルダー 4"/>
+          <p:cNvSpPr>
+            <a:spLocks noGrp="1"/>
+          </p:cNvSpPr>
+          <p:nvPr>
+            <p:ph type="ftr" sz="quarter" idx="11"/>
+          </p:nvPr>
+        </p:nvSpPr>
+        <p:spPr/>
+        <p:txBody>
+          <a:bodyPr/>
+          <a:lstStyle/>
+          <a:p>
+            <a:pPr>
+              <a:defRPr/>
+            </a:pPr>
+            <a:r>
+              <a:rPr lang="en-US" altLang="ja-JP"/>
+              <a:t>TOK-AAA123-20100706-</a:t>
+            </a:r>
+          </a:p>
+        </p:txBody>
+      </p:sp>
+    </p:spTree>
+    <p:extLst>
+      <p:ext uri="{BB962C8B-B14F-4D97-AF65-F5344CB8AC3E}">
+        <p14:creationId xmlns:p14="http://schemas.microsoft.com/office/powerpoint/2010/main" val="1122737872"/>
+      </p:ext>
+    </p:extLst>
+  </p:cSld>
+  <p:clrMapOvr>
+    <a:masterClrMapping/>
+  </p:clrMapOvr>
+</p:notes>
+</file>
+
+<file path=ppt/notesSlides/notesSlide21.xml><?xml version="1.0" encoding="utf-8"?>
+<p:notes xmlns:a="http://schemas.openxmlformats.org/drawingml/2006/main" xmlns:r="http://schemas.openxmlformats.org/officeDocument/2006/relationships" xmlns:p="http://schemas.openxmlformats.org/presentationml/2006/main">
+  <p:cSld>
+    <p:spTree>
+      <p:nvGrpSpPr>
+        <p:cNvPr id="1" name=""/>
+        <p:cNvGrpSpPr/>
+        <p:nvPr/>
+      </p:nvGrpSpPr>
+      <p:grpSpPr>
+        <a:xfrm>
+          <a:off x="0" y="0"/>
+          <a:ext cx="0" cy="0"/>
+          <a:chOff x="0" y="0"/>
+          <a:chExt cx="0" cy="0"/>
+        </a:xfrm>
+      </p:grpSpPr>
+      <p:sp>
+        <p:nvSpPr>
+          <p:cNvPr id="2" name="スライド イメージ プレースホルダー 1"/>
+          <p:cNvSpPr>
+            <a:spLocks noGrp="1" noRot="1" noChangeAspect="1"/>
+          </p:cNvSpPr>
+          <p:nvPr>
+            <p:ph type="sldImg"/>
+          </p:nvPr>
+        </p:nvSpPr>
+        <p:spPr/>
+      </p:sp>
+      <p:sp>
+        <p:nvSpPr>
+          <p:cNvPr id="3" name="ノート プレースホルダー 2"/>
+          <p:cNvSpPr>
+            <a:spLocks noGrp="1"/>
+          </p:cNvSpPr>
+          <p:nvPr>
+            <p:ph type="body" idx="1"/>
+          </p:nvPr>
+        </p:nvSpPr>
+        <p:spPr/>
+        <p:txBody>
+          <a:bodyPr/>
+          <a:lstStyle/>
+          <a:p>
+            <a:endParaRPr kumimoji="1" lang="ja-JP" altLang="en-US"/>
+          </a:p>
+        </p:txBody>
+      </p:sp>
+      <p:sp>
+        <p:nvSpPr>
+          <p:cNvPr id="4" name="スライド番号プレースホルダー 3"/>
+          <p:cNvSpPr>
+            <a:spLocks noGrp="1"/>
+          </p:cNvSpPr>
+          <p:nvPr>
+            <p:ph type="sldNum" sz="quarter" idx="10"/>
+          </p:nvPr>
+        </p:nvSpPr>
+        <p:spPr/>
+        <p:txBody>
+          <a:bodyPr/>
+          <a:lstStyle/>
+          <a:p>
+            <a:pPr>
+              <a:defRPr/>
+            </a:pPr>
+            <a:fld id="{9159FF30-FEA0-4219-B46E-09535C97980B}" type="slidenum">
+              <a:rPr lang="ja-JP" altLang="en-US"/>
+              <a:pPr>
+                <a:defRPr/>
+              </a:pPr>
+              <a:t>20</a:t>
+            </a:fld>
+            <a:endParaRPr lang="en-US" altLang="ja-JP"/>
+          </a:p>
+        </p:txBody>
+      </p:sp>
+      <p:sp>
+        <p:nvSpPr>
+          <p:cNvPr id="5" name="フッター プレースホルダー 4"/>
+          <p:cNvSpPr>
+            <a:spLocks noGrp="1"/>
+          </p:cNvSpPr>
+          <p:nvPr>
+            <p:ph type="ftr" sz="quarter" idx="11"/>
+          </p:nvPr>
+        </p:nvSpPr>
+        <p:spPr/>
+        <p:txBody>
+          <a:bodyPr/>
+          <a:lstStyle/>
+          <a:p>
+            <a:pPr>
+              <a:defRPr/>
+            </a:pPr>
+            <a:r>
+              <a:rPr lang="en-US" altLang="ja-JP"/>
+              <a:t>TOK-AAA123-20100706-</a:t>
+            </a:r>
+          </a:p>
+        </p:txBody>
+      </p:sp>
+    </p:spTree>
+    <p:extLst>
+      <p:ext uri="{BB962C8B-B14F-4D97-AF65-F5344CB8AC3E}">
+        <p14:creationId xmlns:p14="http://schemas.microsoft.com/office/powerpoint/2010/main" val="2410746502"/>
+      </p:ext>
+    </p:extLst>
+  </p:cSld>
+  <p:clrMapOvr>
+    <a:masterClrMapping/>
+  </p:clrMapOvr>
+</p:notes>
+</file>
+
+<file path=ppt/notesSlides/notesSlide22.xml><?xml version="1.0" encoding="utf-8"?>
+<p:notes xmlns:a="http://schemas.openxmlformats.org/drawingml/2006/main" xmlns:r="http://schemas.openxmlformats.org/officeDocument/2006/relationships" xmlns:p="http://schemas.openxmlformats.org/presentationml/2006/main">
+  <p:cSld>
+    <p:spTree>
+      <p:nvGrpSpPr>
+        <p:cNvPr id="1" name=""/>
+        <p:cNvGrpSpPr/>
+        <p:nvPr/>
+      </p:nvGrpSpPr>
+      <p:grpSpPr>
+        <a:xfrm>
+          <a:off x="0" y="0"/>
+          <a:ext cx="0" cy="0"/>
+          <a:chOff x="0" y="0"/>
+          <a:chExt cx="0" cy="0"/>
+        </a:xfrm>
+      </p:grpSpPr>
+      <p:sp>
+        <p:nvSpPr>
+          <p:cNvPr id="2" name="スライド イメージ プレースホルダー 1"/>
+          <p:cNvSpPr>
+            <a:spLocks noGrp="1" noRot="1" noChangeAspect="1"/>
+          </p:cNvSpPr>
+          <p:nvPr>
+            <p:ph type="sldImg"/>
+          </p:nvPr>
+        </p:nvSpPr>
+        <p:spPr/>
+      </p:sp>
+      <p:sp>
+        <p:nvSpPr>
+          <p:cNvPr id="3" name="ノート プレースホルダー 2"/>
+          <p:cNvSpPr>
+            <a:spLocks noGrp="1"/>
+          </p:cNvSpPr>
+          <p:nvPr>
+            <p:ph type="body" idx="1"/>
+          </p:nvPr>
+        </p:nvSpPr>
+        <p:spPr/>
+        <p:txBody>
+          <a:bodyPr/>
+          <a:lstStyle/>
+          <a:p>
+            <a:endParaRPr kumimoji="1" lang="ja-JP" altLang="en-US"/>
+          </a:p>
+        </p:txBody>
+      </p:sp>
+      <p:sp>
+        <p:nvSpPr>
+          <p:cNvPr id="4" name="スライド番号プレースホルダー 3"/>
+          <p:cNvSpPr>
+            <a:spLocks noGrp="1"/>
+          </p:cNvSpPr>
+          <p:nvPr>
+            <p:ph type="sldNum" sz="quarter" idx="10"/>
+          </p:nvPr>
+        </p:nvSpPr>
+        <p:spPr/>
+        <p:txBody>
+          <a:bodyPr/>
+          <a:lstStyle/>
+          <a:p>
+            <a:pPr>
+              <a:defRPr/>
+            </a:pPr>
+            <a:fld id="{9159FF30-FEA0-4219-B46E-09535C97980B}" type="slidenum">
+              <a:rPr lang="ja-JP" altLang="en-US"/>
+              <a:pPr>
+                <a:defRPr/>
+              </a:pPr>
+              <a:t>21</a:t>
+            </a:fld>
+            <a:endParaRPr lang="en-US" altLang="ja-JP"/>
+          </a:p>
+        </p:txBody>
+      </p:sp>
+      <p:sp>
+        <p:nvSpPr>
+          <p:cNvPr id="5" name="フッター プレースホルダー 4"/>
+          <p:cNvSpPr>
+            <a:spLocks noGrp="1"/>
+          </p:cNvSpPr>
+          <p:nvPr>
+            <p:ph type="ftr" sz="quarter" idx="11"/>
+          </p:nvPr>
+        </p:nvSpPr>
+        <p:spPr/>
+        <p:txBody>
+          <a:bodyPr/>
+          <a:lstStyle/>
+          <a:p>
+            <a:pPr>
+              <a:defRPr/>
+            </a:pPr>
+            <a:r>
+              <a:rPr lang="en-US" altLang="ja-JP"/>
+              <a:t>TOK-AAA123-20100706-</a:t>
+            </a:r>
+          </a:p>
+        </p:txBody>
+      </p:sp>
+    </p:spTree>
+    <p:extLst>
+      <p:ext uri="{BB962C8B-B14F-4D97-AF65-F5344CB8AC3E}">
+        <p14:creationId xmlns:p14="http://schemas.microsoft.com/office/powerpoint/2010/main" val="3449845254"/>
+      </p:ext>
+    </p:extLst>
+  </p:cSld>
+  <p:clrMapOvr>
+    <a:masterClrMapping/>
+  </p:clrMapOvr>
+</p:notes>
+</file>
+
+<file path=ppt/notesSlides/notesSlide23.xml><?xml version="1.0" encoding="utf-8"?>
+<p:notes xmlns:a="http://schemas.openxmlformats.org/drawingml/2006/main" xmlns:r="http://schemas.openxmlformats.org/officeDocument/2006/relationships" xmlns:p="http://schemas.openxmlformats.org/presentationml/2006/main">
+  <p:cSld>
+    <p:spTree>
+      <p:nvGrpSpPr>
+        <p:cNvPr id="1" name=""/>
+        <p:cNvGrpSpPr/>
+        <p:nvPr/>
+      </p:nvGrpSpPr>
+      <p:grpSpPr>
+        <a:xfrm>
+          <a:off x="0" y="0"/>
+          <a:ext cx="0" cy="0"/>
+          <a:chOff x="0" y="0"/>
+          <a:chExt cx="0" cy="0"/>
+        </a:xfrm>
+      </p:grpSpPr>
+      <p:sp>
+        <p:nvSpPr>
+          <p:cNvPr id="2" name="スライド イメージ プレースホルダー 1"/>
+          <p:cNvSpPr>
+            <a:spLocks noGrp="1" noRot="1" noChangeAspect="1"/>
+          </p:cNvSpPr>
+          <p:nvPr>
+            <p:ph type="sldImg"/>
+          </p:nvPr>
+        </p:nvSpPr>
+        <p:spPr/>
+      </p:sp>
+      <p:sp>
+        <p:nvSpPr>
+          <p:cNvPr id="3" name="ノート プレースホルダー 2"/>
+          <p:cNvSpPr>
+            <a:spLocks noGrp="1"/>
+          </p:cNvSpPr>
+          <p:nvPr>
+            <p:ph type="body" idx="1"/>
+          </p:nvPr>
+        </p:nvSpPr>
+        <p:spPr/>
+        <p:txBody>
+          <a:bodyPr/>
+          <a:lstStyle/>
+          <a:p>
+            <a:endParaRPr kumimoji="1" lang="ja-JP" altLang="en-US"/>
+          </a:p>
+        </p:txBody>
+      </p:sp>
+      <p:sp>
+        <p:nvSpPr>
+          <p:cNvPr id="4" name="スライド番号プレースホルダー 3"/>
+          <p:cNvSpPr>
+            <a:spLocks noGrp="1"/>
+          </p:cNvSpPr>
+          <p:nvPr>
+            <p:ph type="sldNum" sz="quarter" idx="10"/>
+          </p:nvPr>
+        </p:nvSpPr>
+        <p:spPr/>
+        <p:txBody>
+          <a:bodyPr/>
+          <a:lstStyle/>
+          <a:p>
+            <a:pPr>
+              <a:defRPr/>
+            </a:pPr>
+            <a:fld id="{9159FF30-FEA0-4219-B46E-09535C97980B}" type="slidenum">
+              <a:rPr lang="ja-JP" altLang="en-US"/>
+              <a:pPr>
+                <a:defRPr/>
+              </a:pPr>
+              <a:t>22</a:t>
+            </a:fld>
+            <a:endParaRPr lang="en-US" altLang="ja-JP"/>
+          </a:p>
+        </p:txBody>
+      </p:sp>
+      <p:sp>
+        <p:nvSpPr>
+          <p:cNvPr id="5" name="フッター プレースホルダー 4"/>
+          <p:cNvSpPr>
+            <a:spLocks noGrp="1"/>
+          </p:cNvSpPr>
+          <p:nvPr>
+            <p:ph type="ftr" sz="quarter" idx="11"/>
+          </p:nvPr>
+        </p:nvSpPr>
+        <p:spPr/>
+        <p:txBody>
+          <a:bodyPr/>
+          <a:lstStyle/>
+          <a:p>
+            <a:pPr>
+              <a:defRPr/>
+            </a:pPr>
+            <a:r>
+              <a:rPr lang="en-US" altLang="ja-JP"/>
+              <a:t>TOK-AAA123-20100706-</a:t>
+            </a:r>
+          </a:p>
+        </p:txBody>
+      </p:sp>
+    </p:spTree>
+    <p:extLst>
+      <p:ext uri="{BB962C8B-B14F-4D97-AF65-F5344CB8AC3E}">
+        <p14:creationId xmlns:p14="http://schemas.microsoft.com/office/powerpoint/2010/main" val="3810276022"/>
+      </p:ext>
+    </p:extLst>
+  </p:cSld>
+  <p:clrMapOvr>
+    <a:masterClrMapping/>
+  </p:clrMapOvr>
+</p:notes>
+</file>
+
+<file path=ppt/notesSlides/notesSlide24.xml><?xml version="1.0" encoding="utf-8"?>
+<p:notes xmlns:a="http://schemas.openxmlformats.org/drawingml/2006/main" xmlns:r="http://schemas.openxmlformats.org/officeDocument/2006/relationships" xmlns:p="http://schemas.openxmlformats.org/presentationml/2006/main">
+  <p:cSld>
+    <p:spTree>
+      <p:nvGrpSpPr>
+        <p:cNvPr id="1" name=""/>
+        <p:cNvGrpSpPr/>
+        <p:nvPr/>
+      </p:nvGrpSpPr>
+      <p:grpSpPr>
+        <a:xfrm>
+          <a:off x="0" y="0"/>
+          <a:ext cx="0" cy="0"/>
+          <a:chOff x="0" y="0"/>
+          <a:chExt cx="0" cy="0"/>
+        </a:xfrm>
+      </p:grpSpPr>
+      <p:sp>
+        <p:nvSpPr>
+          <p:cNvPr id="2" name="スライド イメージ プレースホルダー 1"/>
+          <p:cNvSpPr>
+            <a:spLocks noGrp="1" noRot="1" noChangeAspect="1"/>
+          </p:cNvSpPr>
+          <p:nvPr>
+            <p:ph type="sldImg"/>
+          </p:nvPr>
+        </p:nvSpPr>
+        <p:spPr/>
+      </p:sp>
+      <p:sp>
+        <p:nvSpPr>
+          <p:cNvPr id="3" name="ノート プレースホルダー 2"/>
+          <p:cNvSpPr>
+            <a:spLocks noGrp="1"/>
+          </p:cNvSpPr>
+          <p:nvPr>
+            <p:ph type="body" idx="1"/>
+          </p:nvPr>
+        </p:nvSpPr>
+        <p:spPr/>
+        <p:txBody>
+          <a:bodyPr/>
+          <a:lstStyle/>
+          <a:p>
+            <a:endParaRPr kumimoji="1" lang="ja-JP" altLang="en-US"/>
+          </a:p>
+        </p:txBody>
+      </p:sp>
+      <p:sp>
+        <p:nvSpPr>
+          <p:cNvPr id="4" name="スライド番号プレースホルダー 3"/>
+          <p:cNvSpPr>
+            <a:spLocks noGrp="1"/>
+          </p:cNvSpPr>
+          <p:nvPr>
+            <p:ph type="sldNum" sz="quarter" idx="10"/>
+          </p:nvPr>
+        </p:nvSpPr>
+        <p:spPr/>
+        <p:txBody>
+          <a:bodyPr/>
+          <a:lstStyle/>
+          <a:p>
+            <a:pPr>
+              <a:defRPr/>
+            </a:pPr>
+            <a:fld id="{9159FF30-FEA0-4219-B46E-09535C97980B}" type="slidenum">
+              <a:rPr lang="ja-JP" altLang="en-US"/>
+              <a:pPr>
+                <a:defRPr/>
+              </a:pPr>
+              <a:t>23</a:t>
+            </a:fld>
+            <a:endParaRPr lang="en-US" altLang="ja-JP"/>
+          </a:p>
+        </p:txBody>
+      </p:sp>
+      <p:sp>
+        <p:nvSpPr>
+          <p:cNvPr id="5" name="フッター プレースホルダー 4"/>
+          <p:cNvSpPr>
+            <a:spLocks noGrp="1"/>
+          </p:cNvSpPr>
+          <p:nvPr>
+            <p:ph type="ftr" sz="quarter" idx="11"/>
+          </p:nvPr>
+        </p:nvSpPr>
+        <p:spPr/>
+        <p:txBody>
+          <a:bodyPr/>
+          <a:lstStyle/>
+          <a:p>
+            <a:pPr>
+              <a:defRPr/>
+            </a:pPr>
+            <a:r>
+              <a:rPr lang="en-US" altLang="ja-JP"/>
+              <a:t>TOK-AAA123-20100706-</a:t>
+            </a:r>
+          </a:p>
+        </p:txBody>
+      </p:sp>
+    </p:spTree>
+    <p:extLst>
+      <p:ext uri="{BB962C8B-B14F-4D97-AF65-F5344CB8AC3E}">
+        <p14:creationId xmlns:p14="http://schemas.microsoft.com/office/powerpoint/2010/main" val="3957846332"/>
+      </p:ext>
+    </p:extLst>
+  </p:cSld>
+  <p:clrMapOvr>
+    <a:masterClrMapping/>
+  </p:clrMapOvr>
+</p:notes>
+</file>
+
+<file path=ppt/notesSlides/notesSlide25.xml><?xml version="1.0" encoding="utf-8"?>
+<p:notes xmlns:a="http://schemas.openxmlformats.org/drawingml/2006/main" xmlns:r="http://schemas.openxmlformats.org/officeDocument/2006/relationships" xmlns:p="http://schemas.openxmlformats.org/presentationml/2006/main">
+  <p:cSld>
+    <p:spTree>
+      <p:nvGrpSpPr>
+        <p:cNvPr id="1" name=""/>
+        <p:cNvGrpSpPr/>
+        <p:nvPr/>
+      </p:nvGrpSpPr>
+      <p:grpSpPr>
+        <a:xfrm>
+          <a:off x="0" y="0"/>
+          <a:ext cx="0" cy="0"/>
+          <a:chOff x="0" y="0"/>
+          <a:chExt cx="0" cy="0"/>
+        </a:xfrm>
+      </p:grpSpPr>
+      <p:sp>
+        <p:nvSpPr>
+          <p:cNvPr id="2" name="スライド イメージ プレースホルダー 1"/>
+          <p:cNvSpPr>
+            <a:spLocks noGrp="1" noRot="1" noChangeAspect="1"/>
+          </p:cNvSpPr>
+          <p:nvPr>
+            <p:ph type="sldImg"/>
+          </p:nvPr>
+        </p:nvSpPr>
+        <p:spPr/>
+      </p:sp>
+      <p:sp>
+        <p:nvSpPr>
+          <p:cNvPr id="3" name="ノート プレースホルダー 2"/>
+          <p:cNvSpPr>
+            <a:spLocks noGrp="1"/>
+          </p:cNvSpPr>
+          <p:nvPr>
+            <p:ph type="body" idx="1"/>
+          </p:nvPr>
+        </p:nvSpPr>
+        <p:spPr/>
+        <p:txBody>
+          <a:bodyPr/>
+          <a:lstStyle/>
+          <a:p>
+            <a:endParaRPr kumimoji="1" lang="ja-JP" altLang="en-US"/>
+          </a:p>
+          <a:p>
+            <a:r>
+              <a:rPr kumimoji="1" lang="ja-JP" altLang="en-US"/>
+              <a:t>----- 会議メモ (2014/02/10 18:36) -----</a:t>
+            </a:r>
+          </a:p>
+          <a:p>
+            <a:r>
+              <a:rPr kumimoji="1" lang="ja-JP" altLang="en-US"/>
+              <a:t>こういう問題がありますスライド</a:t>
+            </a:r>
+          </a:p>
+          <a:p>
+            <a:r>
+              <a:rPr kumimoji="1" lang="ja-JP" altLang="en-US"/>
+              <a:t>詳細なアルゴリズムの前に目的のスライドがほしい</a:t>
+            </a:r>
+          </a:p>
+          <a:p>
+            <a:endParaRPr kumimoji="1" lang="ja-JP" altLang="en-US"/>
+          </a:p>
+        </p:txBody>
+      </p:sp>
+      <p:sp>
+        <p:nvSpPr>
+          <p:cNvPr id="4" name="スライド番号プレースホルダー 3"/>
+          <p:cNvSpPr>
+            <a:spLocks noGrp="1"/>
+          </p:cNvSpPr>
+          <p:nvPr>
+            <p:ph type="sldNum" sz="quarter" idx="10"/>
+          </p:nvPr>
+        </p:nvSpPr>
+        <p:spPr/>
+        <p:txBody>
+          <a:bodyPr/>
+          <a:lstStyle/>
+          <a:p>
+            <a:pPr>
+              <a:defRPr/>
+            </a:pPr>
+            <a:fld id="{9159FF30-FEA0-4219-B46E-09535C97980B}" type="slidenum">
+              <a:rPr lang="ja-JP" altLang="en-US"/>
+              <a:pPr>
+                <a:defRPr/>
+              </a:pPr>
+              <a:t>24</a:t>
+            </a:fld>
+            <a:endParaRPr lang="en-US" altLang="ja-JP"/>
+          </a:p>
+        </p:txBody>
+      </p:sp>
+      <p:sp>
+        <p:nvSpPr>
+          <p:cNvPr id="5" name="フッター プレースホルダー 4"/>
+          <p:cNvSpPr>
+            <a:spLocks noGrp="1"/>
+          </p:cNvSpPr>
+          <p:nvPr>
+            <p:ph type="ftr" sz="quarter" idx="11"/>
+          </p:nvPr>
+        </p:nvSpPr>
+        <p:spPr/>
+        <p:txBody>
+          <a:bodyPr/>
+          <a:lstStyle/>
+          <a:p>
+            <a:pPr>
+              <a:defRPr/>
+            </a:pPr>
+            <a:r>
+              <a:rPr lang="en-US" altLang="ja-JP"/>
+              <a:t>TOK-AAA123-20100706-</a:t>
+            </a:r>
+          </a:p>
+        </p:txBody>
+      </p:sp>
+    </p:spTree>
+    <p:extLst>
+      <p:ext uri="{BB962C8B-B14F-4D97-AF65-F5344CB8AC3E}">
+        <p14:creationId xmlns:p14="http://schemas.microsoft.com/office/powerpoint/2010/main" val="1687253292"/>
+      </p:ext>
+    </p:extLst>
+  </p:cSld>
+  <p:clrMapOvr>
+    <a:masterClrMapping/>
+  </p:clrMapOvr>
+</p:notes>
+</file>
+
+<file path=ppt/notesSlides/notesSlide26.xml><?xml version="1.0" encoding="utf-8"?>
+<p:notes xmlns:a="http://schemas.openxmlformats.org/drawingml/2006/main" xmlns:r="http://schemas.openxmlformats.org/officeDocument/2006/relationships" xmlns:p="http://schemas.openxmlformats.org/presentationml/2006/main">
+  <p:cSld>
+    <p:spTree>
+      <p:nvGrpSpPr>
+        <p:cNvPr id="1" name=""/>
+        <p:cNvGrpSpPr/>
+        <p:nvPr/>
+      </p:nvGrpSpPr>
+      <p:grpSpPr>
+        <a:xfrm>
+          <a:off x="0" y="0"/>
+          <a:ext cx="0" cy="0"/>
+          <a:chOff x="0" y="0"/>
+          <a:chExt cx="0" cy="0"/>
+        </a:xfrm>
+      </p:grpSpPr>
+      <p:sp>
+        <p:nvSpPr>
+          <p:cNvPr id="2" name="スライド イメージ プレースホルダー 1"/>
+          <p:cNvSpPr>
+            <a:spLocks noGrp="1" noRot="1" noChangeAspect="1"/>
+          </p:cNvSpPr>
+          <p:nvPr>
+            <p:ph type="sldImg"/>
+          </p:nvPr>
+        </p:nvSpPr>
+        <p:spPr/>
+      </p:sp>
+      <p:sp>
+        <p:nvSpPr>
+          <p:cNvPr id="3" name="ノート プレースホルダー 2"/>
+          <p:cNvSpPr>
+            <a:spLocks noGrp="1"/>
+          </p:cNvSpPr>
+          <p:nvPr>
+            <p:ph type="body" idx="1"/>
+          </p:nvPr>
+        </p:nvSpPr>
+        <p:spPr/>
+        <p:txBody>
+          <a:bodyPr/>
+          <a:lstStyle/>
+          <a:p>
+            <a:endParaRPr kumimoji="1" lang="ja-JP" altLang="en-US"/>
+          </a:p>
+        </p:txBody>
+      </p:sp>
+      <p:sp>
+        <p:nvSpPr>
+          <p:cNvPr id="4" name="スライド番号プレースホルダー 3"/>
+          <p:cNvSpPr>
+            <a:spLocks noGrp="1"/>
+          </p:cNvSpPr>
+          <p:nvPr>
+            <p:ph type="sldNum" sz="quarter" idx="10"/>
+          </p:nvPr>
+        </p:nvSpPr>
+        <p:spPr/>
+        <p:txBody>
+          <a:bodyPr/>
+          <a:lstStyle/>
+          <a:p>
+            <a:pPr>
+              <a:defRPr/>
+            </a:pPr>
+            <a:fld id="{9159FF30-FEA0-4219-B46E-09535C97980B}" type="slidenum">
+              <a:rPr lang="ja-JP" altLang="en-US"/>
+              <a:pPr>
+                <a:defRPr/>
+              </a:pPr>
+              <a:t>25</a:t>
+            </a:fld>
+            <a:endParaRPr lang="en-US" altLang="ja-JP"/>
+          </a:p>
+        </p:txBody>
+      </p:sp>
+      <p:sp>
+        <p:nvSpPr>
+          <p:cNvPr id="5" name="フッター プレースホルダー 4"/>
+          <p:cNvSpPr>
+            <a:spLocks noGrp="1"/>
+          </p:cNvSpPr>
+          <p:nvPr>
+            <p:ph type="ftr" sz="quarter" idx="11"/>
+          </p:nvPr>
+        </p:nvSpPr>
+        <p:spPr/>
+        <p:txBody>
+          <a:bodyPr/>
+          <a:lstStyle/>
+          <a:p>
+            <a:pPr>
+              <a:defRPr/>
+            </a:pPr>
+            <a:r>
+              <a:rPr lang="en-US" altLang="ja-JP"/>
+              <a:t>TOK-AAA123-20100706-</a:t>
+            </a:r>
+          </a:p>
+        </p:txBody>
+      </p:sp>
+    </p:spTree>
+    <p:extLst>
+      <p:ext uri="{BB962C8B-B14F-4D97-AF65-F5344CB8AC3E}">
+        <p14:creationId xmlns:p14="http://schemas.microsoft.com/office/powerpoint/2010/main" val="1309243533"/>
+      </p:ext>
+    </p:extLst>
+  </p:cSld>
+  <p:clrMapOvr>
+    <a:masterClrMapping/>
+  </p:clrMapOvr>
+</p:notes>
+</file>
+
+<file path=ppt/notesSlides/notesSlide27.xml><?xml version="1.0" encoding="utf-8"?>
+<p:notes xmlns:a="http://schemas.openxmlformats.org/drawingml/2006/main" xmlns:r="http://schemas.openxmlformats.org/officeDocument/2006/relationships" xmlns:p="http://schemas.openxmlformats.org/presentationml/2006/main">
+  <p:cSld>
+    <p:spTree>
+      <p:nvGrpSpPr>
+        <p:cNvPr id="1" name=""/>
+        <p:cNvGrpSpPr/>
+        <p:nvPr/>
+      </p:nvGrpSpPr>
+      <p:grpSpPr>
+        <a:xfrm>
+          <a:off x="0" y="0"/>
+          <a:ext cx="0" cy="0"/>
+          <a:chOff x="0" y="0"/>
+          <a:chExt cx="0" cy="0"/>
+        </a:xfrm>
+      </p:grpSpPr>
+      <p:sp>
+        <p:nvSpPr>
+          <p:cNvPr id="2" name="スライド イメージ プレースホルダー 1"/>
+          <p:cNvSpPr>
+            <a:spLocks noGrp="1" noRot="1" noChangeAspect="1"/>
+          </p:cNvSpPr>
+          <p:nvPr>
+            <p:ph type="sldImg"/>
+          </p:nvPr>
+        </p:nvSpPr>
+        <p:spPr/>
+      </p:sp>
+      <p:sp>
+        <p:nvSpPr>
+          <p:cNvPr id="3" name="ノート プレースホルダー 2"/>
+          <p:cNvSpPr>
+            <a:spLocks noGrp="1"/>
+          </p:cNvSpPr>
+          <p:nvPr>
+            <p:ph type="body" idx="1"/>
+          </p:nvPr>
+        </p:nvSpPr>
+        <p:spPr/>
+        <p:txBody>
+          <a:bodyPr/>
+          <a:lstStyle/>
+          <a:p>
+            <a:endParaRPr kumimoji="1" lang="ja-JP" altLang="en-US"/>
+          </a:p>
+        </p:txBody>
+      </p:sp>
+      <p:sp>
+        <p:nvSpPr>
+          <p:cNvPr id="4" name="スライド番号プレースホルダー 3"/>
+          <p:cNvSpPr>
+            <a:spLocks noGrp="1"/>
+          </p:cNvSpPr>
+          <p:nvPr>
+            <p:ph type="sldNum" sz="quarter" idx="10"/>
+          </p:nvPr>
+        </p:nvSpPr>
+        <p:spPr/>
+        <p:txBody>
+          <a:bodyPr/>
+          <a:lstStyle/>
+          <a:p>
+            <a:pPr>
+              <a:defRPr/>
+            </a:pPr>
+            <a:fld id="{9159FF30-FEA0-4219-B46E-09535C97980B}" type="slidenum">
+              <a:rPr lang="ja-JP" altLang="en-US"/>
+              <a:pPr>
+                <a:defRPr/>
+              </a:pPr>
+              <a:t>26</a:t>
+            </a:fld>
+            <a:endParaRPr lang="en-US" altLang="ja-JP"/>
+          </a:p>
+        </p:txBody>
+      </p:sp>
+      <p:sp>
+        <p:nvSpPr>
+          <p:cNvPr id="5" name="フッター プレースホルダー 4"/>
+          <p:cNvSpPr>
+            <a:spLocks noGrp="1"/>
+          </p:cNvSpPr>
+          <p:nvPr>
+            <p:ph type="ftr" sz="quarter" idx="11"/>
+          </p:nvPr>
+        </p:nvSpPr>
+        <p:spPr/>
+        <p:txBody>
+          <a:bodyPr/>
+          <a:lstStyle/>
+          <a:p>
+            <a:pPr>
+              <a:defRPr/>
+            </a:pPr>
+            <a:r>
+              <a:rPr lang="en-US" altLang="ja-JP"/>
+              <a:t>TOK-AAA123-20100706-</a:t>
+            </a:r>
+          </a:p>
+        </p:txBody>
+      </p:sp>
+    </p:spTree>
+    <p:extLst>
+      <p:ext uri="{BB962C8B-B14F-4D97-AF65-F5344CB8AC3E}">
+        <p14:creationId xmlns:p14="http://schemas.microsoft.com/office/powerpoint/2010/main" val="2914946678"/>
+      </p:ext>
+    </p:extLst>
+  </p:cSld>
+  <p:clrMapOvr>
+    <a:masterClrMapping/>
+  </p:clrMapOvr>
+</p:notes>
+</file>
+
+<file path=ppt/notesSlides/notesSlide28.xml><?xml version="1.0" encoding="utf-8"?>
+<p:notes xmlns:a="http://schemas.openxmlformats.org/drawingml/2006/main" xmlns:r="http://schemas.openxmlformats.org/officeDocument/2006/relationships" xmlns:p="http://schemas.openxmlformats.org/presentationml/2006/main">
+  <p:cSld>
+    <p:spTree>
+      <p:nvGrpSpPr>
+        <p:cNvPr id="1" name=""/>
+        <p:cNvGrpSpPr/>
+        <p:nvPr/>
+      </p:nvGrpSpPr>
+      <p:grpSpPr>
+        <a:xfrm>
+          <a:off x="0" y="0"/>
+          <a:ext cx="0" cy="0"/>
+          <a:chOff x="0" y="0"/>
+          <a:chExt cx="0" cy="0"/>
+        </a:xfrm>
+      </p:grpSpPr>
+      <p:sp>
+        <p:nvSpPr>
+          <p:cNvPr id="2" name="スライド イメージ プレースホルダー 1"/>
+          <p:cNvSpPr>
+            <a:spLocks noGrp="1" noRot="1" noChangeAspect="1"/>
+          </p:cNvSpPr>
+          <p:nvPr>
+            <p:ph type="sldImg"/>
+          </p:nvPr>
+        </p:nvSpPr>
+        <p:spPr/>
+      </p:sp>
+      <p:sp>
+        <p:nvSpPr>
+          <p:cNvPr id="3" name="ノート プレースホルダー 2"/>
+          <p:cNvSpPr>
+            <a:spLocks noGrp="1"/>
+          </p:cNvSpPr>
+          <p:nvPr>
+            <p:ph type="body" idx="1"/>
+          </p:nvPr>
+        </p:nvSpPr>
+        <p:spPr/>
+        <p:txBody>
+          <a:bodyPr/>
+          <a:lstStyle/>
+          <a:p>
+            <a:endParaRPr kumimoji="1" lang="ja-JP" altLang="en-US"/>
+          </a:p>
+        </p:txBody>
+      </p:sp>
+      <p:sp>
+        <p:nvSpPr>
+          <p:cNvPr id="4" name="スライド番号プレースホルダー 3"/>
+          <p:cNvSpPr>
+            <a:spLocks noGrp="1"/>
+          </p:cNvSpPr>
+          <p:nvPr>
+            <p:ph type="sldNum" sz="quarter" idx="10"/>
+          </p:nvPr>
+        </p:nvSpPr>
+        <p:spPr/>
+        <p:txBody>
+          <a:bodyPr/>
+          <a:lstStyle/>
+          <a:p>
+            <a:pPr>
+              <a:defRPr/>
+            </a:pPr>
+            <a:fld id="{9159FF30-FEA0-4219-B46E-09535C97980B}" type="slidenum">
+              <a:rPr lang="ja-JP" altLang="en-US"/>
+              <a:pPr>
+                <a:defRPr/>
+              </a:pPr>
+              <a:t>27</a:t>
+            </a:fld>
+            <a:endParaRPr lang="en-US" altLang="ja-JP"/>
+          </a:p>
+        </p:txBody>
+      </p:sp>
+      <p:sp>
+        <p:nvSpPr>
+          <p:cNvPr id="5" name="フッター プレースホルダー 4"/>
+          <p:cNvSpPr>
+            <a:spLocks noGrp="1"/>
+          </p:cNvSpPr>
+          <p:nvPr>
+            <p:ph type="ftr" sz="quarter" idx="11"/>
+          </p:nvPr>
+        </p:nvSpPr>
+        <p:spPr/>
+        <p:txBody>
+          <a:bodyPr/>
+          <a:lstStyle/>
+          <a:p>
+            <a:pPr>
+              <a:defRPr/>
+            </a:pPr>
+            <a:r>
+              <a:rPr lang="en-US" altLang="ja-JP"/>
+              <a:t>TOK-AAA123-20100706-</a:t>
+            </a:r>
+          </a:p>
+        </p:txBody>
+      </p:sp>
+    </p:spTree>
+    <p:extLst>
+      <p:ext uri="{BB962C8B-B14F-4D97-AF65-F5344CB8AC3E}">
+        <p14:creationId xmlns:p14="http://schemas.microsoft.com/office/powerpoint/2010/main" val="3888424517"/>
+      </p:ext>
+    </p:extLst>
+  </p:cSld>
+  <p:clrMapOvr>
+    <a:masterClrMapping/>
+  </p:clrMapOvr>
+</p:notes>
+</file>
+
+<file path=ppt/notesSlides/notesSlide29.xml><?xml version="1.0" encoding="utf-8"?>
+<p:notes xmlns:a="http://schemas.openxmlformats.org/drawingml/2006/main" xmlns:r="http://schemas.openxmlformats.org/officeDocument/2006/relationships" xmlns:p="http://schemas.openxmlformats.org/presentationml/2006/main">
+  <p:cSld>
+    <p:spTree>
+      <p:nvGrpSpPr>
+        <p:cNvPr id="1" name=""/>
+        <p:cNvGrpSpPr/>
+        <p:nvPr/>
+      </p:nvGrpSpPr>
+      <p:grpSpPr>
+        <a:xfrm>
+          <a:off x="0" y="0"/>
+          <a:ext cx="0" cy="0"/>
+          <a:chOff x="0" y="0"/>
+          <a:chExt cx="0" cy="0"/>
+        </a:xfrm>
+      </p:grpSpPr>
+      <p:sp>
+        <p:nvSpPr>
+          <p:cNvPr id="2" name="スライド イメージ プレースホルダー 1"/>
+          <p:cNvSpPr>
+            <a:spLocks noGrp="1" noRot="1" noChangeAspect="1"/>
+          </p:cNvSpPr>
+          <p:nvPr>
+            <p:ph type="sldImg"/>
+          </p:nvPr>
+        </p:nvSpPr>
+        <p:spPr/>
+      </p:sp>
+      <p:sp>
+        <p:nvSpPr>
+          <p:cNvPr id="3" name="ノート プレースホルダー 2"/>
+          <p:cNvSpPr>
+            <a:spLocks noGrp="1"/>
+          </p:cNvSpPr>
+          <p:nvPr>
+            <p:ph type="body" idx="1"/>
+          </p:nvPr>
+        </p:nvSpPr>
+        <p:spPr/>
+        <p:txBody>
+          <a:bodyPr/>
+          <a:lstStyle/>
+          <a:p>
+            <a:endParaRPr kumimoji="1" lang="ja-JP" altLang="en-US"/>
+          </a:p>
+        </p:txBody>
+      </p:sp>
+      <p:sp>
+        <p:nvSpPr>
+          <p:cNvPr id="4" name="スライド番号プレースホルダー 3"/>
+          <p:cNvSpPr>
+            <a:spLocks noGrp="1"/>
+          </p:cNvSpPr>
+          <p:nvPr>
+            <p:ph type="sldNum" sz="quarter" idx="10"/>
+          </p:nvPr>
+        </p:nvSpPr>
+        <p:spPr/>
+        <p:txBody>
+          <a:bodyPr/>
+          <a:lstStyle/>
+          <a:p>
+            <a:pPr>
+              <a:defRPr/>
+            </a:pPr>
+            <a:fld id="{9159FF30-FEA0-4219-B46E-09535C97980B}" type="slidenum">
+              <a:rPr lang="ja-JP" altLang="en-US"/>
+              <a:pPr>
+                <a:defRPr/>
+              </a:pPr>
+              <a:t>28</a:t>
+            </a:fld>
+            <a:endParaRPr lang="en-US" altLang="ja-JP"/>
+          </a:p>
+        </p:txBody>
+      </p:sp>
+      <p:sp>
+        <p:nvSpPr>
+          <p:cNvPr id="5" name="フッター プレースホルダー 4"/>
+          <p:cNvSpPr>
+            <a:spLocks noGrp="1"/>
+          </p:cNvSpPr>
+          <p:nvPr>
+            <p:ph type="ftr" sz="quarter" idx="11"/>
+          </p:nvPr>
+        </p:nvSpPr>
+        <p:spPr/>
+        <p:txBody>
+          <a:bodyPr/>
+          <a:lstStyle/>
+          <a:p>
+            <a:pPr>
+              <a:defRPr/>
+            </a:pPr>
+            <a:r>
+              <a:rPr lang="en-US" altLang="ja-JP"/>
+              <a:t>TOK-AAA123-20100706-</a:t>
+            </a:r>
+          </a:p>
+        </p:txBody>
+      </p:sp>
+    </p:spTree>
+    <p:extLst>
+      <p:ext uri="{BB962C8B-B14F-4D97-AF65-F5344CB8AC3E}">
+        <p14:creationId xmlns:p14="http://schemas.microsoft.com/office/powerpoint/2010/main" val="1153921774"/>
       </p:ext>
     </p:extLst>
   </p:cSld>
@@ -1077,72 +3407,6 @@
           <a:p>
             <a:endParaRPr kumimoji="1" lang="ja-JP" altLang="en-US"/>
           </a:p>
-          <a:p>
-            <a:r>
-              <a:rPr kumimoji="1" lang="ja-JP" altLang="en-US"/>
-              <a:t>----- 会議メモ (2014/02/10 18:36) -----</a:t>
-            </a:r>
-          </a:p>
-          <a:p>
-            <a:r>
-              <a:rPr kumimoji="1" lang="ja-JP" altLang="en-US"/>
-              <a:t>ATM、SPYSEEの内容を説明しないとわからない</a:t>
-            </a:r>
-          </a:p>
-          <a:p>
-            <a:r>
-              <a:rPr kumimoji="1" lang="ja-JP" altLang="en-US"/>
-              <a:t>READYFORは人工知能の例ではない</a:t>
-            </a:r>
-          </a:p>
-          <a:p>
-            <a:r>
-              <a:rPr kumimoji="1" lang="ja-JP" altLang="en-US"/>
-              <a:t>web工学とビジネスと機械学習の関連が着地で足をひねっている</a:t>
-            </a:r>
-          </a:p>
-          <a:p>
-            <a:r>
-              <a:rPr kumimoji="1" lang="ja-JP" altLang="en-US"/>
-              <a:t>ビジネスとWeb工学が置換可能ではない</a:t>
-            </a:r>
-          </a:p>
-          <a:p>
-            <a:r>
-              <a:rPr kumimoji="1" lang="ja-JP" altLang="en-US"/>
-              <a:t>Web工学とビジネスがごっちゃになってないか</a:t>
-            </a:r>
-          </a:p>
-          <a:p>
-            <a:r>
-              <a:rPr kumimoji="1" lang="ja-JP" altLang="en-US"/>
-              <a:t>Webサービスの話がその後引用されてない</a:t>
-            </a:r>
-          </a:p>
-          <a:p>
-            <a:r>
-              <a:rPr kumimoji="1" lang="ja-JP" altLang="en-US"/>
-              <a:t>googleのbuyout </a:t>
-            </a:r>
-          </a:p>
-          <a:p>
-            <a:r>
-              <a:rPr kumimoji="1" lang="ja-JP" altLang="en-US"/>
-              <a:t>Web工学と人工知能はMECEではない</a:t>
-            </a:r>
-          </a:p>
-          <a:p>
-            <a:r>
-              <a:rPr kumimoji="1" lang="ja-JP" altLang="en-US"/>
-              <a:t>レイヤー的には同義ではない</a:t>
-            </a:r>
-          </a:p>
-          <a:p>
-            <a:r>
-              <a:rPr kumimoji="1" lang="ja-JP" altLang="en-US"/>
-              <a:t>同じレイヤーで書くとまずい</a:t>
-            </a:r>
-          </a:p>
         </p:txBody>
       </p:sp>
       <p:sp>
@@ -1168,7 +3432,7 @@
               <a:pPr>
                 <a:defRPr/>
               </a:pPr>
-              <a:t>6</a:t>
+              <a:t>2</a:t>
             </a:fld>
             <a:endParaRPr lang="en-US" altLang="ja-JP"/>
           </a:p>
@@ -1202,7 +3466,1157 @@
     </p:spTree>
     <p:extLst>
       <p:ext uri="{BB962C8B-B14F-4D97-AF65-F5344CB8AC3E}">
-        <p14:creationId xmlns:p14="http://schemas.microsoft.com/office/powerpoint/2010/main" val="2104678576"/>
+        <p14:creationId xmlns:p14="http://schemas.microsoft.com/office/powerpoint/2010/main" val="418074038"/>
+      </p:ext>
+    </p:extLst>
+  </p:cSld>
+  <p:clrMapOvr>
+    <a:masterClrMapping/>
+  </p:clrMapOvr>
+</p:notes>
+</file>
+
+<file path=ppt/notesSlides/notesSlide30.xml><?xml version="1.0" encoding="utf-8"?>
+<p:notes xmlns:a="http://schemas.openxmlformats.org/drawingml/2006/main" xmlns:r="http://schemas.openxmlformats.org/officeDocument/2006/relationships" xmlns:p="http://schemas.openxmlformats.org/presentationml/2006/main">
+  <p:cSld>
+    <p:spTree>
+      <p:nvGrpSpPr>
+        <p:cNvPr id="1" name=""/>
+        <p:cNvGrpSpPr/>
+        <p:nvPr/>
+      </p:nvGrpSpPr>
+      <p:grpSpPr>
+        <a:xfrm>
+          <a:off x="0" y="0"/>
+          <a:ext cx="0" cy="0"/>
+          <a:chOff x="0" y="0"/>
+          <a:chExt cx="0" cy="0"/>
+        </a:xfrm>
+      </p:grpSpPr>
+      <p:sp>
+        <p:nvSpPr>
+          <p:cNvPr id="2" name="スライド イメージ プレースホルダー 1"/>
+          <p:cNvSpPr>
+            <a:spLocks noGrp="1" noRot="1" noChangeAspect="1"/>
+          </p:cNvSpPr>
+          <p:nvPr>
+            <p:ph type="sldImg"/>
+          </p:nvPr>
+        </p:nvSpPr>
+        <p:spPr/>
+      </p:sp>
+      <p:sp>
+        <p:nvSpPr>
+          <p:cNvPr id="3" name="ノート プレースホルダー 2"/>
+          <p:cNvSpPr>
+            <a:spLocks noGrp="1"/>
+          </p:cNvSpPr>
+          <p:nvPr>
+            <p:ph type="body" idx="1"/>
+          </p:nvPr>
+        </p:nvSpPr>
+        <p:spPr/>
+        <p:txBody>
+          <a:bodyPr/>
+          <a:lstStyle/>
+          <a:p>
+            <a:endParaRPr kumimoji="1" lang="ja-JP" altLang="en-US"/>
+          </a:p>
+        </p:txBody>
+      </p:sp>
+      <p:sp>
+        <p:nvSpPr>
+          <p:cNvPr id="4" name="スライド番号プレースホルダー 3"/>
+          <p:cNvSpPr>
+            <a:spLocks noGrp="1"/>
+          </p:cNvSpPr>
+          <p:nvPr>
+            <p:ph type="sldNum" sz="quarter" idx="10"/>
+          </p:nvPr>
+        </p:nvSpPr>
+        <p:spPr/>
+        <p:txBody>
+          <a:bodyPr/>
+          <a:lstStyle/>
+          <a:p>
+            <a:pPr>
+              <a:defRPr/>
+            </a:pPr>
+            <a:fld id="{9159FF30-FEA0-4219-B46E-09535C97980B}" type="slidenum">
+              <a:rPr lang="ja-JP" altLang="en-US"/>
+              <a:pPr>
+                <a:defRPr/>
+              </a:pPr>
+              <a:t>29</a:t>
+            </a:fld>
+            <a:endParaRPr lang="en-US" altLang="ja-JP"/>
+          </a:p>
+        </p:txBody>
+      </p:sp>
+      <p:sp>
+        <p:nvSpPr>
+          <p:cNvPr id="5" name="フッター プレースホルダー 4"/>
+          <p:cNvSpPr>
+            <a:spLocks noGrp="1"/>
+          </p:cNvSpPr>
+          <p:nvPr>
+            <p:ph type="ftr" sz="quarter" idx="11"/>
+          </p:nvPr>
+        </p:nvSpPr>
+        <p:spPr/>
+        <p:txBody>
+          <a:bodyPr/>
+          <a:lstStyle/>
+          <a:p>
+            <a:pPr>
+              <a:defRPr/>
+            </a:pPr>
+            <a:r>
+              <a:rPr lang="en-US" altLang="ja-JP"/>
+              <a:t>TOK-AAA123-20100706-</a:t>
+            </a:r>
+          </a:p>
+        </p:txBody>
+      </p:sp>
+    </p:spTree>
+    <p:extLst>
+      <p:ext uri="{BB962C8B-B14F-4D97-AF65-F5344CB8AC3E}">
+        <p14:creationId xmlns:p14="http://schemas.microsoft.com/office/powerpoint/2010/main" val="2967636773"/>
+      </p:ext>
+    </p:extLst>
+  </p:cSld>
+  <p:clrMapOvr>
+    <a:masterClrMapping/>
+  </p:clrMapOvr>
+</p:notes>
+</file>
+
+<file path=ppt/notesSlides/notesSlide31.xml><?xml version="1.0" encoding="utf-8"?>
+<p:notes xmlns:a="http://schemas.openxmlformats.org/drawingml/2006/main" xmlns:r="http://schemas.openxmlformats.org/officeDocument/2006/relationships" xmlns:p="http://schemas.openxmlformats.org/presentationml/2006/main">
+  <p:cSld>
+    <p:spTree>
+      <p:nvGrpSpPr>
+        <p:cNvPr id="1" name=""/>
+        <p:cNvGrpSpPr/>
+        <p:nvPr/>
+      </p:nvGrpSpPr>
+      <p:grpSpPr>
+        <a:xfrm>
+          <a:off x="0" y="0"/>
+          <a:ext cx="0" cy="0"/>
+          <a:chOff x="0" y="0"/>
+          <a:chExt cx="0" cy="0"/>
+        </a:xfrm>
+      </p:grpSpPr>
+      <p:sp>
+        <p:nvSpPr>
+          <p:cNvPr id="2" name="スライド イメージ プレースホルダー 1"/>
+          <p:cNvSpPr>
+            <a:spLocks noGrp="1" noRot="1" noChangeAspect="1"/>
+          </p:cNvSpPr>
+          <p:nvPr>
+            <p:ph type="sldImg"/>
+          </p:nvPr>
+        </p:nvSpPr>
+        <p:spPr/>
+      </p:sp>
+      <p:sp>
+        <p:nvSpPr>
+          <p:cNvPr id="3" name="ノート プレースホルダー 2"/>
+          <p:cNvSpPr>
+            <a:spLocks noGrp="1"/>
+          </p:cNvSpPr>
+          <p:nvPr>
+            <p:ph type="body" idx="1"/>
+          </p:nvPr>
+        </p:nvSpPr>
+        <p:spPr/>
+        <p:txBody>
+          <a:bodyPr/>
+          <a:lstStyle/>
+          <a:p>
+            <a:endParaRPr kumimoji="1" lang="ja-JP" altLang="en-US"/>
+          </a:p>
+        </p:txBody>
+      </p:sp>
+      <p:sp>
+        <p:nvSpPr>
+          <p:cNvPr id="4" name="スライド番号プレースホルダー 3"/>
+          <p:cNvSpPr>
+            <a:spLocks noGrp="1"/>
+          </p:cNvSpPr>
+          <p:nvPr>
+            <p:ph type="sldNum" sz="quarter" idx="10"/>
+          </p:nvPr>
+        </p:nvSpPr>
+        <p:spPr/>
+        <p:txBody>
+          <a:bodyPr/>
+          <a:lstStyle/>
+          <a:p>
+            <a:pPr>
+              <a:defRPr/>
+            </a:pPr>
+            <a:fld id="{9159FF30-FEA0-4219-B46E-09535C97980B}" type="slidenum">
+              <a:rPr lang="ja-JP" altLang="en-US"/>
+              <a:pPr>
+                <a:defRPr/>
+              </a:pPr>
+              <a:t>30</a:t>
+            </a:fld>
+            <a:endParaRPr lang="en-US" altLang="ja-JP"/>
+          </a:p>
+        </p:txBody>
+      </p:sp>
+      <p:sp>
+        <p:nvSpPr>
+          <p:cNvPr id="5" name="フッター プレースホルダー 4"/>
+          <p:cNvSpPr>
+            <a:spLocks noGrp="1"/>
+          </p:cNvSpPr>
+          <p:nvPr>
+            <p:ph type="ftr" sz="quarter" idx="11"/>
+          </p:nvPr>
+        </p:nvSpPr>
+        <p:spPr/>
+        <p:txBody>
+          <a:bodyPr/>
+          <a:lstStyle/>
+          <a:p>
+            <a:pPr>
+              <a:defRPr/>
+            </a:pPr>
+            <a:r>
+              <a:rPr lang="en-US" altLang="ja-JP"/>
+              <a:t>TOK-AAA123-20100706-</a:t>
+            </a:r>
+          </a:p>
+        </p:txBody>
+      </p:sp>
+    </p:spTree>
+    <p:extLst>
+      <p:ext uri="{BB962C8B-B14F-4D97-AF65-F5344CB8AC3E}">
+        <p14:creationId xmlns:p14="http://schemas.microsoft.com/office/powerpoint/2010/main" val="1933890009"/>
+      </p:ext>
+    </p:extLst>
+  </p:cSld>
+  <p:clrMapOvr>
+    <a:masterClrMapping/>
+  </p:clrMapOvr>
+</p:notes>
+</file>
+
+<file path=ppt/notesSlides/notesSlide32.xml><?xml version="1.0" encoding="utf-8"?>
+<p:notes xmlns:a="http://schemas.openxmlformats.org/drawingml/2006/main" xmlns:r="http://schemas.openxmlformats.org/officeDocument/2006/relationships" xmlns:p="http://schemas.openxmlformats.org/presentationml/2006/main">
+  <p:cSld>
+    <p:spTree>
+      <p:nvGrpSpPr>
+        <p:cNvPr id="1" name=""/>
+        <p:cNvGrpSpPr/>
+        <p:nvPr/>
+      </p:nvGrpSpPr>
+      <p:grpSpPr>
+        <a:xfrm>
+          <a:off x="0" y="0"/>
+          <a:ext cx="0" cy="0"/>
+          <a:chOff x="0" y="0"/>
+          <a:chExt cx="0" cy="0"/>
+        </a:xfrm>
+      </p:grpSpPr>
+      <p:sp>
+        <p:nvSpPr>
+          <p:cNvPr id="2" name="スライド イメージ プレースホルダー 1"/>
+          <p:cNvSpPr>
+            <a:spLocks noGrp="1" noRot="1" noChangeAspect="1"/>
+          </p:cNvSpPr>
+          <p:nvPr>
+            <p:ph type="sldImg"/>
+          </p:nvPr>
+        </p:nvSpPr>
+        <p:spPr/>
+      </p:sp>
+      <p:sp>
+        <p:nvSpPr>
+          <p:cNvPr id="3" name="ノート プレースホルダー 2"/>
+          <p:cNvSpPr>
+            <a:spLocks noGrp="1"/>
+          </p:cNvSpPr>
+          <p:nvPr>
+            <p:ph type="body" idx="1"/>
+          </p:nvPr>
+        </p:nvSpPr>
+        <p:spPr/>
+        <p:txBody>
+          <a:bodyPr/>
+          <a:lstStyle/>
+          <a:p>
+            <a:endParaRPr kumimoji="1" lang="ja-JP" altLang="en-US"/>
+          </a:p>
+        </p:txBody>
+      </p:sp>
+      <p:sp>
+        <p:nvSpPr>
+          <p:cNvPr id="4" name="スライド番号プレースホルダー 3"/>
+          <p:cNvSpPr>
+            <a:spLocks noGrp="1"/>
+          </p:cNvSpPr>
+          <p:nvPr>
+            <p:ph type="sldNum" sz="quarter" idx="10"/>
+          </p:nvPr>
+        </p:nvSpPr>
+        <p:spPr/>
+        <p:txBody>
+          <a:bodyPr/>
+          <a:lstStyle/>
+          <a:p>
+            <a:pPr>
+              <a:defRPr/>
+            </a:pPr>
+            <a:fld id="{9159FF30-FEA0-4219-B46E-09535C97980B}" type="slidenum">
+              <a:rPr lang="ja-JP" altLang="en-US"/>
+              <a:pPr>
+                <a:defRPr/>
+              </a:pPr>
+              <a:t>31</a:t>
+            </a:fld>
+            <a:endParaRPr lang="en-US" altLang="ja-JP"/>
+          </a:p>
+        </p:txBody>
+      </p:sp>
+      <p:sp>
+        <p:nvSpPr>
+          <p:cNvPr id="5" name="フッター プレースホルダー 4"/>
+          <p:cNvSpPr>
+            <a:spLocks noGrp="1"/>
+          </p:cNvSpPr>
+          <p:nvPr>
+            <p:ph type="ftr" sz="quarter" idx="11"/>
+          </p:nvPr>
+        </p:nvSpPr>
+        <p:spPr/>
+        <p:txBody>
+          <a:bodyPr/>
+          <a:lstStyle/>
+          <a:p>
+            <a:pPr>
+              <a:defRPr/>
+            </a:pPr>
+            <a:r>
+              <a:rPr lang="en-US" altLang="ja-JP"/>
+              <a:t>TOK-AAA123-20100706-</a:t>
+            </a:r>
+          </a:p>
+        </p:txBody>
+      </p:sp>
+    </p:spTree>
+    <p:extLst>
+      <p:ext uri="{BB962C8B-B14F-4D97-AF65-F5344CB8AC3E}">
+        <p14:creationId xmlns:p14="http://schemas.microsoft.com/office/powerpoint/2010/main" val="934874099"/>
+      </p:ext>
+    </p:extLst>
+  </p:cSld>
+  <p:clrMapOvr>
+    <a:masterClrMapping/>
+  </p:clrMapOvr>
+</p:notes>
+</file>
+
+<file path=ppt/notesSlides/notesSlide33.xml><?xml version="1.0" encoding="utf-8"?>
+<p:notes xmlns:a="http://schemas.openxmlformats.org/drawingml/2006/main" xmlns:r="http://schemas.openxmlformats.org/officeDocument/2006/relationships" xmlns:p="http://schemas.openxmlformats.org/presentationml/2006/main">
+  <p:cSld>
+    <p:spTree>
+      <p:nvGrpSpPr>
+        <p:cNvPr id="1" name=""/>
+        <p:cNvGrpSpPr/>
+        <p:nvPr/>
+      </p:nvGrpSpPr>
+      <p:grpSpPr>
+        <a:xfrm>
+          <a:off x="0" y="0"/>
+          <a:ext cx="0" cy="0"/>
+          <a:chOff x="0" y="0"/>
+          <a:chExt cx="0" cy="0"/>
+        </a:xfrm>
+      </p:grpSpPr>
+      <p:sp>
+        <p:nvSpPr>
+          <p:cNvPr id="2" name="スライド イメージ プレースホルダー 1"/>
+          <p:cNvSpPr>
+            <a:spLocks noGrp="1" noRot="1" noChangeAspect="1"/>
+          </p:cNvSpPr>
+          <p:nvPr>
+            <p:ph type="sldImg"/>
+          </p:nvPr>
+        </p:nvSpPr>
+        <p:spPr/>
+      </p:sp>
+      <p:sp>
+        <p:nvSpPr>
+          <p:cNvPr id="3" name="ノート プレースホルダー 2"/>
+          <p:cNvSpPr>
+            <a:spLocks noGrp="1"/>
+          </p:cNvSpPr>
+          <p:nvPr>
+            <p:ph type="body" idx="1"/>
+          </p:nvPr>
+        </p:nvSpPr>
+        <p:spPr/>
+        <p:txBody>
+          <a:bodyPr/>
+          <a:lstStyle/>
+          <a:p>
+            <a:endParaRPr kumimoji="1" lang="ja-JP" altLang="en-US"/>
+          </a:p>
+        </p:txBody>
+      </p:sp>
+      <p:sp>
+        <p:nvSpPr>
+          <p:cNvPr id="4" name="スライド番号プレースホルダー 3"/>
+          <p:cNvSpPr>
+            <a:spLocks noGrp="1"/>
+          </p:cNvSpPr>
+          <p:nvPr>
+            <p:ph type="sldNum" sz="quarter" idx="10"/>
+          </p:nvPr>
+        </p:nvSpPr>
+        <p:spPr/>
+        <p:txBody>
+          <a:bodyPr/>
+          <a:lstStyle/>
+          <a:p>
+            <a:pPr>
+              <a:defRPr/>
+            </a:pPr>
+            <a:fld id="{9159FF30-FEA0-4219-B46E-09535C97980B}" type="slidenum">
+              <a:rPr lang="ja-JP" altLang="en-US"/>
+              <a:pPr>
+                <a:defRPr/>
+              </a:pPr>
+              <a:t>32</a:t>
+            </a:fld>
+            <a:endParaRPr lang="en-US" altLang="ja-JP"/>
+          </a:p>
+        </p:txBody>
+      </p:sp>
+      <p:sp>
+        <p:nvSpPr>
+          <p:cNvPr id="5" name="フッター プレースホルダー 4"/>
+          <p:cNvSpPr>
+            <a:spLocks noGrp="1"/>
+          </p:cNvSpPr>
+          <p:nvPr>
+            <p:ph type="ftr" sz="quarter" idx="11"/>
+          </p:nvPr>
+        </p:nvSpPr>
+        <p:spPr/>
+        <p:txBody>
+          <a:bodyPr/>
+          <a:lstStyle/>
+          <a:p>
+            <a:pPr>
+              <a:defRPr/>
+            </a:pPr>
+            <a:r>
+              <a:rPr lang="en-US" altLang="ja-JP"/>
+              <a:t>TOK-AAA123-20100706-</a:t>
+            </a:r>
+          </a:p>
+        </p:txBody>
+      </p:sp>
+    </p:spTree>
+    <p:extLst>
+      <p:ext uri="{BB962C8B-B14F-4D97-AF65-F5344CB8AC3E}">
+        <p14:creationId xmlns:p14="http://schemas.microsoft.com/office/powerpoint/2010/main" val="621312370"/>
+      </p:ext>
+    </p:extLst>
+  </p:cSld>
+  <p:clrMapOvr>
+    <a:masterClrMapping/>
+  </p:clrMapOvr>
+</p:notes>
+</file>
+
+<file path=ppt/notesSlides/notesSlide34.xml><?xml version="1.0" encoding="utf-8"?>
+<p:notes xmlns:a="http://schemas.openxmlformats.org/drawingml/2006/main" xmlns:r="http://schemas.openxmlformats.org/officeDocument/2006/relationships" xmlns:p="http://schemas.openxmlformats.org/presentationml/2006/main">
+  <p:cSld>
+    <p:spTree>
+      <p:nvGrpSpPr>
+        <p:cNvPr id="1" name=""/>
+        <p:cNvGrpSpPr/>
+        <p:nvPr/>
+      </p:nvGrpSpPr>
+      <p:grpSpPr>
+        <a:xfrm>
+          <a:off x="0" y="0"/>
+          <a:ext cx="0" cy="0"/>
+          <a:chOff x="0" y="0"/>
+          <a:chExt cx="0" cy="0"/>
+        </a:xfrm>
+      </p:grpSpPr>
+      <p:sp>
+        <p:nvSpPr>
+          <p:cNvPr id="2" name="スライド イメージ プレースホルダー 1"/>
+          <p:cNvSpPr>
+            <a:spLocks noGrp="1" noRot="1" noChangeAspect="1"/>
+          </p:cNvSpPr>
+          <p:nvPr>
+            <p:ph type="sldImg"/>
+          </p:nvPr>
+        </p:nvSpPr>
+        <p:spPr/>
+      </p:sp>
+      <p:sp>
+        <p:nvSpPr>
+          <p:cNvPr id="3" name="ノート プレースホルダー 2"/>
+          <p:cNvSpPr>
+            <a:spLocks noGrp="1"/>
+          </p:cNvSpPr>
+          <p:nvPr>
+            <p:ph type="body" idx="1"/>
+          </p:nvPr>
+        </p:nvSpPr>
+        <p:spPr/>
+        <p:txBody>
+          <a:bodyPr/>
+          <a:lstStyle/>
+          <a:p>
+            <a:endParaRPr kumimoji="1" lang="ja-JP" altLang="en-US"/>
+          </a:p>
+        </p:txBody>
+      </p:sp>
+      <p:sp>
+        <p:nvSpPr>
+          <p:cNvPr id="4" name="スライド番号プレースホルダー 3"/>
+          <p:cNvSpPr>
+            <a:spLocks noGrp="1"/>
+          </p:cNvSpPr>
+          <p:nvPr>
+            <p:ph type="sldNum" sz="quarter" idx="10"/>
+          </p:nvPr>
+        </p:nvSpPr>
+        <p:spPr/>
+        <p:txBody>
+          <a:bodyPr/>
+          <a:lstStyle/>
+          <a:p>
+            <a:pPr>
+              <a:defRPr/>
+            </a:pPr>
+            <a:fld id="{9159FF30-FEA0-4219-B46E-09535C97980B}" type="slidenum">
+              <a:rPr lang="ja-JP" altLang="en-US"/>
+              <a:pPr>
+                <a:defRPr/>
+              </a:pPr>
+              <a:t>33</a:t>
+            </a:fld>
+            <a:endParaRPr lang="en-US" altLang="ja-JP"/>
+          </a:p>
+        </p:txBody>
+      </p:sp>
+      <p:sp>
+        <p:nvSpPr>
+          <p:cNvPr id="5" name="フッター プレースホルダー 4"/>
+          <p:cNvSpPr>
+            <a:spLocks noGrp="1"/>
+          </p:cNvSpPr>
+          <p:nvPr>
+            <p:ph type="ftr" sz="quarter" idx="11"/>
+          </p:nvPr>
+        </p:nvSpPr>
+        <p:spPr/>
+        <p:txBody>
+          <a:bodyPr/>
+          <a:lstStyle/>
+          <a:p>
+            <a:pPr>
+              <a:defRPr/>
+            </a:pPr>
+            <a:r>
+              <a:rPr lang="en-US" altLang="ja-JP"/>
+              <a:t>TOK-AAA123-20100706-</a:t>
+            </a:r>
+          </a:p>
+        </p:txBody>
+      </p:sp>
+    </p:spTree>
+    <p:extLst>
+      <p:ext uri="{BB962C8B-B14F-4D97-AF65-F5344CB8AC3E}">
+        <p14:creationId xmlns:p14="http://schemas.microsoft.com/office/powerpoint/2010/main" val="3308691445"/>
+      </p:ext>
+    </p:extLst>
+  </p:cSld>
+  <p:clrMapOvr>
+    <a:masterClrMapping/>
+  </p:clrMapOvr>
+</p:notes>
+</file>
+
+<file path=ppt/notesSlides/notesSlide35.xml><?xml version="1.0" encoding="utf-8"?>
+<p:notes xmlns:a="http://schemas.openxmlformats.org/drawingml/2006/main" xmlns:r="http://schemas.openxmlformats.org/officeDocument/2006/relationships" xmlns:p="http://schemas.openxmlformats.org/presentationml/2006/main">
+  <p:cSld>
+    <p:spTree>
+      <p:nvGrpSpPr>
+        <p:cNvPr id="1" name=""/>
+        <p:cNvGrpSpPr/>
+        <p:nvPr/>
+      </p:nvGrpSpPr>
+      <p:grpSpPr>
+        <a:xfrm>
+          <a:off x="0" y="0"/>
+          <a:ext cx="0" cy="0"/>
+          <a:chOff x="0" y="0"/>
+          <a:chExt cx="0" cy="0"/>
+        </a:xfrm>
+      </p:grpSpPr>
+      <p:sp>
+        <p:nvSpPr>
+          <p:cNvPr id="2" name="スライド イメージ プレースホルダー 1"/>
+          <p:cNvSpPr>
+            <a:spLocks noGrp="1" noRot="1" noChangeAspect="1"/>
+          </p:cNvSpPr>
+          <p:nvPr>
+            <p:ph type="sldImg"/>
+          </p:nvPr>
+        </p:nvSpPr>
+        <p:spPr/>
+      </p:sp>
+      <p:sp>
+        <p:nvSpPr>
+          <p:cNvPr id="3" name="ノート プレースホルダー 2"/>
+          <p:cNvSpPr>
+            <a:spLocks noGrp="1"/>
+          </p:cNvSpPr>
+          <p:nvPr>
+            <p:ph type="body" idx="1"/>
+          </p:nvPr>
+        </p:nvSpPr>
+        <p:spPr/>
+        <p:txBody>
+          <a:bodyPr/>
+          <a:lstStyle/>
+          <a:p>
+            <a:endParaRPr kumimoji="1" lang="ja-JP" altLang="en-US"/>
+          </a:p>
+        </p:txBody>
+      </p:sp>
+      <p:sp>
+        <p:nvSpPr>
+          <p:cNvPr id="4" name="スライド番号プレースホルダー 3"/>
+          <p:cNvSpPr>
+            <a:spLocks noGrp="1"/>
+          </p:cNvSpPr>
+          <p:nvPr>
+            <p:ph type="sldNum" sz="quarter" idx="10"/>
+          </p:nvPr>
+        </p:nvSpPr>
+        <p:spPr/>
+        <p:txBody>
+          <a:bodyPr/>
+          <a:lstStyle/>
+          <a:p>
+            <a:pPr>
+              <a:defRPr/>
+            </a:pPr>
+            <a:fld id="{9159FF30-FEA0-4219-B46E-09535C97980B}" type="slidenum">
+              <a:rPr lang="ja-JP" altLang="en-US"/>
+              <a:pPr>
+                <a:defRPr/>
+              </a:pPr>
+              <a:t>34</a:t>
+            </a:fld>
+            <a:endParaRPr lang="en-US" altLang="ja-JP"/>
+          </a:p>
+        </p:txBody>
+      </p:sp>
+      <p:sp>
+        <p:nvSpPr>
+          <p:cNvPr id="5" name="フッター プレースホルダー 4"/>
+          <p:cNvSpPr>
+            <a:spLocks noGrp="1"/>
+          </p:cNvSpPr>
+          <p:nvPr>
+            <p:ph type="ftr" sz="quarter" idx="11"/>
+          </p:nvPr>
+        </p:nvSpPr>
+        <p:spPr/>
+        <p:txBody>
+          <a:bodyPr/>
+          <a:lstStyle/>
+          <a:p>
+            <a:pPr>
+              <a:defRPr/>
+            </a:pPr>
+            <a:r>
+              <a:rPr lang="en-US" altLang="ja-JP"/>
+              <a:t>TOK-AAA123-20100706-</a:t>
+            </a:r>
+          </a:p>
+        </p:txBody>
+      </p:sp>
+    </p:spTree>
+    <p:extLst>
+      <p:ext uri="{BB962C8B-B14F-4D97-AF65-F5344CB8AC3E}">
+        <p14:creationId xmlns:p14="http://schemas.microsoft.com/office/powerpoint/2010/main" val="4253261318"/>
+      </p:ext>
+    </p:extLst>
+  </p:cSld>
+  <p:clrMapOvr>
+    <a:masterClrMapping/>
+  </p:clrMapOvr>
+</p:notes>
+</file>
+
+<file path=ppt/notesSlides/notesSlide36.xml><?xml version="1.0" encoding="utf-8"?>
+<p:notes xmlns:a="http://schemas.openxmlformats.org/drawingml/2006/main" xmlns:r="http://schemas.openxmlformats.org/officeDocument/2006/relationships" xmlns:p="http://schemas.openxmlformats.org/presentationml/2006/main">
+  <p:cSld>
+    <p:spTree>
+      <p:nvGrpSpPr>
+        <p:cNvPr id="1" name=""/>
+        <p:cNvGrpSpPr/>
+        <p:nvPr/>
+      </p:nvGrpSpPr>
+      <p:grpSpPr>
+        <a:xfrm>
+          <a:off x="0" y="0"/>
+          <a:ext cx="0" cy="0"/>
+          <a:chOff x="0" y="0"/>
+          <a:chExt cx="0" cy="0"/>
+        </a:xfrm>
+      </p:grpSpPr>
+      <p:sp>
+        <p:nvSpPr>
+          <p:cNvPr id="2" name="スライド イメージ プレースホルダー 1"/>
+          <p:cNvSpPr>
+            <a:spLocks noGrp="1" noRot="1" noChangeAspect="1"/>
+          </p:cNvSpPr>
+          <p:nvPr>
+            <p:ph type="sldImg"/>
+          </p:nvPr>
+        </p:nvSpPr>
+        <p:spPr/>
+      </p:sp>
+      <p:sp>
+        <p:nvSpPr>
+          <p:cNvPr id="3" name="ノート プレースホルダー 2"/>
+          <p:cNvSpPr>
+            <a:spLocks noGrp="1"/>
+          </p:cNvSpPr>
+          <p:nvPr>
+            <p:ph type="body" idx="1"/>
+          </p:nvPr>
+        </p:nvSpPr>
+        <p:spPr/>
+        <p:txBody>
+          <a:bodyPr/>
+          <a:lstStyle/>
+          <a:p>
+            <a:endParaRPr kumimoji="1" lang="ja-JP" altLang="en-US"/>
+          </a:p>
+        </p:txBody>
+      </p:sp>
+      <p:sp>
+        <p:nvSpPr>
+          <p:cNvPr id="4" name="スライド番号プレースホルダー 3"/>
+          <p:cNvSpPr>
+            <a:spLocks noGrp="1"/>
+          </p:cNvSpPr>
+          <p:nvPr>
+            <p:ph type="sldNum" sz="quarter" idx="10"/>
+          </p:nvPr>
+        </p:nvSpPr>
+        <p:spPr/>
+        <p:txBody>
+          <a:bodyPr/>
+          <a:lstStyle/>
+          <a:p>
+            <a:pPr>
+              <a:defRPr/>
+            </a:pPr>
+            <a:fld id="{9159FF30-FEA0-4219-B46E-09535C97980B}" type="slidenum">
+              <a:rPr lang="ja-JP" altLang="en-US"/>
+              <a:pPr>
+                <a:defRPr/>
+              </a:pPr>
+              <a:t>35</a:t>
+            </a:fld>
+            <a:endParaRPr lang="en-US" altLang="ja-JP"/>
+          </a:p>
+        </p:txBody>
+      </p:sp>
+      <p:sp>
+        <p:nvSpPr>
+          <p:cNvPr id="5" name="フッター プレースホルダー 4"/>
+          <p:cNvSpPr>
+            <a:spLocks noGrp="1"/>
+          </p:cNvSpPr>
+          <p:nvPr>
+            <p:ph type="ftr" sz="quarter" idx="11"/>
+          </p:nvPr>
+        </p:nvSpPr>
+        <p:spPr/>
+        <p:txBody>
+          <a:bodyPr/>
+          <a:lstStyle/>
+          <a:p>
+            <a:pPr>
+              <a:defRPr/>
+            </a:pPr>
+            <a:r>
+              <a:rPr lang="en-US" altLang="ja-JP"/>
+              <a:t>TOK-AAA123-20100706-</a:t>
+            </a:r>
+          </a:p>
+        </p:txBody>
+      </p:sp>
+    </p:spTree>
+    <p:extLst>
+      <p:ext uri="{BB962C8B-B14F-4D97-AF65-F5344CB8AC3E}">
+        <p14:creationId xmlns:p14="http://schemas.microsoft.com/office/powerpoint/2010/main" val="3488335387"/>
+      </p:ext>
+    </p:extLst>
+  </p:cSld>
+  <p:clrMapOvr>
+    <a:masterClrMapping/>
+  </p:clrMapOvr>
+</p:notes>
+</file>
+
+<file path=ppt/notesSlides/notesSlide37.xml><?xml version="1.0" encoding="utf-8"?>
+<p:notes xmlns:a="http://schemas.openxmlformats.org/drawingml/2006/main" xmlns:r="http://schemas.openxmlformats.org/officeDocument/2006/relationships" xmlns:p="http://schemas.openxmlformats.org/presentationml/2006/main">
+  <p:cSld>
+    <p:spTree>
+      <p:nvGrpSpPr>
+        <p:cNvPr id="1" name=""/>
+        <p:cNvGrpSpPr/>
+        <p:nvPr/>
+      </p:nvGrpSpPr>
+      <p:grpSpPr>
+        <a:xfrm>
+          <a:off x="0" y="0"/>
+          <a:ext cx="0" cy="0"/>
+          <a:chOff x="0" y="0"/>
+          <a:chExt cx="0" cy="0"/>
+        </a:xfrm>
+      </p:grpSpPr>
+      <p:sp>
+        <p:nvSpPr>
+          <p:cNvPr id="2" name="スライド イメージ プレースホルダー 1"/>
+          <p:cNvSpPr>
+            <a:spLocks noGrp="1" noRot="1" noChangeAspect="1"/>
+          </p:cNvSpPr>
+          <p:nvPr>
+            <p:ph type="sldImg"/>
+          </p:nvPr>
+        </p:nvSpPr>
+        <p:spPr/>
+      </p:sp>
+      <p:sp>
+        <p:nvSpPr>
+          <p:cNvPr id="3" name="ノート プレースホルダー 2"/>
+          <p:cNvSpPr>
+            <a:spLocks noGrp="1"/>
+          </p:cNvSpPr>
+          <p:nvPr>
+            <p:ph type="body" idx="1"/>
+          </p:nvPr>
+        </p:nvSpPr>
+        <p:spPr/>
+        <p:txBody>
+          <a:bodyPr/>
+          <a:lstStyle/>
+          <a:p>
+            <a:endParaRPr kumimoji="1" lang="ja-JP" altLang="en-US"/>
+          </a:p>
+        </p:txBody>
+      </p:sp>
+      <p:sp>
+        <p:nvSpPr>
+          <p:cNvPr id="4" name="スライド番号プレースホルダー 3"/>
+          <p:cNvSpPr>
+            <a:spLocks noGrp="1"/>
+          </p:cNvSpPr>
+          <p:nvPr>
+            <p:ph type="sldNum" sz="quarter" idx="10"/>
+          </p:nvPr>
+        </p:nvSpPr>
+        <p:spPr/>
+        <p:txBody>
+          <a:bodyPr/>
+          <a:lstStyle/>
+          <a:p>
+            <a:pPr>
+              <a:defRPr/>
+            </a:pPr>
+            <a:fld id="{9159FF30-FEA0-4219-B46E-09535C97980B}" type="slidenum">
+              <a:rPr lang="ja-JP" altLang="en-US"/>
+              <a:pPr>
+                <a:defRPr/>
+              </a:pPr>
+              <a:t>36</a:t>
+            </a:fld>
+            <a:endParaRPr lang="en-US" altLang="ja-JP"/>
+          </a:p>
+        </p:txBody>
+      </p:sp>
+      <p:sp>
+        <p:nvSpPr>
+          <p:cNvPr id="5" name="フッター プレースホルダー 4"/>
+          <p:cNvSpPr>
+            <a:spLocks noGrp="1"/>
+          </p:cNvSpPr>
+          <p:nvPr>
+            <p:ph type="ftr" sz="quarter" idx="11"/>
+          </p:nvPr>
+        </p:nvSpPr>
+        <p:spPr/>
+        <p:txBody>
+          <a:bodyPr/>
+          <a:lstStyle/>
+          <a:p>
+            <a:pPr>
+              <a:defRPr/>
+            </a:pPr>
+            <a:r>
+              <a:rPr lang="en-US" altLang="ja-JP"/>
+              <a:t>TOK-AAA123-20100706-</a:t>
+            </a:r>
+          </a:p>
+        </p:txBody>
+      </p:sp>
+    </p:spTree>
+    <p:extLst>
+      <p:ext uri="{BB962C8B-B14F-4D97-AF65-F5344CB8AC3E}">
+        <p14:creationId xmlns:p14="http://schemas.microsoft.com/office/powerpoint/2010/main" val="715366864"/>
+      </p:ext>
+    </p:extLst>
+  </p:cSld>
+  <p:clrMapOvr>
+    <a:masterClrMapping/>
+  </p:clrMapOvr>
+</p:notes>
+</file>
+
+<file path=ppt/notesSlides/notesSlide38.xml><?xml version="1.0" encoding="utf-8"?>
+<p:notes xmlns:a="http://schemas.openxmlformats.org/drawingml/2006/main" xmlns:r="http://schemas.openxmlformats.org/officeDocument/2006/relationships" xmlns:p="http://schemas.openxmlformats.org/presentationml/2006/main">
+  <p:cSld>
+    <p:spTree>
+      <p:nvGrpSpPr>
+        <p:cNvPr id="1" name=""/>
+        <p:cNvGrpSpPr/>
+        <p:nvPr/>
+      </p:nvGrpSpPr>
+      <p:grpSpPr>
+        <a:xfrm>
+          <a:off x="0" y="0"/>
+          <a:ext cx="0" cy="0"/>
+          <a:chOff x="0" y="0"/>
+          <a:chExt cx="0" cy="0"/>
+        </a:xfrm>
+      </p:grpSpPr>
+      <p:sp>
+        <p:nvSpPr>
+          <p:cNvPr id="2" name="スライド イメージ プレースホルダー 1"/>
+          <p:cNvSpPr>
+            <a:spLocks noGrp="1" noRot="1" noChangeAspect="1"/>
+          </p:cNvSpPr>
+          <p:nvPr>
+            <p:ph type="sldImg"/>
+          </p:nvPr>
+        </p:nvSpPr>
+        <p:spPr/>
+      </p:sp>
+      <p:sp>
+        <p:nvSpPr>
+          <p:cNvPr id="3" name="ノート プレースホルダー 2"/>
+          <p:cNvSpPr>
+            <a:spLocks noGrp="1"/>
+          </p:cNvSpPr>
+          <p:nvPr>
+            <p:ph type="body" idx="1"/>
+          </p:nvPr>
+        </p:nvSpPr>
+        <p:spPr/>
+        <p:txBody>
+          <a:bodyPr/>
+          <a:lstStyle/>
+          <a:p>
+            <a:endParaRPr kumimoji="1" lang="ja-JP" altLang="en-US"/>
+          </a:p>
+        </p:txBody>
+      </p:sp>
+      <p:sp>
+        <p:nvSpPr>
+          <p:cNvPr id="4" name="スライド番号プレースホルダー 3"/>
+          <p:cNvSpPr>
+            <a:spLocks noGrp="1"/>
+          </p:cNvSpPr>
+          <p:nvPr>
+            <p:ph type="sldNum" sz="quarter" idx="10"/>
+          </p:nvPr>
+        </p:nvSpPr>
+        <p:spPr/>
+        <p:txBody>
+          <a:bodyPr/>
+          <a:lstStyle/>
+          <a:p>
+            <a:pPr>
+              <a:defRPr/>
+            </a:pPr>
+            <a:fld id="{9159FF30-FEA0-4219-B46E-09535C97980B}" type="slidenum">
+              <a:rPr lang="ja-JP" altLang="en-US"/>
+              <a:pPr>
+                <a:defRPr/>
+              </a:pPr>
+              <a:t>37</a:t>
+            </a:fld>
+            <a:endParaRPr lang="en-US" altLang="ja-JP"/>
+          </a:p>
+        </p:txBody>
+      </p:sp>
+      <p:sp>
+        <p:nvSpPr>
+          <p:cNvPr id="5" name="フッター プレースホルダー 4"/>
+          <p:cNvSpPr>
+            <a:spLocks noGrp="1"/>
+          </p:cNvSpPr>
+          <p:nvPr>
+            <p:ph type="ftr" sz="quarter" idx="11"/>
+          </p:nvPr>
+        </p:nvSpPr>
+        <p:spPr/>
+        <p:txBody>
+          <a:bodyPr/>
+          <a:lstStyle/>
+          <a:p>
+            <a:pPr>
+              <a:defRPr/>
+            </a:pPr>
+            <a:r>
+              <a:rPr lang="en-US" altLang="ja-JP"/>
+              <a:t>TOK-AAA123-20100706-</a:t>
+            </a:r>
+          </a:p>
+        </p:txBody>
+      </p:sp>
+    </p:spTree>
+    <p:extLst>
+      <p:ext uri="{BB962C8B-B14F-4D97-AF65-F5344CB8AC3E}">
+        <p14:creationId xmlns:p14="http://schemas.microsoft.com/office/powerpoint/2010/main" val="3615424350"/>
+      </p:ext>
+    </p:extLst>
+  </p:cSld>
+  <p:clrMapOvr>
+    <a:masterClrMapping/>
+  </p:clrMapOvr>
+</p:notes>
+</file>
+
+<file path=ppt/notesSlides/notesSlide39.xml><?xml version="1.0" encoding="utf-8"?>
+<p:notes xmlns:a="http://schemas.openxmlformats.org/drawingml/2006/main" xmlns:r="http://schemas.openxmlformats.org/officeDocument/2006/relationships" xmlns:p="http://schemas.openxmlformats.org/presentationml/2006/main">
+  <p:cSld>
+    <p:spTree>
+      <p:nvGrpSpPr>
+        <p:cNvPr id="1" name=""/>
+        <p:cNvGrpSpPr/>
+        <p:nvPr/>
+      </p:nvGrpSpPr>
+      <p:grpSpPr>
+        <a:xfrm>
+          <a:off x="0" y="0"/>
+          <a:ext cx="0" cy="0"/>
+          <a:chOff x="0" y="0"/>
+          <a:chExt cx="0" cy="0"/>
+        </a:xfrm>
+      </p:grpSpPr>
+      <p:sp>
+        <p:nvSpPr>
+          <p:cNvPr id="2" name="スライド イメージ プレースホルダー 1"/>
+          <p:cNvSpPr>
+            <a:spLocks noGrp="1" noRot="1" noChangeAspect="1"/>
+          </p:cNvSpPr>
+          <p:nvPr>
+            <p:ph type="sldImg"/>
+          </p:nvPr>
+        </p:nvSpPr>
+        <p:spPr/>
+      </p:sp>
+      <p:sp>
+        <p:nvSpPr>
+          <p:cNvPr id="3" name="ノート プレースホルダー 2"/>
+          <p:cNvSpPr>
+            <a:spLocks noGrp="1"/>
+          </p:cNvSpPr>
+          <p:nvPr>
+            <p:ph type="body" idx="1"/>
+          </p:nvPr>
+        </p:nvSpPr>
+        <p:spPr/>
+        <p:txBody>
+          <a:bodyPr/>
+          <a:lstStyle/>
+          <a:p>
+            <a:endParaRPr kumimoji="1" lang="ja-JP" altLang="en-US"/>
+          </a:p>
+        </p:txBody>
+      </p:sp>
+      <p:sp>
+        <p:nvSpPr>
+          <p:cNvPr id="4" name="スライド番号プレースホルダー 3"/>
+          <p:cNvSpPr>
+            <a:spLocks noGrp="1"/>
+          </p:cNvSpPr>
+          <p:nvPr>
+            <p:ph type="sldNum" sz="quarter" idx="10"/>
+          </p:nvPr>
+        </p:nvSpPr>
+        <p:spPr/>
+        <p:txBody>
+          <a:bodyPr/>
+          <a:lstStyle/>
+          <a:p>
+            <a:pPr>
+              <a:defRPr/>
+            </a:pPr>
+            <a:fld id="{9159FF30-FEA0-4219-B46E-09535C97980B}" type="slidenum">
+              <a:rPr lang="ja-JP" altLang="en-US"/>
+              <a:pPr>
+                <a:defRPr/>
+              </a:pPr>
+              <a:t>38</a:t>
+            </a:fld>
+            <a:endParaRPr lang="en-US" altLang="ja-JP"/>
+          </a:p>
+        </p:txBody>
+      </p:sp>
+      <p:sp>
+        <p:nvSpPr>
+          <p:cNvPr id="5" name="フッター プレースホルダー 4"/>
+          <p:cNvSpPr>
+            <a:spLocks noGrp="1"/>
+          </p:cNvSpPr>
+          <p:nvPr>
+            <p:ph type="ftr" sz="quarter" idx="11"/>
+          </p:nvPr>
+        </p:nvSpPr>
+        <p:spPr/>
+        <p:txBody>
+          <a:bodyPr/>
+          <a:lstStyle/>
+          <a:p>
+            <a:pPr>
+              <a:defRPr/>
+            </a:pPr>
+            <a:r>
+              <a:rPr lang="en-US" altLang="ja-JP"/>
+              <a:t>TOK-AAA123-20100706-</a:t>
+            </a:r>
+          </a:p>
+        </p:txBody>
+      </p:sp>
+    </p:spTree>
+    <p:extLst>
+      <p:ext uri="{BB962C8B-B14F-4D97-AF65-F5344CB8AC3E}">
+        <p14:creationId xmlns:p14="http://schemas.microsoft.com/office/powerpoint/2010/main" val="3136308189"/>
       </p:ext>
     </p:extLst>
   </p:cSld>
@@ -1267,19 +4681,25 @@
           <a:p>
             <a:r>
               <a:rPr kumimoji="1" lang="ja-JP" altLang="en-US"/>
-              <a:t>何をして、何の知見を得たのかから肉付けすべき</a:t>
+              <a:t>あまり体系だっていない</a:t>
             </a:r>
           </a:p>
           <a:p>
             <a:r>
               <a:rPr kumimoji="1" lang="ja-JP" altLang="en-US"/>
-              <a:t>関連研究などが、そこにつながっていない</a:t>
+              <a:t>人工知能 = 深層学習とかよくわからん</a:t>
             </a:r>
           </a:p>
           <a:p>
             <a:r>
               <a:rPr kumimoji="1" lang="ja-JP" altLang="en-US"/>
-              <a:t>ページ番号をでかくする</a:t>
+              <a:t>雑誌の1行目をそのまま書いたみたいになっている</a:t>
+            </a:r>
+          </a:p>
+          <a:p>
+            <a:r>
+              <a:rPr kumimoji="1" lang="ja-JP" altLang="en-US"/>
+              <a:t>深層学習と人工知能の結びつけ</a:t>
             </a:r>
           </a:p>
         </p:txBody>
@@ -1307,7 +4727,7 @@
               <a:pPr>
                 <a:defRPr/>
               </a:pPr>
-              <a:t>8</a:t>
+              <a:t>3</a:t>
             </a:fld>
             <a:endParaRPr lang="en-US" altLang="ja-JP"/>
           </a:p>
@@ -1341,7 +4761,237 @@
     </p:spTree>
     <p:extLst>
       <p:ext uri="{BB962C8B-B14F-4D97-AF65-F5344CB8AC3E}">
-        <p14:creationId xmlns:p14="http://schemas.microsoft.com/office/powerpoint/2010/main" val="238194018"/>
+        <p14:creationId xmlns:p14="http://schemas.microsoft.com/office/powerpoint/2010/main" val="977278105"/>
+      </p:ext>
+    </p:extLst>
+  </p:cSld>
+  <p:clrMapOvr>
+    <a:masterClrMapping/>
+  </p:clrMapOvr>
+</p:notes>
+</file>
+
+<file path=ppt/notesSlides/notesSlide40.xml><?xml version="1.0" encoding="utf-8"?>
+<p:notes xmlns:a="http://schemas.openxmlformats.org/drawingml/2006/main" xmlns:r="http://schemas.openxmlformats.org/officeDocument/2006/relationships" xmlns:p="http://schemas.openxmlformats.org/presentationml/2006/main">
+  <p:cSld>
+    <p:spTree>
+      <p:nvGrpSpPr>
+        <p:cNvPr id="1" name=""/>
+        <p:cNvGrpSpPr/>
+        <p:nvPr/>
+      </p:nvGrpSpPr>
+      <p:grpSpPr>
+        <a:xfrm>
+          <a:off x="0" y="0"/>
+          <a:ext cx="0" cy="0"/>
+          <a:chOff x="0" y="0"/>
+          <a:chExt cx="0" cy="0"/>
+        </a:xfrm>
+      </p:grpSpPr>
+      <p:sp>
+        <p:nvSpPr>
+          <p:cNvPr id="2" name="スライド イメージ プレースホルダー 1"/>
+          <p:cNvSpPr>
+            <a:spLocks noGrp="1" noRot="1" noChangeAspect="1"/>
+          </p:cNvSpPr>
+          <p:nvPr>
+            <p:ph type="sldImg"/>
+          </p:nvPr>
+        </p:nvSpPr>
+        <p:spPr/>
+      </p:sp>
+      <p:sp>
+        <p:nvSpPr>
+          <p:cNvPr id="3" name="ノート プレースホルダー 2"/>
+          <p:cNvSpPr>
+            <a:spLocks noGrp="1"/>
+          </p:cNvSpPr>
+          <p:nvPr>
+            <p:ph type="body" idx="1"/>
+          </p:nvPr>
+        </p:nvSpPr>
+        <p:spPr/>
+        <p:txBody>
+          <a:bodyPr/>
+          <a:lstStyle/>
+          <a:p>
+            <a:endParaRPr kumimoji="1" lang="ja-JP" altLang="en-US"/>
+          </a:p>
+        </p:txBody>
+      </p:sp>
+      <p:sp>
+        <p:nvSpPr>
+          <p:cNvPr id="4" name="スライド番号プレースホルダー 3"/>
+          <p:cNvSpPr>
+            <a:spLocks noGrp="1"/>
+          </p:cNvSpPr>
+          <p:nvPr>
+            <p:ph type="sldNum" sz="quarter" idx="10"/>
+          </p:nvPr>
+        </p:nvSpPr>
+        <p:spPr/>
+        <p:txBody>
+          <a:bodyPr/>
+          <a:lstStyle/>
+          <a:p>
+            <a:pPr>
+              <a:defRPr/>
+            </a:pPr>
+            <a:fld id="{9159FF30-FEA0-4219-B46E-09535C97980B}" type="slidenum">
+              <a:rPr lang="ja-JP" altLang="en-US"/>
+              <a:pPr>
+                <a:defRPr/>
+              </a:pPr>
+              <a:t>39</a:t>
+            </a:fld>
+            <a:endParaRPr lang="en-US" altLang="ja-JP"/>
+          </a:p>
+        </p:txBody>
+      </p:sp>
+      <p:sp>
+        <p:nvSpPr>
+          <p:cNvPr id="5" name="フッター プレースホルダー 4"/>
+          <p:cNvSpPr>
+            <a:spLocks noGrp="1"/>
+          </p:cNvSpPr>
+          <p:nvPr>
+            <p:ph type="ftr" sz="quarter" idx="11"/>
+          </p:nvPr>
+        </p:nvSpPr>
+        <p:spPr/>
+        <p:txBody>
+          <a:bodyPr/>
+          <a:lstStyle/>
+          <a:p>
+            <a:pPr>
+              <a:defRPr/>
+            </a:pPr>
+            <a:r>
+              <a:rPr lang="en-US" altLang="ja-JP"/>
+              <a:t>TOK-AAA123-20100706-</a:t>
+            </a:r>
+          </a:p>
+        </p:txBody>
+      </p:sp>
+    </p:spTree>
+    <p:extLst>
+      <p:ext uri="{BB962C8B-B14F-4D97-AF65-F5344CB8AC3E}">
+        <p14:creationId xmlns:p14="http://schemas.microsoft.com/office/powerpoint/2010/main" val="2382946994"/>
+      </p:ext>
+    </p:extLst>
+  </p:cSld>
+  <p:clrMapOvr>
+    <a:masterClrMapping/>
+  </p:clrMapOvr>
+</p:notes>
+</file>
+
+<file path=ppt/notesSlides/notesSlide41.xml><?xml version="1.0" encoding="utf-8"?>
+<p:notes xmlns:a="http://schemas.openxmlformats.org/drawingml/2006/main" xmlns:r="http://schemas.openxmlformats.org/officeDocument/2006/relationships" xmlns:p="http://schemas.openxmlformats.org/presentationml/2006/main">
+  <p:cSld>
+    <p:spTree>
+      <p:nvGrpSpPr>
+        <p:cNvPr id="1" name=""/>
+        <p:cNvGrpSpPr/>
+        <p:nvPr/>
+      </p:nvGrpSpPr>
+      <p:grpSpPr>
+        <a:xfrm>
+          <a:off x="0" y="0"/>
+          <a:ext cx="0" cy="0"/>
+          <a:chOff x="0" y="0"/>
+          <a:chExt cx="0" cy="0"/>
+        </a:xfrm>
+      </p:grpSpPr>
+      <p:sp>
+        <p:nvSpPr>
+          <p:cNvPr id="2" name="スライド イメージ プレースホルダー 1"/>
+          <p:cNvSpPr>
+            <a:spLocks noGrp="1" noRot="1" noChangeAspect="1"/>
+          </p:cNvSpPr>
+          <p:nvPr>
+            <p:ph type="sldImg"/>
+          </p:nvPr>
+        </p:nvSpPr>
+        <p:spPr/>
+      </p:sp>
+      <p:sp>
+        <p:nvSpPr>
+          <p:cNvPr id="3" name="ノート プレースホルダー 2"/>
+          <p:cNvSpPr>
+            <a:spLocks noGrp="1"/>
+          </p:cNvSpPr>
+          <p:nvPr>
+            <p:ph type="body" idx="1"/>
+          </p:nvPr>
+        </p:nvSpPr>
+        <p:spPr/>
+        <p:txBody>
+          <a:bodyPr/>
+          <a:lstStyle/>
+          <a:p>
+            <a:endParaRPr kumimoji="1" lang="ja-JP" altLang="en-US"/>
+          </a:p>
+        </p:txBody>
+      </p:sp>
+      <p:sp>
+        <p:nvSpPr>
+          <p:cNvPr id="4" name="スライド番号プレースホルダー 3"/>
+          <p:cNvSpPr>
+            <a:spLocks noGrp="1"/>
+          </p:cNvSpPr>
+          <p:nvPr>
+            <p:ph type="sldNum" sz="quarter" idx="10"/>
+          </p:nvPr>
+        </p:nvSpPr>
+        <p:spPr/>
+        <p:txBody>
+          <a:bodyPr/>
+          <a:lstStyle/>
+          <a:p>
+            <a:pPr>
+              <a:defRPr/>
+            </a:pPr>
+            <a:fld id="{9159FF30-FEA0-4219-B46E-09535C97980B}" type="slidenum">
+              <a:rPr lang="ja-JP" altLang="en-US"/>
+              <a:pPr>
+                <a:defRPr/>
+              </a:pPr>
+              <a:t>40</a:t>
+            </a:fld>
+            <a:endParaRPr lang="en-US" altLang="ja-JP"/>
+          </a:p>
+        </p:txBody>
+      </p:sp>
+      <p:sp>
+        <p:nvSpPr>
+          <p:cNvPr id="5" name="フッター プレースホルダー 4"/>
+          <p:cNvSpPr>
+            <a:spLocks noGrp="1"/>
+          </p:cNvSpPr>
+          <p:nvPr>
+            <p:ph type="ftr" sz="quarter" idx="11"/>
+          </p:nvPr>
+        </p:nvSpPr>
+        <p:spPr/>
+        <p:txBody>
+          <a:bodyPr/>
+          <a:lstStyle/>
+          <a:p>
+            <a:pPr>
+              <a:defRPr/>
+            </a:pPr>
+            <a:r>
+              <a:rPr lang="en-US" altLang="ja-JP"/>
+              <a:t>TOK-AAA123-20100706-</a:t>
+            </a:r>
+          </a:p>
+        </p:txBody>
+      </p:sp>
+    </p:spTree>
+    <p:extLst>
+      <p:ext uri="{BB962C8B-B14F-4D97-AF65-F5344CB8AC3E}">
+        <p14:creationId xmlns:p14="http://schemas.microsoft.com/office/powerpoint/2010/main" val="3450513010"/>
       </p:ext>
     </p:extLst>
   </p:cSld>
@@ -1397,27 +5047,6 @@
           <a:p>
             <a:endParaRPr kumimoji="1" lang="ja-JP" altLang="en-US"/>
           </a:p>
-          <a:p>
-            <a:r>
-              <a:rPr kumimoji="1" lang="ja-JP" altLang="en-US"/>
-              <a:t>----- 会議メモ (2014/02/10 18:36) -----</a:t>
-            </a:r>
-          </a:p>
-          <a:p>
-            <a:r>
-              <a:rPr kumimoji="1" lang="ja-JP" altLang="en-US"/>
-              <a:t>ライブラリとソースコードがごっちや</a:t>
-            </a:r>
-          </a:p>
-          <a:p>
-            <a:r>
-              <a:rPr kumimoji="1" lang="ja-JP" altLang="en-US"/>
-              <a:t>一言のべる</a:t>
-            </a:r>
-          </a:p>
-          <a:p>
-            <a:endParaRPr kumimoji="1" lang="ja-JP" altLang="en-US"/>
-          </a:p>
         </p:txBody>
       </p:sp>
       <p:sp>
@@ -1443,7 +5072,7 @@
               <a:pPr>
                 <a:defRPr/>
               </a:pPr>
-              <a:t>13</a:t>
+              <a:t>4</a:t>
             </a:fld>
             <a:endParaRPr lang="en-US" altLang="ja-JP"/>
           </a:p>
@@ -1477,7 +5106,7 @@
     </p:spTree>
     <p:extLst>
       <p:ext uri="{BB962C8B-B14F-4D97-AF65-F5344CB8AC3E}">
-        <p14:creationId xmlns:p14="http://schemas.microsoft.com/office/powerpoint/2010/main" val="2189447956"/>
+        <p14:creationId xmlns:p14="http://schemas.microsoft.com/office/powerpoint/2010/main" val="286544309"/>
       </p:ext>
     </p:extLst>
   </p:cSld>
@@ -1533,24 +5162,6 @@
           <a:p>
             <a:endParaRPr kumimoji="1" lang="ja-JP" altLang="en-US"/>
           </a:p>
-          <a:p>
-            <a:r>
-              <a:rPr kumimoji="1" lang="ja-JP" altLang="en-US"/>
-              <a:t>----- 会議メモ (2014/02/10 18:36) -----</a:t>
-            </a:r>
-          </a:p>
-          <a:p>
-            <a:r>
-              <a:rPr kumimoji="1" lang="ja-JP" altLang="en-US"/>
-              <a:t>比較が一切抜けている</a:t>
-            </a:r>
-          </a:p>
-          <a:p>
-            <a:r>
-              <a:rPr kumimoji="1" lang="ja-JP" altLang="en-US"/>
-              <a:t>一番知りたいことがわからない</a:t>
-            </a:r>
-          </a:p>
         </p:txBody>
       </p:sp>
       <p:sp>
@@ -1576,7 +5187,7 @@
               <a:pPr>
                 <a:defRPr/>
               </a:pPr>
-              <a:t>18</a:t>
+              <a:t>5</a:t>
             </a:fld>
             <a:endParaRPr lang="en-US" altLang="ja-JP"/>
           </a:p>
@@ -1610,7 +5221,7 @@
     </p:spTree>
     <p:extLst>
       <p:ext uri="{BB962C8B-B14F-4D97-AF65-F5344CB8AC3E}">
-        <p14:creationId xmlns:p14="http://schemas.microsoft.com/office/powerpoint/2010/main" val="1142836568"/>
+        <p14:creationId xmlns:p14="http://schemas.microsoft.com/office/powerpoint/2010/main" val="2676148134"/>
       </p:ext>
     </p:extLst>
   </p:cSld>
@@ -1675,17 +5286,62 @@
           <a:p>
             <a:r>
               <a:rPr kumimoji="1" lang="ja-JP" altLang="en-US"/>
-              <a:t>こういう問題がありますスライド</a:t>
+              <a:t>ATM、SPYSEEの内容を説明しないとわからない</a:t>
             </a:r>
           </a:p>
           <a:p>
             <a:r>
               <a:rPr kumimoji="1" lang="ja-JP" altLang="en-US"/>
-              <a:t>詳細なアルゴリズムの前に目的のスライドがほしい</a:t>
-            </a:r>
-          </a:p>
-          <a:p>
-            <a:endParaRPr kumimoji="1" lang="ja-JP" altLang="en-US"/>
+              <a:t>READYFORは人工知能の例ではない</a:t>
+            </a:r>
+          </a:p>
+          <a:p>
+            <a:r>
+              <a:rPr kumimoji="1" lang="ja-JP" altLang="en-US"/>
+              <a:t>web工学とビジネスと機械学習の関連が着地で足をひねっている</a:t>
+            </a:r>
+          </a:p>
+          <a:p>
+            <a:r>
+              <a:rPr kumimoji="1" lang="ja-JP" altLang="en-US"/>
+              <a:t>ビジネスとWeb工学が置換可能ではない</a:t>
+            </a:r>
+          </a:p>
+          <a:p>
+            <a:r>
+              <a:rPr kumimoji="1" lang="ja-JP" altLang="en-US"/>
+              <a:t>Web工学とビジネスがごっちゃになってないか</a:t>
+            </a:r>
+          </a:p>
+          <a:p>
+            <a:r>
+              <a:rPr kumimoji="1" lang="ja-JP" altLang="en-US"/>
+              <a:t>Webサービスの話がその後引用されてない</a:t>
+            </a:r>
+          </a:p>
+          <a:p>
+            <a:r>
+              <a:rPr kumimoji="1" lang="ja-JP" altLang="en-US"/>
+              <a:t>googleのbuyout </a:t>
+            </a:r>
+          </a:p>
+          <a:p>
+            <a:r>
+              <a:rPr kumimoji="1" lang="ja-JP" altLang="en-US"/>
+              <a:t>Web工学と人工知能はMECEではない</a:t>
+            </a:r>
+          </a:p>
+          <a:p>
+            <a:r>
+              <a:rPr kumimoji="1" lang="ja-JP" altLang="en-US"/>
+              <a:t>レイヤー的には同義ではない</a:t>
+            </a:r>
+          </a:p>
+          <a:p>
+            <a:r>
+              <a:rPr kumimoji="1" lang="ja-JP" altLang="en-US"/>
+              <a:t>同じレイヤーで書くとまずい</a:t>
+            </a:r>
           </a:p>
         </p:txBody>
       </p:sp>
@@ -1712,7 +5368,7 @@
               <a:pPr>
                 <a:defRPr/>
               </a:pPr>
-              <a:t>24</a:t>
+              <a:t>6</a:t>
             </a:fld>
             <a:endParaRPr lang="en-US" altLang="ja-JP"/>
           </a:p>
@@ -1746,7 +5402,261 @@
     </p:spTree>
     <p:extLst>
       <p:ext uri="{BB962C8B-B14F-4D97-AF65-F5344CB8AC3E}">
-        <p14:creationId xmlns:p14="http://schemas.microsoft.com/office/powerpoint/2010/main" val="1687253292"/>
+        <p14:creationId xmlns:p14="http://schemas.microsoft.com/office/powerpoint/2010/main" val="2104678576"/>
+      </p:ext>
+    </p:extLst>
+  </p:cSld>
+  <p:clrMapOvr>
+    <a:masterClrMapping/>
+  </p:clrMapOvr>
+</p:notes>
+</file>
+
+<file path=ppt/notesSlides/notesSlide8.xml><?xml version="1.0" encoding="utf-8"?>
+<p:notes xmlns:a="http://schemas.openxmlformats.org/drawingml/2006/main" xmlns:r="http://schemas.openxmlformats.org/officeDocument/2006/relationships" xmlns:p="http://schemas.openxmlformats.org/presentationml/2006/main">
+  <p:cSld>
+    <p:spTree>
+      <p:nvGrpSpPr>
+        <p:cNvPr id="1" name=""/>
+        <p:cNvGrpSpPr/>
+        <p:nvPr/>
+      </p:nvGrpSpPr>
+      <p:grpSpPr>
+        <a:xfrm>
+          <a:off x="0" y="0"/>
+          <a:ext cx="0" cy="0"/>
+          <a:chOff x="0" y="0"/>
+          <a:chExt cx="0" cy="0"/>
+        </a:xfrm>
+      </p:grpSpPr>
+      <p:sp>
+        <p:nvSpPr>
+          <p:cNvPr id="2" name="スライド イメージ プレースホルダー 1"/>
+          <p:cNvSpPr>
+            <a:spLocks noGrp="1" noRot="1" noChangeAspect="1"/>
+          </p:cNvSpPr>
+          <p:nvPr>
+            <p:ph type="sldImg"/>
+          </p:nvPr>
+        </p:nvSpPr>
+        <p:spPr/>
+      </p:sp>
+      <p:sp>
+        <p:nvSpPr>
+          <p:cNvPr id="3" name="ノート プレースホルダー 2"/>
+          <p:cNvSpPr>
+            <a:spLocks noGrp="1"/>
+          </p:cNvSpPr>
+          <p:nvPr>
+            <p:ph type="body" idx="1"/>
+          </p:nvPr>
+        </p:nvSpPr>
+        <p:spPr/>
+        <p:txBody>
+          <a:bodyPr/>
+          <a:lstStyle/>
+          <a:p>
+            <a:endParaRPr kumimoji="1" lang="ja-JP" altLang="en-US"/>
+          </a:p>
+        </p:txBody>
+      </p:sp>
+      <p:sp>
+        <p:nvSpPr>
+          <p:cNvPr id="4" name="スライド番号プレースホルダー 3"/>
+          <p:cNvSpPr>
+            <a:spLocks noGrp="1"/>
+          </p:cNvSpPr>
+          <p:nvPr>
+            <p:ph type="sldNum" sz="quarter" idx="10"/>
+          </p:nvPr>
+        </p:nvSpPr>
+        <p:spPr/>
+        <p:txBody>
+          <a:bodyPr/>
+          <a:lstStyle/>
+          <a:p>
+            <a:pPr>
+              <a:defRPr/>
+            </a:pPr>
+            <a:fld id="{9159FF30-FEA0-4219-B46E-09535C97980B}" type="slidenum">
+              <a:rPr lang="ja-JP" altLang="en-US"/>
+              <a:pPr>
+                <a:defRPr/>
+              </a:pPr>
+              <a:t>7</a:t>
+            </a:fld>
+            <a:endParaRPr lang="en-US" altLang="ja-JP"/>
+          </a:p>
+        </p:txBody>
+      </p:sp>
+      <p:sp>
+        <p:nvSpPr>
+          <p:cNvPr id="5" name="フッター プレースホルダー 4"/>
+          <p:cNvSpPr>
+            <a:spLocks noGrp="1"/>
+          </p:cNvSpPr>
+          <p:nvPr>
+            <p:ph type="ftr" sz="quarter" idx="11"/>
+          </p:nvPr>
+        </p:nvSpPr>
+        <p:spPr/>
+        <p:txBody>
+          <a:bodyPr/>
+          <a:lstStyle/>
+          <a:p>
+            <a:pPr>
+              <a:defRPr/>
+            </a:pPr>
+            <a:r>
+              <a:rPr lang="en-US" altLang="ja-JP"/>
+              <a:t>TOK-AAA123-20100706-</a:t>
+            </a:r>
+          </a:p>
+        </p:txBody>
+      </p:sp>
+    </p:spTree>
+    <p:extLst>
+      <p:ext uri="{BB962C8B-B14F-4D97-AF65-F5344CB8AC3E}">
+        <p14:creationId xmlns:p14="http://schemas.microsoft.com/office/powerpoint/2010/main" val="1715224817"/>
+      </p:ext>
+    </p:extLst>
+  </p:cSld>
+  <p:clrMapOvr>
+    <a:masterClrMapping/>
+  </p:clrMapOvr>
+</p:notes>
+</file>
+
+<file path=ppt/notesSlides/notesSlide9.xml><?xml version="1.0" encoding="utf-8"?>
+<p:notes xmlns:a="http://schemas.openxmlformats.org/drawingml/2006/main" xmlns:r="http://schemas.openxmlformats.org/officeDocument/2006/relationships" xmlns:p="http://schemas.openxmlformats.org/presentationml/2006/main">
+  <p:cSld>
+    <p:spTree>
+      <p:nvGrpSpPr>
+        <p:cNvPr id="1" name=""/>
+        <p:cNvGrpSpPr/>
+        <p:nvPr/>
+      </p:nvGrpSpPr>
+      <p:grpSpPr>
+        <a:xfrm>
+          <a:off x="0" y="0"/>
+          <a:ext cx="0" cy="0"/>
+          <a:chOff x="0" y="0"/>
+          <a:chExt cx="0" cy="0"/>
+        </a:xfrm>
+      </p:grpSpPr>
+      <p:sp>
+        <p:nvSpPr>
+          <p:cNvPr id="2" name="スライド イメージ プレースホルダー 1"/>
+          <p:cNvSpPr>
+            <a:spLocks noGrp="1" noRot="1" noChangeAspect="1"/>
+          </p:cNvSpPr>
+          <p:nvPr>
+            <p:ph type="sldImg"/>
+          </p:nvPr>
+        </p:nvSpPr>
+        <p:spPr/>
+      </p:sp>
+      <p:sp>
+        <p:nvSpPr>
+          <p:cNvPr id="3" name="ノート プレースホルダー 2"/>
+          <p:cNvSpPr>
+            <a:spLocks noGrp="1"/>
+          </p:cNvSpPr>
+          <p:nvPr>
+            <p:ph type="body" idx="1"/>
+          </p:nvPr>
+        </p:nvSpPr>
+        <p:spPr/>
+        <p:txBody>
+          <a:bodyPr/>
+          <a:lstStyle/>
+          <a:p>
+            <a:endParaRPr kumimoji="1" lang="ja-JP" altLang="en-US"/>
+          </a:p>
+          <a:p>
+            <a:r>
+              <a:rPr kumimoji="1" lang="ja-JP" altLang="en-US"/>
+              <a:t>----- 会議メモ (2014/02/10 18:36) -----</a:t>
+            </a:r>
+          </a:p>
+          <a:p>
+            <a:r>
+              <a:rPr kumimoji="1" lang="ja-JP" altLang="en-US"/>
+              <a:t>何をして、何の知見を得たのかから肉付けすべき</a:t>
+            </a:r>
+          </a:p>
+          <a:p>
+            <a:r>
+              <a:rPr kumimoji="1" lang="ja-JP" altLang="en-US"/>
+              <a:t>関連研究などが、そこにつながっていない</a:t>
+            </a:r>
+          </a:p>
+          <a:p>
+            <a:r>
+              <a:rPr kumimoji="1" lang="ja-JP" altLang="en-US"/>
+              <a:t>ページ番号をでかくする</a:t>
+            </a:r>
+          </a:p>
+        </p:txBody>
+      </p:sp>
+      <p:sp>
+        <p:nvSpPr>
+          <p:cNvPr id="4" name="スライド番号プレースホルダー 3"/>
+          <p:cNvSpPr>
+            <a:spLocks noGrp="1"/>
+          </p:cNvSpPr>
+          <p:nvPr>
+            <p:ph type="sldNum" sz="quarter" idx="10"/>
+          </p:nvPr>
+        </p:nvSpPr>
+        <p:spPr/>
+        <p:txBody>
+          <a:bodyPr/>
+          <a:lstStyle/>
+          <a:p>
+            <a:pPr>
+              <a:defRPr/>
+            </a:pPr>
+            <a:fld id="{9159FF30-FEA0-4219-B46E-09535C97980B}" type="slidenum">
+              <a:rPr lang="ja-JP" altLang="en-US"/>
+              <a:pPr>
+                <a:defRPr/>
+              </a:pPr>
+              <a:t>8</a:t>
+            </a:fld>
+            <a:endParaRPr lang="en-US" altLang="ja-JP"/>
+          </a:p>
+        </p:txBody>
+      </p:sp>
+      <p:sp>
+        <p:nvSpPr>
+          <p:cNvPr id="5" name="フッター プレースホルダー 4"/>
+          <p:cNvSpPr>
+            <a:spLocks noGrp="1"/>
+          </p:cNvSpPr>
+          <p:nvPr>
+            <p:ph type="ftr" sz="quarter" idx="11"/>
+          </p:nvPr>
+        </p:nvSpPr>
+        <p:spPr/>
+        <p:txBody>
+          <a:bodyPr/>
+          <a:lstStyle/>
+          <a:p>
+            <a:pPr>
+              <a:defRPr/>
+            </a:pPr>
+            <a:r>
+              <a:rPr lang="en-US" altLang="ja-JP"/>
+              <a:t>TOK-AAA123-20100706-</a:t>
+            </a:r>
+          </a:p>
+        </p:txBody>
+      </p:sp>
+    </p:spTree>
+    <p:extLst>
+      <p:ext uri="{BB962C8B-B14F-4D97-AF65-F5344CB8AC3E}">
+        <p14:creationId xmlns:p14="http://schemas.microsoft.com/office/powerpoint/2010/main" val="238194018"/>
       </p:ext>
     </p:extLst>
   </p:cSld>
@@ -5741,7 +9651,7 @@
           <p:nvPr/>
         </p:nvPicPr>
         <p:blipFill>
-          <a:blip r:embed="rId2">
+          <a:blip r:embed="rId3">
             <a:extLst>
               <a:ext uri="{28A0092B-C50C-407E-A947-70E740481C1C}">
                 <a14:useLocalDpi xmlns:a14="http://schemas.microsoft.com/office/drawing/2010/main" val="0"/>
@@ -5771,7 +9681,7 @@
         <p:spPr bwMode="auto">
           <a:xfrm>
             <a:off x="2780502" y="3173080"/>
-            <a:ext cx="494608" cy="0"/>
+            <a:ext cx="641206" cy="0"/>
           </a:xfrm>
           <a:prstGeom prst="straightConnector1">
             <a:avLst/>
@@ -5800,7 +9710,7 @@
         <p:spPr>
           <a:xfrm>
             <a:off x="2767133" y="3373618"/>
-            <a:ext cx="518091" cy="492443"/>
+            <a:ext cx="595035" cy="584776"/>
           </a:xfrm>
           <a:prstGeom prst="rect">
             <a:avLst/>
@@ -5814,14 +9724,14 @@
           <a:lstStyle/>
           <a:p>
             <a:r>
-              <a:rPr kumimoji="1" lang="ja-JP" altLang="en-US" baseline="0" dirty="0" err="1"/>
+              <a:rPr kumimoji="1" lang="ja-JP" altLang="en-US" sz="1600" baseline="0" dirty="0" err="1"/>
               <a:t>特徴</a:t>
             </a:r>
-            <a:endParaRPr kumimoji="1" lang="ja-JP" altLang="en-US" baseline="0" dirty="0" err="1"/>
-          </a:p>
-          <a:p>
-            <a:r>
-              <a:rPr kumimoji="1" lang="ja-JP" altLang="en-US" baseline="0" dirty="0" err="1" smtClean="0"/>
+            <a:endParaRPr kumimoji="1" lang="ja-JP" altLang="en-US" sz="1600" baseline="0" dirty="0" err="1"/>
+          </a:p>
+          <a:p>
+            <a:r>
+              <a:rPr kumimoji="1" lang="ja-JP" altLang="en-US" sz="1600" baseline="0" dirty="0" err="1" smtClean="0"/>
               <a:t>抽出</a:t>
             </a:r>
           </a:p>
@@ -5954,8 +9864,8 @@
         </p:nvSpPr>
         <p:spPr>
           <a:xfrm>
-            <a:off x="4905981" y="3373618"/>
-            <a:ext cx="518091" cy="292388"/>
+            <a:off x="4846213" y="3373618"/>
+            <a:ext cx="595035" cy="338554"/>
           </a:xfrm>
           <a:prstGeom prst="rect">
             <a:avLst/>
@@ -5969,7 +9879,7 @@
           <a:lstStyle/>
           <a:p>
             <a:r>
-              <a:rPr kumimoji="1" lang="ja-JP" altLang="en-US" baseline="0" dirty="0" err="1" smtClean="0"/>
+              <a:rPr kumimoji="1" lang="ja-JP" altLang="en-US" sz="1600" baseline="0" dirty="0" err="1" smtClean="0"/>
               <a:t>入力</a:t>
             </a:r>
           </a:p>
@@ -6012,8 +9922,8 @@
         </p:nvSpPr>
         <p:spPr>
           <a:xfrm>
-            <a:off x="6804208" y="3373618"/>
-            <a:ext cx="518091" cy="292388"/>
+            <a:off x="6744440" y="3373618"/>
+            <a:ext cx="595035" cy="338554"/>
           </a:xfrm>
           <a:prstGeom prst="rect">
             <a:avLst/>
@@ -6027,7 +9937,7 @@
           <a:lstStyle/>
           <a:p>
             <a:r>
-              <a:rPr kumimoji="1" lang="ja-JP" altLang="en-US" baseline="0" dirty="0" err="1" smtClean="0"/>
+              <a:rPr kumimoji="1" lang="ja-JP" altLang="en-US" sz="1600" baseline="0" dirty="0" err="1" smtClean="0"/>
               <a:t>推論</a:t>
             </a:r>
           </a:p>
@@ -6377,7 +10287,7 @@
           <p:nvPr/>
         </p:nvPicPr>
         <p:blipFill>
-          <a:blip r:embed="rId3">
+          <a:blip r:embed="rId4">
             <a:extLst>
               <a:ext uri="{28A0092B-C50C-407E-A947-70E740481C1C}">
                 <a14:useLocalDpi xmlns:a14="http://schemas.microsoft.com/office/drawing/2010/main" val="0"/>
@@ -6412,7 +10322,7 @@
           <p:nvPr/>
         </p:nvPicPr>
         <p:blipFill>
-          <a:blip r:embed="rId4">
+          <a:blip r:embed="rId5">
             <a:extLst>
               <a:ext uri="{28A0092B-C50C-407E-A947-70E740481C1C}">
                 <a14:useLocalDpi xmlns:a14="http://schemas.microsoft.com/office/drawing/2010/main" val="0"/>
@@ -6555,7 +10465,7 @@
           <p:nvPr/>
         </p:nvPicPr>
         <p:blipFill>
-          <a:blip r:embed="rId2">
+          <a:blip r:embed="rId3">
             <a:extLst>
               <a:ext uri="{28A0092B-C50C-407E-A947-70E740481C1C}">
                 <a14:useLocalDpi xmlns:a14="http://schemas.microsoft.com/office/drawing/2010/main" val="0"/>
@@ -7329,7 +11239,7 @@
           <p:nvPr/>
         </p:nvPicPr>
         <p:blipFill>
-          <a:blip r:embed="rId2">
+          <a:blip r:embed="rId3">
             <a:extLst>
               <a:ext uri="{28A0092B-C50C-407E-A947-70E740481C1C}">
                 <a14:useLocalDpi xmlns:a14="http://schemas.microsoft.com/office/drawing/2010/main" val="0"/>
@@ -7359,7 +11269,7 @@
           <p:nvPr/>
         </p:nvPicPr>
         <p:blipFill>
-          <a:blip r:embed="rId3">
+          <a:blip r:embed="rId4">
             <a:extLst>
               <a:ext uri="{28A0092B-C50C-407E-A947-70E740481C1C}">
                 <a14:useLocalDpi xmlns:a14="http://schemas.microsoft.com/office/drawing/2010/main" val="0"/>
@@ -7631,7 +11541,7 @@
         <p:spPr>
           <a:xfrm>
             <a:off x="869741" y="6373867"/>
-            <a:ext cx="1481652" cy="292388"/>
+            <a:ext cx="1527970" cy="292388"/>
           </a:xfrm>
           <a:prstGeom prst="rect">
             <a:avLst/>
@@ -7646,7 +11556,7 @@
           <a:p>
             <a:r>
               <a:rPr kumimoji="1" lang="pl-PL" altLang="ja-JP" baseline="0" dirty="0" err="1"/>
-              <a:t>[Le 2012]</a:t>
+              <a:t>[Le, 2012]</a:t>
             </a:r>
             <a:r>
               <a:rPr kumimoji="1" lang="ja-JP" altLang="en-US" baseline="0" dirty="0" err="1"/>
@@ -7665,7 +11575,7 @@
           <p:nvPr/>
         </p:nvPicPr>
         <p:blipFill>
-          <a:blip r:embed="rId4">
+          <a:blip r:embed="rId5">
             <a:extLst>
               <a:ext uri="{28A0092B-C50C-407E-A947-70E740481C1C}">
                 <a14:useLocalDpi xmlns:a14="http://schemas.microsoft.com/office/drawing/2010/main" val="0"/>
@@ -10959,7 +14869,7 @@
           <p:nvPr/>
         </p:nvPicPr>
         <p:blipFill>
-          <a:blip r:embed="rId2">
+          <a:blip r:embed="rId3">
             <a:extLst>
               <a:ext uri="{28A0092B-C50C-407E-A947-70E740481C1C}">
                 <a14:useLocalDpi xmlns:a14="http://schemas.microsoft.com/office/drawing/2010/main" val="0"/>
@@ -11008,7 +14918,7 @@
             </a:r>
             <a:r>
               <a:rPr lang="en-US" altLang="ja-JP" baseline="0">
-                <a:hlinkClick r:id="rId3"/>
+                <a:hlinkClick r:id="rId4"/>
               </a:rPr>
               <a:t>https://bitbucket.org/</a:t>
             </a:r>
@@ -11033,7 +14943,7 @@
           <p:nvPr/>
         </p:nvPicPr>
         <p:blipFill>
-          <a:blip r:embed="rId4">
+          <a:blip r:embed="rId5">
             <a:extLst>
               <a:ext uri="{28A0092B-C50C-407E-A947-70E740481C1C}">
                 <a14:useLocalDpi xmlns:a14="http://schemas.microsoft.com/office/drawing/2010/main" val="0"/>
@@ -12540,7 +16450,7 @@
           <p:nvPr/>
         </p:nvPicPr>
         <p:blipFill>
-          <a:blip r:embed="rId2">
+          <a:blip r:embed="rId3">
             <a:extLst>
               <a:ext uri="{28A0092B-C50C-407E-A947-70E740481C1C}">
                 <a14:useLocalDpi xmlns:a14="http://schemas.microsoft.com/office/drawing/2010/main" val="0"/>
@@ -15269,7 +19179,7 @@
           <p:nvPr/>
         </p:nvPicPr>
         <p:blipFill>
-          <a:blip r:embed="rId2">
+          <a:blip r:embed="rId3">
             <a:extLst>
               <a:ext uri="{28A0092B-C50C-407E-A947-70E740481C1C}">
                 <a14:useLocalDpi xmlns:a14="http://schemas.microsoft.com/office/drawing/2010/main" val="0"/>
@@ -15304,7 +19214,7 @@
           <p:nvPr/>
         </p:nvPicPr>
         <p:blipFill>
-          <a:blip r:embed="rId3">
+          <a:blip r:embed="rId4">
             <a:extLst>
               <a:ext uri="{28A0092B-C50C-407E-A947-70E740481C1C}">
                 <a14:useLocalDpi xmlns:a14="http://schemas.microsoft.com/office/drawing/2010/main" val="0"/>
@@ -21940,7 +25850,7 @@
           <a:p>
             <a:r>
               <a:rPr kumimoji="1" lang="pl-PL" altLang="ja-JP" baseline="0" dirty="0" err="1">
-                <a:hlinkClick r:id="rId2"/>
+                <a:hlinkClick r:id="rId3"/>
               </a:rPr>
               <a:t>http://www.amazon.co.jp</a:t>
             </a:r>
@@ -21965,7 +25875,7 @@
           <p:nvPr/>
         </p:nvPicPr>
         <p:blipFill>
-          <a:blip r:embed="rId3">
+          <a:blip r:embed="rId4">
             <a:extLst>
               <a:ext uri="{28A0092B-C50C-407E-A947-70E740481C1C}">
                 <a14:useLocalDpi xmlns:a14="http://schemas.microsoft.com/office/drawing/2010/main" val="0"/>
@@ -22085,7 +25995,7 @@
           <p:nvPr/>
         </p:nvPicPr>
         <p:blipFill>
-          <a:blip r:embed="rId4">
+          <a:blip r:embed="rId5">
             <a:extLst>
               <a:ext uri="{28A0092B-C50C-407E-A947-70E740481C1C}">
                 <a14:useLocalDpi xmlns:a14="http://schemas.microsoft.com/office/drawing/2010/main" val="0"/>
@@ -22704,7 +26614,7 @@
           <p:nvPr/>
         </p:nvPicPr>
         <p:blipFill>
-          <a:blip r:embed="rId2">
+          <a:blip r:embed="rId3">
             <a:extLst>
               <a:ext uri="{28A0092B-C50C-407E-A947-70E740481C1C}">
                 <a14:useLocalDpi xmlns:a14="http://schemas.microsoft.com/office/drawing/2010/main" val="0"/>
@@ -23941,7 +27851,7 @@
           <p:nvPr/>
         </p:nvPicPr>
         <p:blipFill>
-          <a:blip r:embed="rId2">
+          <a:blip r:embed="rId3">
             <a:extLst>
               <a:ext uri="{28A0092B-C50C-407E-A947-70E740481C1C}">
                 <a14:useLocalDpi xmlns:a14="http://schemas.microsoft.com/office/drawing/2010/main" val="0"/>
@@ -24471,7 +28381,7 @@
           <p:nvPr/>
         </p:nvPicPr>
         <p:blipFill>
-          <a:blip r:embed="rId2">
+          <a:blip r:embed="rId3">
             <a:extLst>
               <a:ext uri="{28A0092B-C50C-407E-A947-70E740481C1C}">
                 <a14:useLocalDpi xmlns:a14="http://schemas.microsoft.com/office/drawing/2010/main" val="0"/>
@@ -24793,351 +28703,6 @@
       <p:pic>
         <p:nvPicPr>
           <p:cNvPr id="30" name="図 29" descr="y_vector.png"/>
-          <p:cNvPicPr>
-            <a:picLocks noChangeAspect="1"/>
-          </p:cNvPicPr>
-          <p:nvPr/>
-        </p:nvPicPr>
-        <p:blipFill>
-          <a:blip r:embed="rId3">
-            <a:extLst>
-              <a:ext uri="{28A0092B-C50C-407E-A947-70E740481C1C}">
-                <a14:useLocalDpi xmlns:a14="http://schemas.microsoft.com/office/drawing/2010/main" val="0"/>
-              </a:ext>
-            </a:extLst>
-          </a:blip>
-          <a:stretch>
-            <a:fillRect/>
-          </a:stretch>
-        </p:blipFill>
-        <p:spPr>
-          <a:xfrm>
-            <a:off x="7354481" y="2968010"/>
-            <a:ext cx="1145246" cy="1925198"/>
-          </a:xfrm>
-          <a:prstGeom prst="rect">
-            <a:avLst/>
-          </a:prstGeom>
-        </p:spPr>
-      </p:pic>
-      <p:sp>
-        <p:nvSpPr>
-          <p:cNvPr id="32" name="角丸四角形 31"/>
-          <p:cNvSpPr/>
-          <p:nvPr/>
-        </p:nvSpPr>
-        <p:spPr bwMode="auto">
-          <a:xfrm>
-            <a:off x="7338921" y="5227443"/>
-            <a:ext cx="1069424" cy="721948"/>
-          </a:xfrm>
-          <a:prstGeom prst="roundRect">
-            <a:avLst/>
-          </a:prstGeom>
-          <a:solidFill>
-            <a:schemeClr val="bg1"/>
-          </a:solidFill>
-          <a:ln w="9525" cap="flat" cmpd="sng" algn="ctr">
-            <a:solidFill>
-              <a:schemeClr val="tx1"/>
-            </a:solidFill>
-            <a:prstDash val="solid"/>
-            <a:round/>
-            <a:headEnd type="none" w="med" len="med"/>
-            <a:tailEnd type="none" w="med" len="med"/>
-          </a:ln>
-          <a:effectLst/>
-        </p:spPr>
-        <p:txBody>
-          <a:bodyPr vert="horz" wrap="square" lIns="91440" tIns="45720" rIns="91440" bIns="45720" numCol="1" rtlCol="0" anchor="ctr" anchorCtr="0" compatLnSpc="1">
-            <a:prstTxWarp prst="textNoShape">
-              <a:avLst/>
-            </a:prstTxWarp>
-          </a:bodyPr>
-          <a:lstStyle/>
-          <a:p>
-            <a:pPr marL="0" marR="0" indent="0" algn="ctr" defTabSz="914400" rtl="0" eaLnBrk="1" fontAlgn="base" latinLnBrk="0" hangingPunct="1">
-              <a:lnSpc>
-                <a:spcPct val="100000"/>
-              </a:lnSpc>
-              <a:spcBef>
-                <a:spcPct val="0"/>
-              </a:spcBef>
-              <a:spcAft>
-                <a:spcPct val="0"/>
-              </a:spcAft>
-              <a:buClrTx/>
-              <a:buSzTx/>
-              <a:buFontTx/>
-              <a:buNone/>
-              <a:tabLst/>
-            </a:pPr>
-            <a:r>
-              <a:rPr kumimoji="0" lang="ja-JP" altLang="en-US" sz="1300" b="0" i="0" u="none" strike="noStrike" cap="none" normalizeH="0" baseline="0" dirty="0" err="1" smtClean="0">
-                <a:ln>
-                  <a:noFill/>
-                </a:ln>
-                <a:solidFill>
-                  <a:schemeClr val="tx1"/>
-                </a:solidFill>
-                <a:effectLst/>
-                <a:latin typeface="Arial" pitchFamily="34" charset="0"/>
-                <a:ea typeface="ＭＳ Ｐゴシック" pitchFamily="50" charset="-128"/>
-              </a:rPr>
-              <a:t>家である</a:t>
-            </a:r>
-            <a:endParaRPr kumimoji="0" lang="en-US" altLang="ja-JP" sz="1300" b="0" i="0" u="none" strike="noStrike" cap="none" normalizeH="0" baseline="0" dirty="0" err="1" smtClean="0">
-              <a:ln>
-                <a:noFill/>
-              </a:ln>
-              <a:solidFill>
-                <a:schemeClr val="tx1"/>
-              </a:solidFill>
-              <a:effectLst/>
-              <a:latin typeface="Arial" pitchFamily="34" charset="0"/>
-              <a:ea typeface="ＭＳ Ｐゴシック" pitchFamily="50" charset="-128"/>
-            </a:endParaRPr>
-          </a:p>
-          <a:p>
-            <a:pPr marL="0" marR="0" indent="0" algn="ctr" defTabSz="914400" rtl="0" eaLnBrk="1" fontAlgn="base" latinLnBrk="0" hangingPunct="1">
-              <a:lnSpc>
-                <a:spcPct val="100000"/>
-              </a:lnSpc>
-              <a:spcBef>
-                <a:spcPct val="0"/>
-              </a:spcBef>
-              <a:spcAft>
-                <a:spcPct val="0"/>
-              </a:spcAft>
-              <a:buClrTx/>
-              <a:buSzTx/>
-              <a:buFontTx/>
-              <a:buNone/>
-              <a:tabLst/>
-            </a:pPr>
-            <a:r>
-              <a:rPr lang="en-US" altLang="ja-JP" baseline="0" dirty="0" err="1">
-                <a:latin typeface="Arial" pitchFamily="34" charset="0"/>
-                <a:ea typeface="ＭＳ Ｐゴシック" pitchFamily="50" charset="-128"/>
-              </a:rPr>
-              <a:t>or</a:t>
-            </a:r>
-          </a:p>
-          <a:p>
-            <a:pPr marL="0" marR="0" indent="0" algn="ctr" defTabSz="914400" rtl="0" eaLnBrk="1" fontAlgn="base" latinLnBrk="0" hangingPunct="1">
-              <a:lnSpc>
-                <a:spcPct val="100000"/>
-              </a:lnSpc>
-              <a:spcBef>
-                <a:spcPct val="0"/>
-              </a:spcBef>
-              <a:spcAft>
-                <a:spcPct val="0"/>
-              </a:spcAft>
-              <a:buClrTx/>
-              <a:buSzTx/>
-              <a:buFontTx/>
-              <a:buNone/>
-              <a:tabLst/>
-            </a:pPr>
-            <a:r>
-              <a:rPr kumimoji="0" lang="ja-JP" altLang="en-US" sz="1300" b="0" i="0" u="none" strike="noStrike" cap="none" normalizeH="0" baseline="0" dirty="0" err="1" smtClean="0">
-                <a:ln>
-                  <a:noFill/>
-                </a:ln>
-                <a:solidFill>
-                  <a:schemeClr val="tx1"/>
-                </a:solidFill>
-                <a:effectLst/>
-                <a:latin typeface="Arial" pitchFamily="34" charset="0"/>
-                <a:ea typeface="ＭＳ Ｐゴシック" pitchFamily="50" charset="-128"/>
-              </a:rPr>
-              <a:t>家でない</a:t>
-            </a:r>
-          </a:p>
-        </p:txBody>
-      </p:sp>
-      <p:cxnSp>
-        <p:nvCxnSpPr>
-          <p:cNvPr id="34" name="直線コネクタ 33"/>
-          <p:cNvCxnSpPr>
-            <a:stCxn id="30" idx="2"/>
-            <a:endCxn id="32" idx="0"/>
-          </p:cNvCxnSpPr>
-          <p:nvPr/>
-        </p:nvCxnSpPr>
-        <p:spPr bwMode="auto">
-          <a:xfrm flipH="1">
-            <a:off x="7873633" y="4893208"/>
-            <a:ext cx="53471" cy="334235"/>
-          </a:xfrm>
-          <a:prstGeom prst="line">
-            <a:avLst/>
-          </a:prstGeom>
-          <a:solidFill>
-            <a:schemeClr val="accent1"/>
-          </a:solidFill>
-          <a:ln w="9525" cap="flat" cmpd="sng" algn="ctr">
-            <a:solidFill>
-              <a:schemeClr val="tx1"/>
-            </a:solidFill>
-            <a:prstDash val="sysDot"/>
-            <a:round/>
-            <a:headEnd type="none" w="med" len="med"/>
-            <a:tailEnd type="none" w="med" len="med"/>
-          </a:ln>
-          <a:effectLst/>
-        </p:spPr>
-      </p:cxnSp>
-      <p:sp>
-        <p:nvSpPr>
-          <p:cNvPr id="35" name="テキスト ボックス 34"/>
-          <p:cNvSpPr txBox="1"/>
-          <p:nvPr/>
-        </p:nvSpPr>
-        <p:spPr>
-          <a:xfrm>
-            <a:off x="5307014" y="5788958"/>
-            <a:ext cx="1342291" cy="292388"/>
-          </a:xfrm>
-          <a:prstGeom prst="rect">
-            <a:avLst/>
-          </a:prstGeom>
-          <a:noFill/>
-        </p:spPr>
-        <p:txBody>
-          <a:bodyPr wrap="none" rtlCol="0">
-            <a:spAutoFit/>
-          </a:bodyPr>
-          <a:lstStyle/>
-          <a:p>
-            <a:r>
-              <a:rPr kumimoji="1" lang="en-US" altLang="ja-JP" baseline="0" dirty="0" err="1" smtClean="0"/>
-              <a:t>(</a:t>
-            </a:r>
-            <a:r>
-              <a:rPr kumimoji="1" lang="ja-JP" altLang="en-US" baseline="0" dirty="0" err="1" smtClean="0"/>
-              <a:t>例</a:t>
-            </a:r>
-            <a:r>
-              <a:rPr kumimoji="1" lang="en-US" altLang="ja-JP" baseline="0" dirty="0" err="1" smtClean="0"/>
-              <a:t>)HOG</a:t>
-            </a:r>
-            <a:r>
-              <a:rPr kumimoji="1" lang="ja-JP" altLang="en-US" baseline="0" dirty="0" err="1" smtClean="0"/>
-              <a:t>特徴量</a:t>
-            </a:r>
-          </a:p>
-        </p:txBody>
-      </p:sp>
-      <p:sp>
-        <p:nvSpPr>
-          <p:cNvPr id="36" name="テキスト ボックス 35"/>
-          <p:cNvSpPr txBox="1"/>
-          <p:nvPr/>
-        </p:nvSpPr>
-        <p:spPr>
-          <a:xfrm>
-            <a:off x="869741" y="6373867"/>
-            <a:ext cx="1787400" cy="292388"/>
-          </a:xfrm>
-          <a:prstGeom prst="rect">
-            <a:avLst/>
-          </a:prstGeom>
-          <a:noFill/>
-        </p:spPr>
-        <p:txBody>
-          <a:bodyPr wrap="none" rtlCol="0">
-            <a:spAutoFit/>
-          </a:bodyPr>
-          <a:lstStyle/>
-          <a:p>
-            <a:r>
-              <a:rPr kumimoji="1" lang="pl-PL" altLang="ja-JP" baseline="0" dirty="0" err="1"/>
-              <a:t>[Lowe, 2004] </a:t>
-            </a:r>
-            <a:r>
-              <a:rPr kumimoji="1" lang="ja-JP" altLang="en-US" baseline="0" dirty="0" err="1"/>
-              <a:t>より引用</a:t>
-            </a:r>
-            <a:endParaRPr kumimoji="1" lang="ja-JP" altLang="en-US" baseline="0" dirty="0" err="1" smtClean="0"/>
-          </a:p>
-        </p:txBody>
-      </p:sp>
-      <p:sp>
-        <p:nvSpPr>
-          <p:cNvPr id="37" name="テキスト ボックス 36"/>
-          <p:cNvSpPr txBox="1"/>
-          <p:nvPr/>
-        </p:nvSpPr>
-        <p:spPr>
-          <a:xfrm>
-            <a:off x="748596" y="4839735"/>
-            <a:ext cx="2082621" cy="1292662"/>
-          </a:xfrm>
-          <a:prstGeom prst="rect">
-            <a:avLst/>
-          </a:prstGeom>
-          <a:noFill/>
-        </p:spPr>
-        <p:txBody>
-          <a:bodyPr wrap="none" rtlCol="0">
-            <a:spAutoFit/>
-          </a:bodyPr>
-          <a:lstStyle/>
-          <a:p>
-            <a:r>
-              <a:rPr kumimoji="1" lang="ja-JP" altLang="en-US" baseline="0" dirty="0" err="1" smtClean="0"/>
-              <a:t>素性</a:t>
-            </a:r>
-            <a:r>
-              <a:rPr kumimoji="1" lang="en-US" altLang="ja-JP" baseline="0" dirty="0" err="1"/>
-              <a:t> : </a:t>
-            </a:r>
-            <a:endParaRPr kumimoji="1" lang="ja-JP" altLang="en-US" baseline="0" dirty="0" err="1"/>
-          </a:p>
-          <a:p>
-            <a:r>
-              <a:rPr kumimoji="1" lang="ja-JP" altLang="en-US" baseline="0" dirty="0" err="1"/>
-              <a:t>データの特徴を表現する値</a:t>
-            </a:r>
-            <a:endParaRPr kumimoji="1" lang="en-US" altLang="ja-JP" baseline="0" dirty="0" err="1"/>
-          </a:p>
-          <a:p>
-            <a:r>
-              <a:rPr kumimoji="1" lang="ja-JP" altLang="en-US" baseline="0" dirty="0" err="1"/>
-              <a:t>特徴量とも呼ぶ</a:t>
-            </a:r>
-          </a:p>
-          <a:p>
-            <a:r>
-              <a:rPr kumimoji="1" lang="ja-JP" altLang="en-US" baseline="0" dirty="0" err="1" smtClean="0"/>
-              <a:t>モデル</a:t>
-            </a:r>
-            <a:r>
-              <a:rPr kumimoji="1" lang="en-US" altLang="ja-JP" baseline="0" dirty="0" err="1" smtClean="0"/>
-              <a:t> : </a:t>
-            </a:r>
-            <a:endParaRPr kumimoji="1" lang="ja-JP" altLang="en-US" baseline="0" dirty="0" err="1" smtClean="0"/>
-          </a:p>
-          <a:p>
-            <a:r>
-              <a:rPr kumimoji="1" lang="ja-JP" altLang="en-US" baseline="0" dirty="0" err="1"/>
-              <a:t>素性から知識を導くための</a:t>
-            </a:r>
-          </a:p>
-          <a:p>
-            <a:r>
-              <a:rPr kumimoji="1" lang="ja-JP" altLang="en-US" baseline="0" dirty="0" err="1"/>
-              <a:t>数式・アルゴリズムの総称</a:t>
-            </a:r>
-            <a:endParaRPr kumimoji="1" lang="ja-JP" altLang="en-US" baseline="0" dirty="0" err="1" smtClean="0"/>
-          </a:p>
-        </p:txBody>
-      </p:sp>
-      <p:pic>
-        <p:nvPicPr>
-          <p:cNvPr id="31" name="図 30" descr="hog_digit.PNG"/>
           <p:cNvPicPr>
             <a:picLocks noChangeAspect="1"/>
           </p:cNvPicPr>
@@ -25157,6 +28722,351 @@
         </p:blipFill>
         <p:spPr>
           <a:xfrm>
+            <a:off x="7354481" y="2968010"/>
+            <a:ext cx="1145246" cy="1925198"/>
+          </a:xfrm>
+          <a:prstGeom prst="rect">
+            <a:avLst/>
+          </a:prstGeom>
+        </p:spPr>
+      </p:pic>
+      <p:sp>
+        <p:nvSpPr>
+          <p:cNvPr id="32" name="角丸四角形 31"/>
+          <p:cNvSpPr/>
+          <p:nvPr/>
+        </p:nvSpPr>
+        <p:spPr bwMode="auto">
+          <a:xfrm>
+            <a:off x="7338921" y="5227443"/>
+            <a:ext cx="1069424" cy="721948"/>
+          </a:xfrm>
+          <a:prstGeom prst="roundRect">
+            <a:avLst/>
+          </a:prstGeom>
+          <a:solidFill>
+            <a:schemeClr val="bg1"/>
+          </a:solidFill>
+          <a:ln w="9525" cap="flat" cmpd="sng" algn="ctr">
+            <a:solidFill>
+              <a:schemeClr val="tx1"/>
+            </a:solidFill>
+            <a:prstDash val="solid"/>
+            <a:round/>
+            <a:headEnd type="none" w="med" len="med"/>
+            <a:tailEnd type="none" w="med" len="med"/>
+          </a:ln>
+          <a:effectLst/>
+        </p:spPr>
+        <p:txBody>
+          <a:bodyPr vert="horz" wrap="square" lIns="91440" tIns="45720" rIns="91440" bIns="45720" numCol="1" rtlCol="0" anchor="ctr" anchorCtr="0" compatLnSpc="1">
+            <a:prstTxWarp prst="textNoShape">
+              <a:avLst/>
+            </a:prstTxWarp>
+          </a:bodyPr>
+          <a:lstStyle/>
+          <a:p>
+            <a:pPr marL="0" marR="0" indent="0" algn="ctr" defTabSz="914400" rtl="0" eaLnBrk="1" fontAlgn="base" latinLnBrk="0" hangingPunct="1">
+              <a:lnSpc>
+                <a:spcPct val="100000"/>
+              </a:lnSpc>
+              <a:spcBef>
+                <a:spcPct val="0"/>
+              </a:spcBef>
+              <a:spcAft>
+                <a:spcPct val="0"/>
+              </a:spcAft>
+              <a:buClrTx/>
+              <a:buSzTx/>
+              <a:buFontTx/>
+              <a:buNone/>
+              <a:tabLst/>
+            </a:pPr>
+            <a:r>
+              <a:rPr kumimoji="0" lang="ja-JP" altLang="en-US" sz="1300" b="0" i="0" u="none" strike="noStrike" cap="none" normalizeH="0" baseline="0" dirty="0" err="1" smtClean="0">
+                <a:ln>
+                  <a:noFill/>
+                </a:ln>
+                <a:solidFill>
+                  <a:schemeClr val="tx1"/>
+                </a:solidFill>
+                <a:effectLst/>
+                <a:latin typeface="Arial" pitchFamily="34" charset="0"/>
+                <a:ea typeface="ＭＳ Ｐゴシック" pitchFamily="50" charset="-128"/>
+              </a:rPr>
+              <a:t>家である</a:t>
+            </a:r>
+            <a:endParaRPr kumimoji="0" lang="en-US" altLang="ja-JP" sz="1300" b="0" i="0" u="none" strike="noStrike" cap="none" normalizeH="0" baseline="0" dirty="0" err="1" smtClean="0">
+              <a:ln>
+                <a:noFill/>
+              </a:ln>
+              <a:solidFill>
+                <a:schemeClr val="tx1"/>
+              </a:solidFill>
+              <a:effectLst/>
+              <a:latin typeface="Arial" pitchFamily="34" charset="0"/>
+              <a:ea typeface="ＭＳ Ｐゴシック" pitchFamily="50" charset="-128"/>
+            </a:endParaRPr>
+          </a:p>
+          <a:p>
+            <a:pPr marL="0" marR="0" indent="0" algn="ctr" defTabSz="914400" rtl="0" eaLnBrk="1" fontAlgn="base" latinLnBrk="0" hangingPunct="1">
+              <a:lnSpc>
+                <a:spcPct val="100000"/>
+              </a:lnSpc>
+              <a:spcBef>
+                <a:spcPct val="0"/>
+              </a:spcBef>
+              <a:spcAft>
+                <a:spcPct val="0"/>
+              </a:spcAft>
+              <a:buClrTx/>
+              <a:buSzTx/>
+              <a:buFontTx/>
+              <a:buNone/>
+              <a:tabLst/>
+            </a:pPr>
+            <a:r>
+              <a:rPr lang="en-US" altLang="ja-JP" baseline="0" dirty="0" err="1">
+                <a:latin typeface="Arial" pitchFamily="34" charset="0"/>
+                <a:ea typeface="ＭＳ Ｐゴシック" pitchFamily="50" charset="-128"/>
+              </a:rPr>
+              <a:t>or</a:t>
+            </a:r>
+          </a:p>
+          <a:p>
+            <a:pPr marL="0" marR="0" indent="0" algn="ctr" defTabSz="914400" rtl="0" eaLnBrk="1" fontAlgn="base" latinLnBrk="0" hangingPunct="1">
+              <a:lnSpc>
+                <a:spcPct val="100000"/>
+              </a:lnSpc>
+              <a:spcBef>
+                <a:spcPct val="0"/>
+              </a:spcBef>
+              <a:spcAft>
+                <a:spcPct val="0"/>
+              </a:spcAft>
+              <a:buClrTx/>
+              <a:buSzTx/>
+              <a:buFontTx/>
+              <a:buNone/>
+              <a:tabLst/>
+            </a:pPr>
+            <a:r>
+              <a:rPr kumimoji="0" lang="ja-JP" altLang="en-US" sz="1300" b="0" i="0" u="none" strike="noStrike" cap="none" normalizeH="0" baseline="0" dirty="0" err="1" smtClean="0">
+                <a:ln>
+                  <a:noFill/>
+                </a:ln>
+                <a:solidFill>
+                  <a:schemeClr val="tx1"/>
+                </a:solidFill>
+                <a:effectLst/>
+                <a:latin typeface="Arial" pitchFamily="34" charset="0"/>
+                <a:ea typeface="ＭＳ Ｐゴシック" pitchFamily="50" charset="-128"/>
+              </a:rPr>
+              <a:t>家でない</a:t>
+            </a:r>
+          </a:p>
+        </p:txBody>
+      </p:sp>
+      <p:cxnSp>
+        <p:nvCxnSpPr>
+          <p:cNvPr id="34" name="直線コネクタ 33"/>
+          <p:cNvCxnSpPr>
+            <a:stCxn id="30" idx="2"/>
+            <a:endCxn id="32" idx="0"/>
+          </p:cNvCxnSpPr>
+          <p:nvPr/>
+        </p:nvCxnSpPr>
+        <p:spPr bwMode="auto">
+          <a:xfrm flipH="1">
+            <a:off x="7873633" y="4893208"/>
+            <a:ext cx="53471" cy="334235"/>
+          </a:xfrm>
+          <a:prstGeom prst="line">
+            <a:avLst/>
+          </a:prstGeom>
+          <a:solidFill>
+            <a:schemeClr val="accent1"/>
+          </a:solidFill>
+          <a:ln w="9525" cap="flat" cmpd="sng" algn="ctr">
+            <a:solidFill>
+              <a:schemeClr val="tx1"/>
+            </a:solidFill>
+            <a:prstDash val="sysDot"/>
+            <a:round/>
+            <a:headEnd type="none" w="med" len="med"/>
+            <a:tailEnd type="none" w="med" len="med"/>
+          </a:ln>
+          <a:effectLst/>
+        </p:spPr>
+      </p:cxnSp>
+      <p:sp>
+        <p:nvSpPr>
+          <p:cNvPr id="35" name="テキスト ボックス 34"/>
+          <p:cNvSpPr txBox="1"/>
+          <p:nvPr/>
+        </p:nvSpPr>
+        <p:spPr>
+          <a:xfrm>
+            <a:off x="5307014" y="5788958"/>
+            <a:ext cx="1342291" cy="292388"/>
+          </a:xfrm>
+          <a:prstGeom prst="rect">
+            <a:avLst/>
+          </a:prstGeom>
+          <a:noFill/>
+        </p:spPr>
+        <p:txBody>
+          <a:bodyPr wrap="none" rtlCol="0">
+            <a:spAutoFit/>
+          </a:bodyPr>
+          <a:lstStyle/>
+          <a:p>
+            <a:r>
+              <a:rPr kumimoji="1" lang="en-US" altLang="ja-JP" baseline="0" dirty="0" err="1" smtClean="0"/>
+              <a:t>(</a:t>
+            </a:r>
+            <a:r>
+              <a:rPr kumimoji="1" lang="ja-JP" altLang="en-US" baseline="0" dirty="0" err="1" smtClean="0"/>
+              <a:t>例</a:t>
+            </a:r>
+            <a:r>
+              <a:rPr kumimoji="1" lang="en-US" altLang="ja-JP" baseline="0" dirty="0" err="1" smtClean="0"/>
+              <a:t>)HOG</a:t>
+            </a:r>
+            <a:r>
+              <a:rPr kumimoji="1" lang="ja-JP" altLang="en-US" baseline="0" dirty="0" err="1" smtClean="0"/>
+              <a:t>特徴量</a:t>
+            </a:r>
+          </a:p>
+        </p:txBody>
+      </p:sp>
+      <p:sp>
+        <p:nvSpPr>
+          <p:cNvPr id="36" name="テキスト ボックス 35"/>
+          <p:cNvSpPr txBox="1"/>
+          <p:nvPr/>
+        </p:nvSpPr>
+        <p:spPr>
+          <a:xfrm>
+            <a:off x="869741" y="6373867"/>
+            <a:ext cx="1787400" cy="292388"/>
+          </a:xfrm>
+          <a:prstGeom prst="rect">
+            <a:avLst/>
+          </a:prstGeom>
+          <a:noFill/>
+        </p:spPr>
+        <p:txBody>
+          <a:bodyPr wrap="none" rtlCol="0">
+            <a:spAutoFit/>
+          </a:bodyPr>
+          <a:lstStyle/>
+          <a:p>
+            <a:r>
+              <a:rPr kumimoji="1" lang="pl-PL" altLang="ja-JP" baseline="0" dirty="0" err="1"/>
+              <a:t>[Lowe, 2004] </a:t>
+            </a:r>
+            <a:r>
+              <a:rPr kumimoji="1" lang="ja-JP" altLang="en-US" baseline="0" dirty="0" err="1"/>
+              <a:t>より引用</a:t>
+            </a:r>
+            <a:endParaRPr kumimoji="1" lang="ja-JP" altLang="en-US" baseline="0" dirty="0" err="1" smtClean="0"/>
+          </a:p>
+        </p:txBody>
+      </p:sp>
+      <p:sp>
+        <p:nvSpPr>
+          <p:cNvPr id="37" name="テキスト ボックス 36"/>
+          <p:cNvSpPr txBox="1"/>
+          <p:nvPr/>
+        </p:nvSpPr>
+        <p:spPr>
+          <a:xfrm>
+            <a:off x="748596" y="4839735"/>
+            <a:ext cx="2082621" cy="1292662"/>
+          </a:xfrm>
+          <a:prstGeom prst="rect">
+            <a:avLst/>
+          </a:prstGeom>
+          <a:noFill/>
+        </p:spPr>
+        <p:txBody>
+          <a:bodyPr wrap="none" rtlCol="0">
+            <a:spAutoFit/>
+          </a:bodyPr>
+          <a:lstStyle/>
+          <a:p>
+            <a:r>
+              <a:rPr kumimoji="1" lang="ja-JP" altLang="en-US" baseline="0" dirty="0" err="1" smtClean="0"/>
+              <a:t>素性</a:t>
+            </a:r>
+            <a:r>
+              <a:rPr kumimoji="1" lang="en-US" altLang="ja-JP" baseline="0" dirty="0" err="1"/>
+              <a:t> : </a:t>
+            </a:r>
+            <a:endParaRPr kumimoji="1" lang="ja-JP" altLang="en-US" baseline="0" dirty="0" err="1"/>
+          </a:p>
+          <a:p>
+            <a:r>
+              <a:rPr kumimoji="1" lang="ja-JP" altLang="en-US" baseline="0" dirty="0" err="1"/>
+              <a:t>データの特徴を表現する値</a:t>
+            </a:r>
+            <a:endParaRPr kumimoji="1" lang="en-US" altLang="ja-JP" baseline="0" dirty="0" err="1"/>
+          </a:p>
+          <a:p>
+            <a:r>
+              <a:rPr kumimoji="1" lang="ja-JP" altLang="en-US" baseline="0" dirty="0" err="1"/>
+              <a:t>特徴量とも呼ぶ</a:t>
+            </a:r>
+          </a:p>
+          <a:p>
+            <a:r>
+              <a:rPr kumimoji="1" lang="ja-JP" altLang="en-US" baseline="0" dirty="0" err="1" smtClean="0"/>
+              <a:t>モデル</a:t>
+            </a:r>
+            <a:r>
+              <a:rPr kumimoji="1" lang="en-US" altLang="ja-JP" baseline="0" dirty="0" err="1" smtClean="0"/>
+              <a:t> : </a:t>
+            </a:r>
+            <a:endParaRPr kumimoji="1" lang="ja-JP" altLang="en-US" baseline="0" dirty="0" err="1" smtClean="0"/>
+          </a:p>
+          <a:p>
+            <a:r>
+              <a:rPr kumimoji="1" lang="ja-JP" altLang="en-US" baseline="0" dirty="0" err="1"/>
+              <a:t>素性から知識を導くための</a:t>
+            </a:r>
+          </a:p>
+          <a:p>
+            <a:r>
+              <a:rPr kumimoji="1" lang="ja-JP" altLang="en-US" baseline="0" dirty="0" err="1"/>
+              <a:t>数式・アルゴリズムの総称</a:t>
+            </a:r>
+            <a:endParaRPr kumimoji="1" lang="ja-JP" altLang="en-US" baseline="0" dirty="0" err="1" smtClean="0"/>
+          </a:p>
+        </p:txBody>
+      </p:sp>
+      <p:pic>
+        <p:nvPicPr>
+          <p:cNvPr id="31" name="図 30" descr="hog_digit.PNG"/>
+          <p:cNvPicPr>
+            <a:picLocks noChangeAspect="1"/>
+          </p:cNvPicPr>
+          <p:nvPr/>
+        </p:nvPicPr>
+        <p:blipFill>
+          <a:blip r:embed="rId5">
+            <a:extLst>
+              <a:ext uri="{28A0092B-C50C-407E-A947-70E740481C1C}">
+                <a14:useLocalDpi xmlns:a14="http://schemas.microsoft.com/office/drawing/2010/main" val="0"/>
+              </a:ext>
+            </a:extLst>
+          </a:blip>
+          <a:stretch>
+            <a:fillRect/>
+          </a:stretch>
+        </p:blipFill>
+        <p:spPr>
+          <a:xfrm>
             <a:off x="702066" y="2955095"/>
             <a:ext cx="1808184" cy="1852286"/>
           </a:xfrm>
@@ -25179,7 +29089,7 @@
           <p:nvPr/>
         </p:nvPicPr>
         <p:blipFill>
-          <a:blip r:embed="rId5">
+          <a:blip r:embed="rId6">
             <a:extLst>
               <a:ext uri="{28A0092B-C50C-407E-A947-70E740481C1C}">
                 <a14:useLocalDpi xmlns:a14="http://schemas.microsoft.com/office/drawing/2010/main" val="0"/>
@@ -25748,7 +29658,7 @@
           <p:nvPr/>
         </p:nvPicPr>
         <p:blipFill>
-          <a:blip r:embed="rId2">
+          <a:blip r:embed="rId3">
             <a:extLst>
               <a:ext uri="{28A0092B-C50C-407E-A947-70E740481C1C}">
                 <a14:useLocalDpi xmlns:a14="http://schemas.microsoft.com/office/drawing/2010/main" val="0"/>
@@ -26045,7 +29955,7 @@
           <p:nvPr/>
         </p:nvPicPr>
         <p:blipFill>
-          <a:blip r:embed="rId3">
+          <a:blip r:embed="rId4">
             <a:extLst>
               <a:ext uri="{28A0092B-C50C-407E-A947-70E740481C1C}">
                 <a14:useLocalDpi xmlns:a14="http://schemas.microsoft.com/office/drawing/2010/main" val="0"/>
@@ -27074,7 +30984,7 @@
           <p:nvPr/>
         </p:nvPicPr>
         <p:blipFill>
-          <a:blip r:embed="rId2">
+          <a:blip r:embed="rId3">
             <a:extLst>
               <a:ext uri="{28A0092B-C50C-407E-A947-70E740481C1C}">
                 <a14:useLocalDpi xmlns:a14="http://schemas.microsoft.com/office/drawing/2010/main" val="0"/>
@@ -27685,7 +31595,7 @@
           <p:nvPr/>
         </p:nvPicPr>
         <p:blipFill>
-          <a:blip r:embed="rId3">
+          <a:blip r:embed="rId4">
             <a:extLst>
               <a:ext uri="{28A0092B-C50C-407E-A947-70E740481C1C}">
                 <a14:useLocalDpi xmlns:a14="http://schemas.microsoft.com/office/drawing/2010/main" val="0"/>
@@ -27715,7 +31625,7 @@
           <p:nvPr/>
         </p:nvPicPr>
         <p:blipFill>
-          <a:blip r:embed="rId4">
+          <a:blip r:embed="rId5">
             <a:extLst>
               <a:ext uri="{28A0092B-C50C-407E-A947-70E740481C1C}">
                 <a14:useLocalDpi xmlns:a14="http://schemas.microsoft.com/office/drawing/2010/main" val="0"/>
@@ -27920,7 +31830,7 @@
           <p:nvPr/>
         </p:nvPicPr>
         <p:blipFill>
-          <a:blip r:embed="rId2">
+          <a:blip r:embed="rId3">
             <a:extLst>
               <a:ext uri="{28A0092B-C50C-407E-A947-70E740481C1C}">
                 <a14:useLocalDpi xmlns:a14="http://schemas.microsoft.com/office/drawing/2010/main" val="0"/>
@@ -27980,7 +31890,7 @@
           <p:nvPr/>
         </p:nvPicPr>
         <p:blipFill>
-          <a:blip r:embed="rId3">
+          <a:blip r:embed="rId4">
             <a:extLst>
               <a:ext uri="{28A0092B-C50C-407E-A947-70E740481C1C}">
                 <a14:useLocalDpi xmlns:a14="http://schemas.microsoft.com/office/drawing/2010/main" val="0"/>
@@ -28468,42 +32378,6 @@
           <p:nvPr/>
         </p:nvPicPr>
         <p:blipFill>
-          <a:blip r:embed="rId2">
-            <a:extLst>
-              <a:ext uri="{28A0092B-C50C-407E-A947-70E740481C1C}">
-                <a14:useLocalDpi xmlns:a14="http://schemas.microsoft.com/office/drawing/2010/main" val="0"/>
-              </a:ext>
-            </a:extLst>
-          </a:blip>
-          <a:stretch>
-            <a:fillRect/>
-          </a:stretch>
-        </p:blipFill>
-        <p:spPr>
-          <a:xfrm>
-            <a:off x="6198625" y="2307604"/>
-            <a:ext cx="2595418" cy="889111"/>
-          </a:xfrm>
-          <a:prstGeom prst="rect">
-            <a:avLst/>
-          </a:prstGeom>
-          <a:ln w="6350" cmpd="sng">
-            <a:solidFill>
-              <a:srgbClr val="000000"/>
-            </a:solidFill>
-            <a:prstDash val="sysDot"/>
-          </a:ln>
-        </p:spPr>
-      </p:pic>
-      <p:pic>
-        <p:nvPicPr>
-          <p:cNvPr id="20" name="図 19" descr="convnet.png"/>
-          <p:cNvPicPr>
-            <a:picLocks noChangeAspect="1"/>
-          </p:cNvPicPr>
-          <p:nvPr/>
-        </p:nvPicPr>
-        <p:blipFill>
           <a:blip r:embed="rId3">
             <a:extLst>
               <a:ext uri="{28A0092B-C50C-407E-A947-70E740481C1C}">
@@ -28517,8 +32391,8 @@
         </p:blipFill>
         <p:spPr>
           <a:xfrm>
-            <a:off x="5715438" y="5176904"/>
-            <a:ext cx="3011308" cy="698039"/>
+            <a:off x="6198625" y="2307604"/>
+            <a:ext cx="2595418" cy="889111"/>
           </a:xfrm>
           <a:prstGeom prst="rect">
             <a:avLst/>
@@ -28533,7 +32407,7 @@
       </p:pic>
       <p:pic>
         <p:nvPicPr>
-          <p:cNvPr id="21" name="図 20" descr="da_pic.png"/>
+          <p:cNvPr id="20" name="図 19" descr="convnet.png"/>
           <p:cNvPicPr>
             <a:picLocks noChangeAspect="1"/>
           </p:cNvPicPr>
@@ -28553,8 +32427,8 @@
         </p:blipFill>
         <p:spPr>
           <a:xfrm>
-            <a:off x="2761132" y="2208862"/>
-            <a:ext cx="3238491" cy="1168397"/>
+            <a:off x="5715438" y="5176904"/>
+            <a:ext cx="3011308" cy="698039"/>
           </a:xfrm>
           <a:prstGeom prst="rect">
             <a:avLst/>
@@ -28569,7 +32443,7 @@
       </p:pic>
       <p:pic>
         <p:nvPicPr>
-          <p:cNvPr id="22" name="図 21" descr="dbn.png"/>
+          <p:cNvPr id="21" name="図 20" descr="da_pic.png"/>
           <p:cNvPicPr>
             <a:picLocks noChangeAspect="1"/>
           </p:cNvPicPr>
@@ -28589,8 +32463,8 @@
         </p:blipFill>
         <p:spPr>
           <a:xfrm>
-            <a:off x="786885" y="4058756"/>
-            <a:ext cx="4272117" cy="1929059"/>
+            <a:off x="2761132" y="2208862"/>
+            <a:ext cx="3238491" cy="1168397"/>
           </a:xfrm>
           <a:prstGeom prst="rect">
             <a:avLst/>
@@ -28605,7 +32479,7 @@
       </p:pic>
       <p:pic>
         <p:nvPicPr>
-          <p:cNvPr id="23" name="図 22" descr="rbm.png"/>
+          <p:cNvPr id="22" name="図 21" descr="dbn.png"/>
           <p:cNvPicPr>
             <a:picLocks noChangeAspect="1"/>
           </p:cNvPicPr>
@@ -28625,6 +32499,42 @@
         </p:blipFill>
         <p:spPr>
           <a:xfrm>
+            <a:off x="786885" y="4058756"/>
+            <a:ext cx="4272117" cy="1929059"/>
+          </a:xfrm>
+          <a:prstGeom prst="rect">
+            <a:avLst/>
+          </a:prstGeom>
+          <a:ln w="6350" cmpd="sng">
+            <a:solidFill>
+              <a:srgbClr val="000000"/>
+            </a:solidFill>
+            <a:prstDash val="sysDot"/>
+          </a:ln>
+        </p:spPr>
+      </p:pic>
+      <p:pic>
+        <p:nvPicPr>
+          <p:cNvPr id="23" name="図 22" descr="rbm.png"/>
+          <p:cNvPicPr>
+            <a:picLocks noChangeAspect="1"/>
+          </p:cNvPicPr>
+          <p:nvPr/>
+        </p:nvPicPr>
+        <p:blipFill>
+          <a:blip r:embed="rId7">
+            <a:extLst>
+              <a:ext uri="{28A0092B-C50C-407E-A947-70E740481C1C}">
+                <a14:useLocalDpi xmlns:a14="http://schemas.microsoft.com/office/drawing/2010/main" val="0"/>
+              </a:ext>
+            </a:extLst>
+          </a:blip>
+          <a:stretch>
+            <a:fillRect/>
+          </a:stretch>
+        </p:blipFill>
+        <p:spPr>
+          <a:xfrm>
             <a:off x="284554" y="2208854"/>
             <a:ext cx="2283712" cy="1051540"/>
           </a:xfrm>
@@ -28712,7 +32622,7 @@
           <p:nvPr/>
         </p:nvPicPr>
         <p:blipFill>
-          <a:blip r:embed="rId7">
+          <a:blip r:embed="rId8">
             <a:extLst>
               <a:ext uri="{28A0092B-C50C-407E-A947-70E740481C1C}">
                 <a14:useLocalDpi xmlns:a14="http://schemas.microsoft.com/office/drawing/2010/main" val="0"/>
@@ -29097,7 +33007,7 @@
           <p:nvPr/>
         </p:nvPicPr>
         <p:blipFill>
-          <a:blip r:embed="rId2" cstate="print">
+          <a:blip r:embed="rId3" cstate="print">
             <a:extLst>
               <a:ext uri="{28A0092B-C50C-407E-A947-70E740481C1C}">
                 <a14:useLocalDpi xmlns:a14="http://schemas.microsoft.com/office/drawing/2010/main" val="0"/>
@@ -29142,7 +33052,7 @@
           <a:p>
             <a:r>
               <a:rPr kumimoji="1" lang="en-US" altLang="ja-JP" baseline="0" dirty="0" err="1">
-                <a:hlinkClick r:id="rId3"/>
+                <a:hlinkClick r:id="rId4"/>
               </a:rPr>
               <a:t>http://cs.nyu.edu/~wanli/dropc/</a:t>
             </a:r>
@@ -29234,7 +33144,7 @@
           <p:nvPr/>
         </p:nvPicPr>
         <p:blipFill>
-          <a:blip r:embed="rId4">
+          <a:blip r:embed="rId5">
             <a:extLst>
               <a:ext uri="{28A0092B-C50C-407E-A947-70E740481C1C}">
                 <a14:useLocalDpi xmlns:a14="http://schemas.microsoft.com/office/drawing/2010/main" val="0"/>
@@ -29264,7 +33174,7 @@
           <p:nvPr/>
         </p:nvPicPr>
         <p:blipFill>
-          <a:blip r:embed="rId5">
+          <a:blip r:embed="rId6">
             <a:extLst>
               <a:ext uri="{28A0092B-C50C-407E-A947-70E740481C1C}">
                 <a14:useLocalDpi xmlns:a14="http://schemas.microsoft.com/office/drawing/2010/main" val="0"/>
@@ -29344,8 +33254,8 @@
         </p:blipFill>
         <p:spPr>
           <a:xfrm>
-            <a:off x="262308" y="1538344"/>
-            <a:ext cx="8519664" cy="4792311"/>
+            <a:off x="605974" y="1538344"/>
+            <a:ext cx="7641986" cy="4298617"/>
           </a:xfrm>
           <a:prstGeom prst="rect">
             <a:avLst/>
@@ -29369,8 +33279,17 @@
           <a:p>
             <a:r>
               <a:rPr kumimoji="1" lang="ja-JP" altLang="en-US"/>
-              <a:t>人工知能</a:t>
-            </a:r>
+              <a:t>深層学習</a:t>
+            </a:r>
+            <a:r>
+              <a:rPr kumimoji="1" lang="en-US" altLang="ja-JP"/>
+              <a:t> (Deep Learning) = </a:t>
+            </a:r>
+            <a:r>
+              <a:rPr kumimoji="1" lang="ja-JP" altLang="en-US"/>
+              <a:t>人工知能の最新技術</a:t>
+            </a:r>
+            <a:endParaRPr kumimoji="1" lang="ja-JP" altLang="en-US"/>
           </a:p>
         </p:txBody>
       </p:sp>
@@ -29400,11 +33319,35 @@
             </a:r>
             <a:r>
               <a:rPr kumimoji="1" lang="en-US" altLang="ja-JP"/>
-              <a:t> = </a:t>
+              <a:t> </a:t>
+            </a:r>
+            <a:r>
+              <a:rPr kumimoji="1" lang="en-US" altLang="ja-JP"/>
+              <a:t>→</a:t>
+            </a:r>
+            <a:r>
+              <a:rPr kumimoji="1" lang="en-US" altLang="ja-JP"/>
+              <a:t> </a:t>
             </a:r>
             <a:r>
               <a:rPr kumimoji="1" lang="ja-JP" altLang="en-US"/>
-              <a:t>人間が知能を使ってすることを</a:t>
+              <a:t>人間</a:t>
+            </a:r>
+            <a:r>
+              <a:rPr kumimoji="1" lang="ja-JP" altLang="en-US"/>
+              <a:t>による</a:t>
+            </a:r>
+            <a:r>
+              <a:rPr kumimoji="1" lang="ja-JP" altLang="en-US"/>
+              <a:t>知能を</a:t>
+            </a:r>
+            <a:r>
+              <a:rPr kumimoji="1" lang="ja-JP" altLang="en-US"/>
+              <a:t>使った行動・思考</a:t>
+            </a:r>
+            <a:r>
+              <a:rPr kumimoji="1" lang="ja-JP" altLang="en-US"/>
+              <a:t>を</a:t>
             </a:r>
             <a:r>
               <a:rPr kumimoji="1" lang="ja-JP" altLang="en-US"/>
@@ -29416,15 +33359,7 @@
             </a:r>
             <a:r>
               <a:rPr kumimoji="1" lang="ja-JP" altLang="en-US"/>
-              <a:t>も</a:t>
-            </a:r>
-            <a:r>
-              <a:rPr kumimoji="1" lang="ja-JP" altLang="en-US"/>
-              <a:t>させ</a:t>
-            </a:r>
-            <a:r>
-              <a:rPr kumimoji="1" lang="ja-JP" altLang="en-US"/>
-              <a:t>ること</a:t>
+              <a:t>も行わせること</a:t>
             </a:r>
             <a:endParaRPr kumimoji="1" lang="en-US" altLang="ja-JP"/>
           </a:p>
@@ -29653,15 +33588,7 @@
           <a:p>
             <a:r>
               <a:rPr kumimoji="1" lang="en-US" altLang="ja-JP" baseline="0"/>
-              <a:t>(</a:t>
-            </a:r>
-            <a:r>
-              <a:rPr kumimoji="1" lang="ja-JP" altLang="en-US" baseline="0"/>
-              <a:t>例</a:t>
-            </a:r>
-            <a:r>
-              <a:rPr kumimoji="1" lang="en-US" altLang="ja-JP" baseline="0"/>
-              <a:t>) IBM Watson</a:t>
+              <a:t>IBM Watson</a:t>
             </a:r>
             <a:endParaRPr kumimoji="1" lang="ja-JP" altLang="en-US" baseline="0"/>
           </a:p>
@@ -29699,214 +33626,458 @@
           </a:p>
         </p:txBody>
       </p:sp>
-      <p:sp>
-        <p:nvSpPr>
-          <p:cNvPr id="7" name="正方形/長方形 6"/>
+      <p:grpSp>
+        <p:nvGrpSpPr>
+          <p:cNvPr id="10" name="図形グループ 9"/>
+          <p:cNvGrpSpPr/>
+          <p:nvPr/>
+        </p:nvGrpSpPr>
+        <p:grpSpPr>
+          <a:xfrm>
+            <a:off x="0" y="4938114"/>
+            <a:ext cx="8961438" cy="579825"/>
+            <a:chOff x="0" y="5356462"/>
+            <a:chExt cx="8961438" cy="579825"/>
+          </a:xfrm>
+        </p:grpSpPr>
+        <p:sp>
+          <p:nvSpPr>
+            <p:cNvPr id="7" name="正方形/長方形 6"/>
+            <p:cNvSpPr/>
+            <p:nvPr/>
+          </p:nvSpPr>
+          <p:spPr bwMode="auto">
+            <a:xfrm>
+              <a:off x="0" y="5356462"/>
+              <a:ext cx="8961438" cy="579825"/>
+            </a:xfrm>
+            <a:prstGeom prst="rect">
+              <a:avLst/>
+            </a:prstGeom>
+            <a:solidFill>
+              <a:schemeClr val="accent1">
+                <a:alpha val="61000"/>
+              </a:schemeClr>
+            </a:solidFill>
+            <a:ln w="9525" cap="flat" cmpd="sng" algn="ctr">
+              <a:noFill/>
+              <a:prstDash val="solid"/>
+              <a:round/>
+              <a:headEnd type="none" w="med" len="med"/>
+              <a:tailEnd type="none" w="med" len="med"/>
+            </a:ln>
+            <a:effectLst/>
+          </p:spPr>
+          <p:txBody>
+            <a:bodyPr vert="horz" wrap="square" lIns="91440" tIns="45720" rIns="91440" bIns="45720" numCol="1" rtlCol="0" anchor="t" anchorCtr="0" compatLnSpc="1">
+              <a:prstTxWarp prst="textNoShape">
+                <a:avLst/>
+              </a:prstTxWarp>
+            </a:bodyPr>
+            <a:lstStyle/>
+            <a:p>
+              <a:pPr marL="0" marR="0" indent="0" algn="l" defTabSz="914400" rtl="0" eaLnBrk="1" fontAlgn="base" latinLnBrk="0" hangingPunct="1">
+                <a:lnSpc>
+                  <a:spcPct val="100000"/>
+                </a:lnSpc>
+                <a:spcBef>
+                  <a:spcPct val="0"/>
+                </a:spcBef>
+                <a:spcAft>
+                  <a:spcPct val="0"/>
+                </a:spcAft>
+                <a:buClrTx/>
+                <a:buSzTx/>
+                <a:buFontTx/>
+                <a:buNone/>
+                <a:tabLst/>
+              </a:pPr>
+              <a:endParaRPr kumimoji="0" lang="ja-JP" altLang="en-US" sz="1300" b="0" i="0" u="none" strike="noStrike" cap="none" normalizeH="0" baseline="0" dirty="0" err="1" smtClean="0">
+                <a:ln>
+                  <a:noFill/>
+                </a:ln>
+                <a:solidFill>
+                  <a:schemeClr val="tx1"/>
+                </a:solidFill>
+                <a:effectLst/>
+                <a:latin typeface="Arial" pitchFamily="34" charset="0"/>
+                <a:ea typeface="ＭＳ Ｐゴシック" pitchFamily="50" charset="-128"/>
+              </a:endParaRPr>
+            </a:p>
+          </p:txBody>
+        </p:sp>
+        <p:sp>
+          <p:nvSpPr>
+            <p:cNvPr id="22" name="テキスト ボックス 21"/>
+            <p:cNvSpPr txBox="1"/>
+            <p:nvPr/>
+          </p:nvSpPr>
+          <p:spPr>
+            <a:xfrm>
+              <a:off x="690270" y="5397873"/>
+              <a:ext cx="7776995" cy="492443"/>
+            </a:xfrm>
+            <a:prstGeom prst="rect">
+              <a:avLst/>
+            </a:prstGeom>
+            <a:noFill/>
+          </p:spPr>
+          <p:txBody>
+            <a:bodyPr wrap="none" rtlCol="0">
+              <a:spAutoFit/>
+            </a:bodyPr>
+            <a:lstStyle/>
+            <a:p>
+              <a:r>
+                <a:rPr kumimoji="1" lang="en-US" altLang="ja-JP" baseline="0" dirty="0" err="1">
+                  <a:solidFill>
+                    <a:srgbClr val="000000"/>
+                  </a:solidFill>
+                </a:rPr>
+                <a:t>IBM</a:t>
+              </a:r>
+              <a:r>
+                <a:rPr kumimoji="1" lang="ja-JP" altLang="en-US" baseline="0" dirty="0" err="1">
+                  <a:solidFill>
+                    <a:srgbClr val="000000"/>
+                  </a:solidFill>
+                </a:rPr>
+                <a:t>の質問応答システム</a:t>
+              </a:r>
+              <a:r>
+                <a:rPr kumimoji="1" lang="en-US" altLang="ja-JP" baseline="0" dirty="0" err="1">
+                  <a:solidFill>
+                    <a:srgbClr val="000000"/>
+                  </a:solidFill>
+                </a:rPr>
+                <a:t> </a:t>
+              </a:r>
+              <a:r>
+                <a:rPr kumimoji="1" lang="en-US" altLang="ja-JP" baseline="0" dirty="0" err="1">
+                  <a:solidFill>
+                    <a:srgbClr val="000000"/>
+                  </a:solidFill>
+                </a:rPr>
+                <a:t>Watson</a:t>
+              </a:r>
+              <a:endParaRPr kumimoji="1" lang="en-US" altLang="ja-JP" baseline="0" dirty="0" err="1">
+                <a:solidFill>
+                  <a:srgbClr val="000000"/>
+                </a:solidFill>
+              </a:endParaRPr>
+            </a:p>
+            <a:p>
+              <a:r>
+                <a:rPr kumimoji="1" lang="en-US" altLang="ja-JP" baseline="0" dirty="0" err="1">
+                  <a:solidFill>
+                    <a:srgbClr val="000000"/>
+                  </a:solidFill>
+                </a:rPr>
+                <a:t>2009</a:t>
+              </a:r>
+              <a:r>
+                <a:rPr kumimoji="1" lang="ja-JP" altLang="en-US" baseline="0" dirty="0" err="1">
+                  <a:solidFill>
+                    <a:srgbClr val="000000"/>
+                  </a:solidFill>
+                </a:rPr>
+                <a:t>年にアメリカのクイズ番組</a:t>
+              </a:r>
+              <a:r>
+                <a:rPr kumimoji="1" lang="en-US" altLang="ja-JP" baseline="0" dirty="0" err="1">
+                  <a:solidFill>
+                    <a:srgbClr val="000000"/>
+                  </a:solidFill>
+                </a:rPr>
+                <a:t>”Jeopardy!”</a:t>
+              </a:r>
+              <a:r>
+                <a:rPr kumimoji="1" lang="ja-JP" altLang="en-US" baseline="0" dirty="0" err="1">
+                  <a:solidFill>
+                    <a:srgbClr val="000000"/>
+                  </a:solidFill>
+                </a:rPr>
+                <a:t>に参加し、</a:t>
+              </a:r>
+              <a:r>
+                <a:rPr kumimoji="1" lang="en-US" altLang="ja-JP" baseline="0" dirty="0" err="1">
+                  <a:solidFill>
+                    <a:srgbClr val="000000"/>
+                  </a:solidFill>
+                </a:rPr>
+                <a:t>2</a:t>
+              </a:r>
+              <a:r>
+                <a:rPr kumimoji="1" lang="ja-JP" altLang="en-US" baseline="0" dirty="0" err="1">
+                  <a:solidFill>
+                    <a:srgbClr val="000000"/>
+                  </a:solidFill>
+                </a:rPr>
+                <a:t>人の人間のクイズチャンピオンを打ち破って優勝した。</a:t>
+              </a:r>
+            </a:p>
+          </p:txBody>
+        </p:sp>
+      </p:grpSp>
+      <p:sp>
+        <p:nvSpPr>
+          <p:cNvPr id="6" name="正方形/長方形 5"/>
           <p:cNvSpPr/>
           <p:nvPr/>
         </p:nvSpPr>
-        <p:spPr bwMode="auto">
-          <a:xfrm>
-            <a:off x="0" y="5356462"/>
-            <a:ext cx="8961438" cy="579825"/>
+        <p:spPr>
+          <a:xfrm>
+            <a:off x="626332" y="6385332"/>
+            <a:ext cx="7929049" cy="246221"/>
           </a:xfrm>
           <a:prstGeom prst="rect">
             <a:avLst/>
           </a:prstGeom>
-          <a:solidFill>
-            <a:schemeClr val="accent1">
-              <a:alpha val="61000"/>
-            </a:schemeClr>
-          </a:solidFill>
-          <a:ln w="9525" cap="flat" cmpd="sng" algn="ctr">
+        </p:spPr>
+        <p:txBody>
+          <a:bodyPr wrap="none">
+            <a:spAutoFit/>
+          </a:bodyPr>
+          <a:lstStyle/>
+          <a:p>
+            <a:r>
+              <a:rPr lang="en-US" altLang="ja-JP" sz="1000" baseline="0"/>
+              <a:t>https://www.ibm.com/developerworks/community/blogs/PlataformaJazz/entry/watson_o_desafio_de_todos_os_tempos?lang=en </a:t>
+            </a:r>
+            <a:r>
+              <a:rPr lang="ja-JP" altLang="en-US" sz="1000" baseline="0"/>
+              <a:t>より引用</a:t>
+            </a:r>
+            <a:endParaRPr lang="ja-JP" altLang="en-US" sz="1000" baseline="0"/>
+          </a:p>
+        </p:txBody>
+      </p:sp>
+      <p:sp>
+        <p:nvSpPr>
+          <p:cNvPr id="13" name="コンテンツ プレースホルダー 2"/>
+          <p:cNvSpPr txBox="1">
+            <a:spLocks/>
+          </p:cNvSpPr>
+          <p:nvPr/>
+        </p:nvSpPr>
+        <p:spPr bwMode="auto">
+          <a:xfrm>
+            <a:off x="119063" y="5961321"/>
+            <a:ext cx="8631237" cy="246221"/>
+          </a:xfrm>
+          <a:prstGeom prst="rect">
+            <a:avLst/>
+          </a:prstGeom>
+          <a:noFill/>
+          <a:ln w="9525">
             <a:noFill/>
-            <a:prstDash val="solid"/>
-            <a:round/>
-            <a:headEnd type="none" w="med" len="med"/>
-            <a:tailEnd type="none" w="med" len="med"/>
+            <a:miter lim="800000"/>
+            <a:headEnd/>
+            <a:tailEnd/>
           </a:ln>
-          <a:effectLst/>
-        </p:spPr>
-        <p:txBody>
-          <a:bodyPr vert="horz" wrap="square" lIns="91440" tIns="45720" rIns="91440" bIns="45720" numCol="1" rtlCol="0" anchor="t" anchorCtr="0" compatLnSpc="1">
+        </p:spPr>
+        <p:txBody>
+          <a:bodyPr vert="horz" wrap="square" lIns="0" tIns="0" rIns="0" bIns="0" numCol="1" anchor="t" anchorCtr="0" compatLnSpc="1">
             <a:prstTxWarp prst="textNoShape">
               <a:avLst/>
             </a:prstTxWarp>
+            <a:spAutoFit/>
           </a:bodyPr>
-          <a:lstStyle/>
-          <a:p>
-            <a:pPr marL="0" marR="0" indent="0" algn="l" defTabSz="914400" rtl="0" eaLnBrk="1" fontAlgn="base" latinLnBrk="0" hangingPunct="1">
-              <a:lnSpc>
-                <a:spcPct val="100000"/>
-              </a:lnSpc>
+          <a:lstStyle>
+            <a:lvl1pPr marL="342900" indent="-342900" algn="l" defTabSz="895350" rtl="0" eaLnBrk="0" fontAlgn="base" hangingPunct="0">
               <a:spcBef>
                 <a:spcPct val="0"/>
               </a:spcBef>
               <a:spcAft>
                 <a:spcPct val="0"/>
               </a:spcAft>
-              <a:buClrTx/>
-              <a:buSzTx/>
-              <a:buFontTx/>
-              <a:buNone/>
-              <a:tabLst/>
-            </a:pPr>
-            <a:endParaRPr kumimoji="0" lang="ja-JP" altLang="en-US" sz="1300" b="0" i="0" u="none" strike="noStrike" cap="none" normalizeH="0" baseline="0" dirty="0" err="1" smtClean="0">
-              <a:ln>
-                <a:noFill/>
-              </a:ln>
-              <a:solidFill>
-                <a:schemeClr val="tx1"/>
-              </a:solidFill>
-              <a:effectLst/>
-              <a:latin typeface="Arial" pitchFamily="34" charset="0"/>
-              <a:ea typeface="ＭＳ Ｐゴシック" pitchFamily="50" charset="-128"/>
-            </a:endParaRPr>
-          </a:p>
-        </p:txBody>
-      </p:sp>
-      <p:sp>
-        <p:nvSpPr>
-          <p:cNvPr id="22" name="テキスト ボックス 21"/>
-          <p:cNvSpPr txBox="1"/>
-          <p:nvPr/>
-        </p:nvSpPr>
-        <p:spPr>
-          <a:xfrm>
-            <a:off x="690270" y="5397879"/>
-            <a:ext cx="7776995" cy="492443"/>
-          </a:xfrm>
-          <a:prstGeom prst="rect">
-            <a:avLst/>
-          </a:prstGeom>
-          <a:noFill/>
-        </p:spPr>
-        <p:txBody>
-          <a:bodyPr wrap="none" rtlCol="0">
-            <a:spAutoFit/>
-          </a:bodyPr>
-          <a:lstStyle/>
-          <a:p>
-            <a:r>
-              <a:rPr kumimoji="1" lang="en-US" altLang="ja-JP" baseline="0" dirty="0" err="1">
+              <a:buClr>
+                <a:schemeClr val="tx2"/>
+              </a:buClr>
+              <a:defRPr sz="1600">
                 <a:solidFill>
-                  <a:srgbClr val="000000"/>
+                  <a:schemeClr val="tx1"/>
                 </a:solidFill>
-              </a:rPr>
-              <a:t>IBM</a:t>
-            </a:r>
-            <a:r>
-              <a:rPr kumimoji="1" lang="ja-JP" altLang="en-US" baseline="0" dirty="0" err="1">
+                <a:latin typeface="+mn-lt"/>
+                <a:ea typeface="+mn-ea"/>
+                <a:cs typeface="+mn-cs"/>
+              </a:defRPr>
+            </a:lvl1pPr>
+            <a:lvl2pPr marL="193675" indent="-192088" algn="l" defTabSz="895350" rtl="0" eaLnBrk="0" fontAlgn="base" hangingPunct="0">
+              <a:spcBef>
+                <a:spcPct val="0"/>
+              </a:spcBef>
+              <a:spcAft>
+                <a:spcPct val="0"/>
+              </a:spcAft>
+              <a:buClr>
+                <a:schemeClr val="tx2"/>
+              </a:buClr>
+              <a:buSzPct val="125000"/>
+              <a:buFont typeface="Arial" charset="0"/>
+              <a:buChar char="▪"/>
+              <a:defRPr sz="1600">
                 <a:solidFill>
-                  <a:srgbClr val="000000"/>
+                  <a:schemeClr val="tx1"/>
                 </a:solidFill>
-              </a:rPr>
-              <a:t>の質問応答システム</a:t>
-            </a:r>
-            <a:r>
-              <a:rPr kumimoji="1" lang="en-US" altLang="ja-JP" baseline="0" dirty="0" err="1">
+                <a:latin typeface="+mn-lt"/>
+                <a:ea typeface="+mn-ea"/>
+              </a:defRPr>
+            </a:lvl2pPr>
+            <a:lvl3pPr marL="457200" indent="-261938" algn="l" defTabSz="895350" rtl="0" eaLnBrk="0" fontAlgn="base" hangingPunct="0">
+              <a:spcBef>
+                <a:spcPct val="0"/>
+              </a:spcBef>
+              <a:spcAft>
+                <a:spcPct val="0"/>
+              </a:spcAft>
+              <a:buClr>
+                <a:schemeClr val="tx2"/>
+              </a:buClr>
+              <a:buSzPct val="120000"/>
+              <a:buFont typeface="Arial" charset="0"/>
+              <a:buChar char="–"/>
+              <a:defRPr sz="1600">
                 <a:solidFill>
-                  <a:srgbClr val="000000"/>
+                  <a:schemeClr val="tx1"/>
                 </a:solidFill>
-              </a:rPr>
-              <a:t> </a:t>
-            </a:r>
-            <a:r>
-              <a:rPr kumimoji="1" lang="en-US" altLang="ja-JP" baseline="0" dirty="0" err="1">
+                <a:latin typeface="+mn-lt"/>
+                <a:ea typeface="+mn-ea"/>
+              </a:defRPr>
+            </a:lvl3pPr>
+            <a:lvl4pPr marL="614363" indent="-155575" algn="l" defTabSz="895350" rtl="0" eaLnBrk="0" fontAlgn="base" hangingPunct="0">
+              <a:spcBef>
+                <a:spcPct val="0"/>
+              </a:spcBef>
+              <a:spcAft>
+                <a:spcPct val="0"/>
+              </a:spcAft>
+              <a:buClr>
+                <a:schemeClr val="tx2"/>
+              </a:buClr>
+              <a:buSzPct val="120000"/>
+              <a:buFont typeface="Arial" charset="0"/>
+              <a:buChar char="▫"/>
+              <a:defRPr sz="1600">
                 <a:solidFill>
-                  <a:srgbClr val="000000"/>
+                  <a:schemeClr val="tx1"/>
                 </a:solidFill>
-              </a:rPr>
-              <a:t>Watson</a:t>
-            </a:r>
-            <a:endParaRPr kumimoji="1" lang="en-US" altLang="ja-JP" baseline="0" dirty="0" err="1">
-              <a:solidFill>
-                <a:srgbClr val="000000"/>
-              </a:solidFill>
-            </a:endParaRPr>
-          </a:p>
-          <a:p>
-            <a:r>
-              <a:rPr kumimoji="1" lang="en-US" altLang="ja-JP" baseline="0" dirty="0" err="1">
+                <a:latin typeface="+mn-lt"/>
+                <a:ea typeface="+mn-ea"/>
+              </a:defRPr>
+            </a:lvl4pPr>
+            <a:lvl5pPr marL="746125" indent="-130175" algn="l" defTabSz="895350" rtl="0" eaLnBrk="0" fontAlgn="base" hangingPunct="0">
+              <a:spcBef>
+                <a:spcPct val="0"/>
+              </a:spcBef>
+              <a:spcAft>
+                <a:spcPct val="0"/>
+              </a:spcAft>
+              <a:buClr>
+                <a:schemeClr val="tx2"/>
+              </a:buClr>
+              <a:buSzPct val="89000"/>
+              <a:buFont typeface="Arial" charset="0"/>
+              <a:buChar char="-"/>
+              <a:defRPr sz="1600">
                 <a:solidFill>
-                  <a:srgbClr val="000000"/>
+                  <a:schemeClr val="tx1"/>
                 </a:solidFill>
-              </a:rPr>
-              <a:t>2009</a:t>
-            </a:r>
-            <a:r>
-              <a:rPr kumimoji="1" lang="ja-JP" altLang="en-US" baseline="0" dirty="0" err="1">
+                <a:latin typeface="+mn-lt"/>
+                <a:ea typeface="+mn-ea"/>
+              </a:defRPr>
+            </a:lvl5pPr>
+            <a:lvl6pPr marL="1203325" indent="-130175" algn="l" defTabSz="895350" rtl="0" fontAlgn="base">
+              <a:spcBef>
+                <a:spcPct val="0"/>
+              </a:spcBef>
+              <a:spcAft>
+                <a:spcPct val="0"/>
+              </a:spcAft>
+              <a:buClr>
+                <a:schemeClr val="tx2"/>
+              </a:buClr>
+              <a:buSzPct val="89000"/>
+              <a:buFont typeface="Arial" pitchFamily="34" charset="0"/>
+              <a:buChar char="-"/>
+              <a:defRPr sz="1600">
                 <a:solidFill>
-                  <a:srgbClr val="000000"/>
+                  <a:schemeClr val="tx1"/>
                 </a:solidFill>
-              </a:rPr>
-              <a:t>年にアメリカのクイズ番組</a:t>
-            </a:r>
-            <a:r>
-              <a:rPr kumimoji="1" lang="en-US" altLang="ja-JP" baseline="0" dirty="0" err="1">
+                <a:latin typeface="+mn-lt"/>
+                <a:ea typeface="+mn-ea"/>
+              </a:defRPr>
+            </a:lvl6pPr>
+            <a:lvl7pPr marL="1660525" indent="-130175" algn="l" defTabSz="895350" rtl="0" fontAlgn="base">
+              <a:spcBef>
+                <a:spcPct val="0"/>
+              </a:spcBef>
+              <a:spcAft>
+                <a:spcPct val="0"/>
+              </a:spcAft>
+              <a:buClr>
+                <a:schemeClr val="tx2"/>
+              </a:buClr>
+              <a:buSzPct val="89000"/>
+              <a:buFont typeface="Arial" pitchFamily="34" charset="0"/>
+              <a:buChar char="-"/>
+              <a:defRPr sz="1600">
                 <a:solidFill>
-                  <a:srgbClr val="000000"/>
+                  <a:schemeClr val="tx1"/>
                 </a:solidFill>
-              </a:rPr>
-              <a:t>”Jeopardy!”</a:t>
-            </a:r>
-            <a:r>
-              <a:rPr kumimoji="1" lang="ja-JP" altLang="en-US" baseline="0" dirty="0" err="1">
+                <a:latin typeface="+mn-lt"/>
+                <a:ea typeface="+mn-ea"/>
+              </a:defRPr>
+            </a:lvl7pPr>
+            <a:lvl8pPr marL="2117725" indent="-130175" algn="l" defTabSz="895350" rtl="0" fontAlgn="base">
+              <a:spcBef>
+                <a:spcPct val="0"/>
+              </a:spcBef>
+              <a:spcAft>
+                <a:spcPct val="0"/>
+              </a:spcAft>
+              <a:buClr>
+                <a:schemeClr val="tx2"/>
+              </a:buClr>
+              <a:buSzPct val="89000"/>
+              <a:buFont typeface="Arial" pitchFamily="34" charset="0"/>
+              <a:buChar char="-"/>
+              <a:defRPr sz="1600">
                 <a:solidFill>
-                  <a:srgbClr val="000000"/>
+                  <a:schemeClr val="tx1"/>
                 </a:solidFill>
-              </a:rPr>
-              <a:t>に参加し、</a:t>
-            </a:r>
-            <a:r>
-              <a:rPr kumimoji="1" lang="en-US" altLang="ja-JP" baseline="0" dirty="0" err="1">
+                <a:latin typeface="+mn-lt"/>
+                <a:ea typeface="+mn-ea"/>
+              </a:defRPr>
+            </a:lvl8pPr>
+            <a:lvl9pPr marL="2574925" indent="-130175" algn="l" defTabSz="895350" rtl="0" fontAlgn="base">
+              <a:spcBef>
+                <a:spcPct val="0"/>
+              </a:spcBef>
+              <a:spcAft>
+                <a:spcPct val="0"/>
+              </a:spcAft>
+              <a:buClr>
+                <a:schemeClr val="tx2"/>
+              </a:buClr>
+              <a:buSzPct val="89000"/>
+              <a:buFont typeface="Arial" pitchFamily="34" charset="0"/>
+              <a:buChar char="-"/>
+              <a:defRPr sz="1600">
                 <a:solidFill>
-                  <a:srgbClr val="000000"/>
+                  <a:schemeClr val="tx1"/>
                 </a:solidFill>
-              </a:rPr>
-              <a:t>2</a:t>
-            </a:r>
-            <a:r>
-              <a:rPr kumimoji="1" lang="ja-JP" altLang="en-US" baseline="0" dirty="0" err="1">
-                <a:solidFill>
-                  <a:srgbClr val="000000"/>
-                </a:solidFill>
-              </a:rPr>
-              <a:t>人の人間のクイズチャンピオンを打ち破って優勝した。</a:t>
-            </a:r>
-          </a:p>
-        </p:txBody>
-      </p:sp>
-      <p:sp>
-        <p:nvSpPr>
-          <p:cNvPr id="6" name="正方形/長方形 5"/>
-          <p:cNvSpPr/>
-          <p:nvPr/>
-        </p:nvSpPr>
-        <p:spPr>
-          <a:xfrm>
-            <a:off x="626332" y="6385332"/>
-            <a:ext cx="7929049" cy="246221"/>
-          </a:xfrm>
-          <a:prstGeom prst="rect">
-            <a:avLst/>
-          </a:prstGeom>
-        </p:spPr>
-        <p:txBody>
-          <a:bodyPr wrap="none">
-            <a:spAutoFit/>
-          </a:bodyPr>
-          <a:lstStyle/>
-          <a:p>
-            <a:r>
-              <a:rPr lang="en-US" altLang="ja-JP" sz="1000" baseline="0"/>
-              <a:t>https://www.ibm.com/developerworks/community/blogs/PlataformaJazz/entry/watson_o_desafio_de_todos_os_tempos?lang=en </a:t>
-            </a:r>
-            <a:r>
-              <a:rPr lang="ja-JP" altLang="en-US" sz="1000" baseline="0"/>
-              <a:t>より引用</a:t>
-            </a:r>
-            <a:endParaRPr lang="ja-JP" altLang="en-US" sz="1000" baseline="0"/>
+                <a:latin typeface="+mn-lt"/>
+                <a:ea typeface="+mn-ea"/>
+              </a:defRPr>
+            </a:lvl9pPr>
+          </a:lstStyle>
+          <a:p>
+            <a:r>
+              <a:rPr kumimoji="1" lang="ja-JP" altLang="en-US" baseline="0"/>
+              <a:t>人工知能は時に人間の思考を上回る。深層学習は、人工知能の発展に大きく貢献している。</a:t>
+            </a:r>
+            <a:endParaRPr kumimoji="1" lang="en-US" altLang="ja-JP" baseline="0"/>
           </a:p>
         </p:txBody>
       </p:sp>
@@ -31636,7 +35807,7 @@
           <p:nvPr/>
         </p:nvPicPr>
         <p:blipFill>
-          <a:blip r:embed="rId2">
+          <a:blip r:embed="rId3">
             <a:extLst>
               <a:ext uri="{28A0092B-C50C-407E-A947-70E740481C1C}">
                 <a14:useLocalDpi xmlns:a14="http://schemas.microsoft.com/office/drawing/2010/main" val="0"/>
@@ -39692,7 +43863,7 @@
           <a:p>
             <a:r>
               <a:rPr kumimoji="1" lang="pl-PL" altLang="ja-JP" baseline="0" dirty="0" err="1">
-                <a:hlinkClick r:id="rId2"/>
+                <a:hlinkClick r:id="rId3"/>
               </a:rPr>
               <a:t>http://www.amazon.co.jp</a:t>
             </a:r>
@@ -39717,7 +43888,7 @@
           <p:nvPr/>
         </p:nvPicPr>
         <p:blipFill>
-          <a:blip r:embed="rId3">
+          <a:blip r:embed="rId4">
             <a:extLst>
               <a:ext uri="{28A0092B-C50C-407E-A947-70E740481C1C}">
                 <a14:useLocalDpi xmlns:a14="http://schemas.microsoft.com/office/drawing/2010/main" val="0"/>
@@ -39837,7 +44008,7 @@
           <p:nvPr/>
         </p:nvPicPr>
         <p:blipFill>
-          <a:blip r:embed="rId4">
+          <a:blip r:embed="rId5">
             <a:extLst>
               <a:ext uri="{28A0092B-C50C-407E-A947-70E740481C1C}">
                 <a14:useLocalDpi xmlns:a14="http://schemas.microsoft.com/office/drawing/2010/main" val="0"/>
@@ -44481,7 +48652,7 @@
           <p:nvPr/>
         </p:nvPicPr>
         <p:blipFill>
-          <a:blip r:embed="rId2">
+          <a:blip r:embed="rId3">
             <a:extLst>
               <a:ext uri="{28A0092B-C50C-407E-A947-70E740481C1C}">
                 <a14:useLocalDpi xmlns:a14="http://schemas.microsoft.com/office/drawing/2010/main" val="0"/>
@@ -45345,8 +49516,8 @@
         </p:nvSpPr>
         <p:spPr>
           <a:xfrm>
-            <a:off x="784756" y="5346729"/>
-            <a:ext cx="1467569" cy="292388"/>
+            <a:off x="835432" y="5346729"/>
+            <a:ext cx="2710999" cy="292388"/>
           </a:xfrm>
           <a:prstGeom prst="rect">
             <a:avLst/>
@@ -45362,7 +49533,19 @@
             <a:pPr algn="ctr"/>
             <a:r>
               <a:rPr kumimoji="1" lang="ja-JP" altLang="en-US" baseline="0" dirty="0" err="1" smtClean="0"/>
-              <a:t>松尾研における例</a:t>
+              <a:t>松尾研における、</a:t>
+            </a:r>
+            <a:r>
+              <a:rPr kumimoji="1" lang="en-US" altLang="ja-JP" baseline="0" dirty="0" err="1" smtClean="0"/>
+              <a:t>Web</a:t>
+            </a:r>
+            <a:r>
+              <a:rPr kumimoji="1" lang="ja-JP" altLang="en-US" baseline="0" dirty="0" err="1"/>
+              <a:t>サービスの</a:t>
+            </a:r>
+            <a:r>
+              <a:rPr kumimoji="1" lang="ja-JP" altLang="en-US" baseline="0" dirty="0" err="1" smtClean="0"/>
+              <a:t>例</a:t>
             </a:r>
             <a:endParaRPr kumimoji="1" lang="ja-JP" altLang="en-US" baseline="0" dirty="0" err="1" smtClean="0"/>
           </a:p>
